--- a/原始資料/簡報1.pptx
+++ b/原始資料/簡報1.pptx
@@ -5,8 +5,10 @@
     <p:sldMasterId id="2147483648" r:id="rId1"/>
   </p:sldMasterIdLst>
   <p:sldIdLst>
-    <p:sldId id="256" r:id="rId2"/>
-    <p:sldId id="257" r:id="rId3"/>
+    <p:sldId id="258" r:id="rId2"/>
+    <p:sldId id="259" r:id="rId3"/>
+    <p:sldId id="256" r:id="rId4"/>
+    <p:sldId id="257" r:id="rId5"/>
   </p:sldIdLst>
   <p:sldSz cx="12192000" cy="6858000"/>
   <p:notesSz cx="6858000" cy="9144000"/>
@@ -2990,6 +2992,6231 @@
           <p:nvPr>
             <p:extLst>
               <p:ext uri="{D42A27DB-BD31-4B8C-83A1-F6EECF244321}">
+                <p14:modId xmlns:p14="http://schemas.microsoft.com/office/powerpoint/2010/main" val="1198193471"/>
+              </p:ext>
+            </p:extLst>
+          </p:nvPr>
+        </p:nvGraphicFramePr>
+        <p:xfrm>
+          <a:off x="1487054" y="1570181"/>
+          <a:ext cx="8640000" cy="2560320"/>
+        </p:xfrm>
+        <a:graphic>
+          <a:graphicData uri="http://schemas.openxmlformats.org/drawingml/2006/table">
+            <a:tbl>
+              <a:tblPr firstRow="1" firstCol="1" bandRow="1"/>
+              <a:tblGrid>
+                <a:gridCol w="360000">
+                  <a:extLst>
+                    <a:ext uri="{9D8B030D-6E8A-4147-A177-3AD203B41FA5}">
+                      <a16:colId xmlns:a16="http://schemas.microsoft.com/office/drawing/2014/main" val="686092669"/>
+                    </a:ext>
+                  </a:extLst>
+                </a:gridCol>
+                <a:gridCol w="1800000">
+                  <a:extLst>
+                    <a:ext uri="{9D8B030D-6E8A-4147-A177-3AD203B41FA5}">
+                      <a16:colId xmlns:a16="http://schemas.microsoft.com/office/drawing/2014/main" val="842655834"/>
+                    </a:ext>
+                  </a:extLst>
+                </a:gridCol>
+                <a:gridCol w="360000">
+                  <a:extLst>
+                    <a:ext uri="{9D8B030D-6E8A-4147-A177-3AD203B41FA5}">
+                      <a16:colId xmlns:a16="http://schemas.microsoft.com/office/drawing/2014/main" val="2493014732"/>
+                    </a:ext>
+                  </a:extLst>
+                </a:gridCol>
+                <a:gridCol w="1800000">
+                  <a:extLst>
+                    <a:ext uri="{9D8B030D-6E8A-4147-A177-3AD203B41FA5}">
+                      <a16:colId xmlns:a16="http://schemas.microsoft.com/office/drawing/2014/main" val="3849290803"/>
+                    </a:ext>
+                  </a:extLst>
+                </a:gridCol>
+                <a:gridCol w="360000">
+                  <a:extLst>
+                    <a:ext uri="{9D8B030D-6E8A-4147-A177-3AD203B41FA5}">
+                      <a16:colId xmlns:a16="http://schemas.microsoft.com/office/drawing/2014/main" val="2136380315"/>
+                    </a:ext>
+                  </a:extLst>
+                </a:gridCol>
+                <a:gridCol w="1800000">
+                  <a:extLst>
+                    <a:ext uri="{9D8B030D-6E8A-4147-A177-3AD203B41FA5}">
+                      <a16:colId xmlns:a16="http://schemas.microsoft.com/office/drawing/2014/main" val="3348727457"/>
+                    </a:ext>
+                  </a:extLst>
+                </a:gridCol>
+                <a:gridCol w="360000">
+                  <a:extLst>
+                    <a:ext uri="{9D8B030D-6E8A-4147-A177-3AD203B41FA5}">
+                      <a16:colId xmlns:a16="http://schemas.microsoft.com/office/drawing/2014/main" val="687444721"/>
+                    </a:ext>
+                  </a:extLst>
+                </a:gridCol>
+                <a:gridCol w="1800000">
+                  <a:extLst>
+                    <a:ext uri="{9D8B030D-6E8A-4147-A177-3AD203B41FA5}">
+                      <a16:colId xmlns:a16="http://schemas.microsoft.com/office/drawing/2014/main" val="3890415905"/>
+                    </a:ext>
+                  </a:extLst>
+                </a:gridCol>
+              </a:tblGrid>
+              <a:tr h="197777">
+                <a:tc>
+                  <a:txBody>
+                    <a:bodyPr/>
+                    <a:lstStyle/>
+                    <a:p>
+                      <a:pPr algn="ctr">
+                        <a:spcAft>
+                          <a:spcPts val="0"/>
+                        </a:spcAft>
+                      </a:pPr>
+                      <a:r>
+                        <a:rPr lang="en-US" altLang="zh-TW" sz="2400" kern="100" dirty="0" smtClean="0">
+                          <a:effectLst/>
+                          <a:latin typeface="Calibri" panose="020F0502020204030204" pitchFamily="34" charset="0"/>
+                          <a:ea typeface="新細明體" panose="02020500000000000000" pitchFamily="18" charset="-120"/>
+                          <a:cs typeface="Times New Roman" panose="02020603050405020304" pitchFamily="18" charset="0"/>
+                        </a:rPr>
+                        <a:t>A</a:t>
+                      </a:r>
+                      <a:endParaRPr lang="zh-TW" sz="2400" kern="100" dirty="0">
+                        <a:effectLst/>
+                        <a:latin typeface="Calibri" panose="020F0502020204030204" pitchFamily="34" charset="0"/>
+                        <a:ea typeface="新細明體" panose="02020500000000000000" pitchFamily="18" charset="-120"/>
+                        <a:cs typeface="Times New Roman" panose="02020603050405020304" pitchFamily="18" charset="0"/>
+                      </a:endParaRPr>
+                    </a:p>
+                  </a:txBody>
+                  <a:tcPr marL="68580" marR="68580" marT="0" marB="0">
+                    <a:lnL w="12700" cap="flat" cmpd="sng" algn="ctr">
+                      <a:solidFill>
+                        <a:srgbClr val="000000"/>
+                      </a:solidFill>
+                      <a:prstDash val="solid"/>
+                      <a:round/>
+                      <a:headEnd type="none" w="med" len="med"/>
+                      <a:tailEnd type="none" w="med" len="med"/>
+                    </a:lnL>
+                    <a:lnR w="12700" cap="flat" cmpd="sng" algn="ctr">
+                      <a:solidFill>
+                        <a:srgbClr val="000000"/>
+                      </a:solidFill>
+                      <a:prstDash val="solid"/>
+                      <a:round/>
+                      <a:headEnd type="none" w="med" len="med"/>
+                      <a:tailEnd type="none" w="med" len="med"/>
+                    </a:lnR>
+                    <a:lnT w="12700" cap="flat" cmpd="sng" algn="ctr">
+                      <a:solidFill>
+                        <a:srgbClr val="000000"/>
+                      </a:solidFill>
+                      <a:prstDash val="solid"/>
+                      <a:round/>
+                      <a:headEnd type="none" w="med" len="med"/>
+                      <a:tailEnd type="none" w="med" len="med"/>
+                    </a:lnT>
+                    <a:lnB w="12700" cap="flat" cmpd="sng" algn="ctr">
+                      <a:solidFill>
+                        <a:srgbClr val="000000"/>
+                      </a:solidFill>
+                      <a:prstDash val="solid"/>
+                      <a:round/>
+                      <a:headEnd type="none" w="med" len="med"/>
+                      <a:tailEnd type="none" w="med" len="med"/>
+                    </a:lnB>
+                    <a:solidFill>
+                      <a:schemeClr val="bg1">
+                        <a:lumMod val="85000"/>
+                      </a:schemeClr>
+                    </a:solidFill>
+                  </a:tcPr>
+                </a:tc>
+                <a:tc>
+                  <a:txBody>
+                    <a:bodyPr/>
+                    <a:lstStyle/>
+                    <a:p>
+                      <a:pPr>
+                        <a:spcAft>
+                          <a:spcPts val="0"/>
+                        </a:spcAft>
+                      </a:pPr>
+                      <a:r>
+                        <a:rPr lang="en-US" sz="2400" kern="100" dirty="0">
+                          <a:effectLst/>
+                          <a:latin typeface="Calibri" panose="020F0502020204030204" pitchFamily="34" charset="0"/>
+                          <a:ea typeface="新細明體" panose="02020500000000000000" pitchFamily="18" charset="-120"/>
+                          <a:cs typeface="Times New Roman" panose="02020603050405020304" pitchFamily="18" charset="0"/>
+                        </a:rPr>
+                        <a:t>CBC</a:t>
+                      </a:r>
+                      <a:endParaRPr lang="zh-TW" sz="2400" kern="100" dirty="0">
+                        <a:effectLst/>
+                        <a:latin typeface="Calibri" panose="020F0502020204030204" pitchFamily="34" charset="0"/>
+                        <a:ea typeface="新細明體" panose="02020500000000000000" pitchFamily="18" charset="-120"/>
+                        <a:cs typeface="Times New Roman" panose="02020603050405020304" pitchFamily="18" charset="0"/>
+                      </a:endParaRPr>
+                    </a:p>
+                  </a:txBody>
+                  <a:tcPr marL="68580" marR="68580" marT="0" marB="0">
+                    <a:lnL w="12700" cap="flat" cmpd="sng" algn="ctr">
+                      <a:solidFill>
+                        <a:srgbClr val="000000"/>
+                      </a:solidFill>
+                      <a:prstDash val="solid"/>
+                      <a:round/>
+                      <a:headEnd type="none" w="med" len="med"/>
+                      <a:tailEnd type="none" w="med" len="med"/>
+                    </a:lnL>
+                    <a:lnR w="12700" cap="flat" cmpd="sng" algn="ctr">
+                      <a:solidFill>
+                        <a:srgbClr val="000000"/>
+                      </a:solidFill>
+                      <a:prstDash val="solid"/>
+                      <a:round/>
+                      <a:headEnd type="none" w="med" len="med"/>
+                      <a:tailEnd type="none" w="med" len="med"/>
+                    </a:lnR>
+                    <a:lnT w="12700" cap="flat" cmpd="sng" algn="ctr">
+                      <a:solidFill>
+                        <a:srgbClr val="000000"/>
+                      </a:solidFill>
+                      <a:prstDash val="solid"/>
+                      <a:round/>
+                      <a:headEnd type="none" w="med" len="med"/>
+                      <a:tailEnd type="none" w="med" len="med"/>
+                    </a:lnT>
+                    <a:lnB w="12700" cap="flat" cmpd="sng" algn="ctr">
+                      <a:solidFill>
+                        <a:srgbClr val="000000"/>
+                      </a:solidFill>
+                      <a:prstDash val="solid"/>
+                      <a:round/>
+                      <a:headEnd type="none" w="med" len="med"/>
+                      <a:tailEnd type="none" w="med" len="med"/>
+                    </a:lnB>
+                    <a:solidFill>
+                      <a:schemeClr val="bg1"/>
+                    </a:solidFill>
+                  </a:tcPr>
+                </a:tc>
+                <a:tc>
+                  <a:txBody>
+                    <a:bodyPr/>
+                    <a:lstStyle/>
+                    <a:p>
+                      <a:pPr algn="ctr">
+                        <a:spcAft>
+                          <a:spcPts val="0"/>
+                        </a:spcAft>
+                      </a:pPr>
+                      <a:r>
+                        <a:rPr lang="en-US" altLang="zh-TW" sz="2400" kern="100" dirty="0" smtClean="0">
+                          <a:solidFill>
+                            <a:schemeClr val="tx1"/>
+                          </a:solidFill>
+                          <a:effectLst/>
+                          <a:latin typeface="Calibri" panose="020F0502020204030204" pitchFamily="34" charset="0"/>
+                          <a:ea typeface="新細明體" panose="02020500000000000000" pitchFamily="18" charset="-120"/>
+                          <a:cs typeface="Times New Roman" panose="02020603050405020304" pitchFamily="18" charset="0"/>
+                        </a:rPr>
+                        <a:t>B</a:t>
+                      </a:r>
+                      <a:endParaRPr lang="zh-TW" sz="2400" kern="100" dirty="0">
+                        <a:solidFill>
+                          <a:schemeClr val="tx1"/>
+                        </a:solidFill>
+                        <a:effectLst/>
+                        <a:latin typeface="Calibri" panose="020F0502020204030204" pitchFamily="34" charset="0"/>
+                        <a:ea typeface="新細明體" panose="02020500000000000000" pitchFamily="18" charset="-120"/>
+                        <a:cs typeface="Times New Roman" panose="02020603050405020304" pitchFamily="18" charset="0"/>
+                      </a:endParaRPr>
+                    </a:p>
+                  </a:txBody>
+                  <a:tcPr marL="68580" marR="68580" marT="0" marB="0">
+                    <a:lnL w="12700" cap="flat" cmpd="sng" algn="ctr">
+                      <a:solidFill>
+                        <a:srgbClr val="000000"/>
+                      </a:solidFill>
+                      <a:prstDash val="solid"/>
+                      <a:round/>
+                      <a:headEnd type="none" w="med" len="med"/>
+                      <a:tailEnd type="none" w="med" len="med"/>
+                    </a:lnL>
+                    <a:lnR w="12700" cap="flat" cmpd="sng" algn="ctr">
+                      <a:solidFill>
+                        <a:srgbClr val="000000"/>
+                      </a:solidFill>
+                      <a:prstDash val="solid"/>
+                      <a:round/>
+                      <a:headEnd type="none" w="med" len="med"/>
+                      <a:tailEnd type="none" w="med" len="med"/>
+                    </a:lnR>
+                    <a:lnT w="12700" cap="flat" cmpd="sng" algn="ctr">
+                      <a:solidFill>
+                        <a:srgbClr val="000000"/>
+                      </a:solidFill>
+                      <a:prstDash val="solid"/>
+                      <a:round/>
+                      <a:headEnd type="none" w="med" len="med"/>
+                      <a:tailEnd type="none" w="med" len="med"/>
+                    </a:lnT>
+                    <a:lnB w="12700" cap="flat" cmpd="sng" algn="ctr">
+                      <a:solidFill>
+                        <a:srgbClr val="000000"/>
+                      </a:solidFill>
+                      <a:prstDash val="solid"/>
+                      <a:round/>
+                      <a:headEnd type="none" w="med" len="med"/>
+                      <a:tailEnd type="none" w="med" len="med"/>
+                    </a:lnB>
+                    <a:solidFill>
+                      <a:schemeClr val="bg1">
+                        <a:lumMod val="85000"/>
+                      </a:schemeClr>
+                    </a:solidFill>
+                  </a:tcPr>
+                </a:tc>
+                <a:tc>
+                  <a:txBody>
+                    <a:bodyPr/>
+                    <a:lstStyle/>
+                    <a:p>
+                      <a:pPr>
+                        <a:spcAft>
+                          <a:spcPts val="0"/>
+                        </a:spcAft>
+                      </a:pPr>
+                      <a:r>
+                        <a:rPr lang="en-US" sz="2400" kern="100" dirty="0">
+                          <a:effectLst/>
+                          <a:latin typeface="Calibri" panose="020F0502020204030204" pitchFamily="34" charset="0"/>
+                          <a:ea typeface="新細明體" panose="02020500000000000000" pitchFamily="18" charset="-120"/>
+                          <a:cs typeface="Times New Roman" panose="02020603050405020304" pitchFamily="18" charset="0"/>
+                        </a:rPr>
+                        <a:t>DC</a:t>
+                      </a:r>
+                      <a:endParaRPr lang="zh-TW" sz="2400" kern="100" dirty="0">
+                        <a:effectLst/>
+                        <a:latin typeface="Calibri" panose="020F0502020204030204" pitchFamily="34" charset="0"/>
+                        <a:ea typeface="新細明體" panose="02020500000000000000" pitchFamily="18" charset="-120"/>
+                        <a:cs typeface="Times New Roman" panose="02020603050405020304" pitchFamily="18" charset="0"/>
+                      </a:endParaRPr>
+                    </a:p>
+                  </a:txBody>
+                  <a:tcPr marL="68580" marR="68580" marT="0" marB="0">
+                    <a:lnL w="12700" cap="flat" cmpd="sng" algn="ctr">
+                      <a:solidFill>
+                        <a:srgbClr val="000000"/>
+                      </a:solidFill>
+                      <a:prstDash val="solid"/>
+                      <a:round/>
+                      <a:headEnd type="none" w="med" len="med"/>
+                      <a:tailEnd type="none" w="med" len="med"/>
+                    </a:lnL>
+                    <a:lnR w="12700" cap="flat" cmpd="sng" algn="ctr">
+                      <a:solidFill>
+                        <a:srgbClr val="000000"/>
+                      </a:solidFill>
+                      <a:prstDash val="solid"/>
+                      <a:round/>
+                      <a:headEnd type="none" w="med" len="med"/>
+                      <a:tailEnd type="none" w="med" len="med"/>
+                    </a:lnR>
+                    <a:lnT w="12700" cap="flat" cmpd="sng" algn="ctr">
+                      <a:solidFill>
+                        <a:srgbClr val="000000"/>
+                      </a:solidFill>
+                      <a:prstDash val="solid"/>
+                      <a:round/>
+                      <a:headEnd type="none" w="med" len="med"/>
+                      <a:tailEnd type="none" w="med" len="med"/>
+                    </a:lnT>
+                    <a:lnB w="12700" cap="flat" cmpd="sng" algn="ctr">
+                      <a:solidFill>
+                        <a:srgbClr val="000000"/>
+                      </a:solidFill>
+                      <a:prstDash val="solid"/>
+                      <a:round/>
+                      <a:headEnd type="none" w="med" len="med"/>
+                      <a:tailEnd type="none" w="med" len="med"/>
+                    </a:lnB>
+                    <a:solidFill>
+                      <a:schemeClr val="bg1"/>
+                    </a:solidFill>
+                  </a:tcPr>
+                </a:tc>
+                <a:tc>
+                  <a:txBody>
+                    <a:bodyPr/>
+                    <a:lstStyle/>
+                    <a:p>
+                      <a:pPr marL="0" marR="0" indent="0" algn="ctr" defTabSz="914400" rtl="0" eaLnBrk="1" fontAlgn="auto" latinLnBrk="0" hangingPunct="1">
+                        <a:lnSpc>
+                          <a:spcPct val="100000"/>
+                        </a:lnSpc>
+                        <a:spcBef>
+                          <a:spcPts val="0"/>
+                        </a:spcBef>
+                        <a:spcAft>
+                          <a:spcPts val="0"/>
+                        </a:spcAft>
+                        <a:buClrTx/>
+                        <a:buSzTx/>
+                        <a:buFontTx/>
+                        <a:buNone/>
+                        <a:tabLst/>
+                        <a:defRPr/>
+                      </a:pPr>
+                      <a:r>
+                        <a:rPr lang="en-US" altLang="zh-TW" sz="2400" kern="100" dirty="0" smtClean="0">
+                          <a:solidFill>
+                            <a:schemeClr val="tx1"/>
+                          </a:solidFill>
+                          <a:effectLst/>
+                          <a:latin typeface="Calibri" panose="020F0502020204030204" pitchFamily="34" charset="0"/>
+                          <a:ea typeface="+mn-ea"/>
+                          <a:cs typeface="Times New Roman" panose="02020603050405020304" pitchFamily="18" charset="0"/>
+                        </a:rPr>
+                        <a:t>C</a:t>
+                      </a:r>
+                      <a:endParaRPr lang="zh-TW" sz="2400" kern="100" dirty="0">
+                        <a:solidFill>
+                          <a:schemeClr val="tx1"/>
+                        </a:solidFill>
+                        <a:effectLst/>
+                        <a:latin typeface="Calibri" panose="020F0502020204030204" pitchFamily="34" charset="0"/>
+                        <a:ea typeface="+mn-ea"/>
+                        <a:cs typeface="Times New Roman" panose="02020603050405020304" pitchFamily="18" charset="0"/>
+                      </a:endParaRPr>
+                    </a:p>
+                  </a:txBody>
+                  <a:tcPr marL="68580" marR="68580" marT="0" marB="0">
+                    <a:lnL w="12700" cap="flat" cmpd="sng" algn="ctr">
+                      <a:solidFill>
+                        <a:srgbClr val="000000"/>
+                      </a:solidFill>
+                      <a:prstDash val="solid"/>
+                      <a:round/>
+                      <a:headEnd type="none" w="med" len="med"/>
+                      <a:tailEnd type="none" w="med" len="med"/>
+                    </a:lnL>
+                    <a:lnR w="12700" cap="flat" cmpd="sng" algn="ctr">
+                      <a:solidFill>
+                        <a:srgbClr val="000000"/>
+                      </a:solidFill>
+                      <a:prstDash val="solid"/>
+                      <a:round/>
+                      <a:headEnd type="none" w="med" len="med"/>
+                      <a:tailEnd type="none" w="med" len="med"/>
+                    </a:lnR>
+                    <a:lnT w="12700" cap="flat" cmpd="sng" algn="ctr">
+                      <a:solidFill>
+                        <a:srgbClr val="000000"/>
+                      </a:solidFill>
+                      <a:prstDash val="solid"/>
+                      <a:round/>
+                      <a:headEnd type="none" w="med" len="med"/>
+                      <a:tailEnd type="none" w="med" len="med"/>
+                    </a:lnT>
+                    <a:lnB w="12700" cap="flat" cmpd="sng" algn="ctr">
+                      <a:solidFill>
+                        <a:srgbClr val="000000"/>
+                      </a:solidFill>
+                      <a:prstDash val="solid"/>
+                      <a:round/>
+                      <a:headEnd type="none" w="med" len="med"/>
+                      <a:tailEnd type="none" w="med" len="med"/>
+                    </a:lnB>
+                    <a:solidFill>
+                      <a:schemeClr val="bg1">
+                        <a:lumMod val="85000"/>
+                      </a:schemeClr>
+                    </a:solidFill>
+                  </a:tcPr>
+                </a:tc>
+                <a:tc>
+                  <a:txBody>
+                    <a:bodyPr/>
+                    <a:lstStyle/>
+                    <a:p>
+                      <a:pPr>
+                        <a:spcAft>
+                          <a:spcPts val="0"/>
+                        </a:spcAft>
+                      </a:pPr>
+                      <a:r>
+                        <a:rPr lang="en-US" sz="2400" kern="100" dirty="0">
+                          <a:effectLst/>
+                          <a:latin typeface="Calibri" panose="020F0502020204030204" pitchFamily="34" charset="0"/>
+                          <a:ea typeface="新細明體" panose="02020500000000000000" pitchFamily="18" charset="-120"/>
+                          <a:cs typeface="Times New Roman" panose="02020603050405020304" pitchFamily="18" charset="0"/>
+                        </a:rPr>
+                        <a:t>PT</a:t>
+                      </a:r>
+                      <a:endParaRPr lang="zh-TW" sz="2400" kern="100" dirty="0">
+                        <a:effectLst/>
+                        <a:latin typeface="Calibri" panose="020F0502020204030204" pitchFamily="34" charset="0"/>
+                        <a:ea typeface="新細明體" panose="02020500000000000000" pitchFamily="18" charset="-120"/>
+                        <a:cs typeface="Times New Roman" panose="02020603050405020304" pitchFamily="18" charset="0"/>
+                      </a:endParaRPr>
+                    </a:p>
+                  </a:txBody>
+                  <a:tcPr marL="68580" marR="68580" marT="0" marB="0">
+                    <a:lnL w="12700" cap="flat" cmpd="sng" algn="ctr">
+                      <a:solidFill>
+                        <a:srgbClr val="000000"/>
+                      </a:solidFill>
+                      <a:prstDash val="solid"/>
+                      <a:round/>
+                      <a:headEnd type="none" w="med" len="med"/>
+                      <a:tailEnd type="none" w="med" len="med"/>
+                    </a:lnL>
+                    <a:lnR w="12700" cap="flat" cmpd="sng" algn="ctr">
+                      <a:solidFill>
+                        <a:srgbClr val="000000"/>
+                      </a:solidFill>
+                      <a:prstDash val="solid"/>
+                      <a:round/>
+                      <a:headEnd type="none" w="med" len="med"/>
+                      <a:tailEnd type="none" w="med" len="med"/>
+                    </a:lnR>
+                    <a:lnT w="12700" cap="flat" cmpd="sng" algn="ctr">
+                      <a:solidFill>
+                        <a:srgbClr val="000000"/>
+                      </a:solidFill>
+                      <a:prstDash val="solid"/>
+                      <a:round/>
+                      <a:headEnd type="none" w="med" len="med"/>
+                      <a:tailEnd type="none" w="med" len="med"/>
+                    </a:lnT>
+                    <a:lnB w="12700" cap="flat" cmpd="sng" algn="ctr">
+                      <a:solidFill>
+                        <a:srgbClr val="000000"/>
+                      </a:solidFill>
+                      <a:prstDash val="solid"/>
+                      <a:round/>
+                      <a:headEnd type="none" w="med" len="med"/>
+                      <a:tailEnd type="none" w="med" len="med"/>
+                    </a:lnB>
+                    <a:solidFill>
+                      <a:schemeClr val="bg1"/>
+                    </a:solidFill>
+                  </a:tcPr>
+                </a:tc>
+                <a:tc>
+                  <a:txBody>
+                    <a:bodyPr/>
+                    <a:lstStyle/>
+                    <a:p>
+                      <a:pPr marL="0" marR="0" indent="0" algn="ctr" defTabSz="914400" rtl="0" eaLnBrk="1" fontAlgn="auto" latinLnBrk="0" hangingPunct="1">
+                        <a:lnSpc>
+                          <a:spcPct val="100000"/>
+                        </a:lnSpc>
+                        <a:spcBef>
+                          <a:spcPts val="0"/>
+                        </a:spcBef>
+                        <a:spcAft>
+                          <a:spcPts val="0"/>
+                        </a:spcAft>
+                        <a:buClrTx/>
+                        <a:buSzTx/>
+                        <a:buFontTx/>
+                        <a:buNone/>
+                        <a:tabLst/>
+                        <a:defRPr/>
+                      </a:pPr>
+                      <a:r>
+                        <a:rPr lang="en-US" altLang="zh-TW" sz="2400" kern="100" dirty="0" smtClean="0">
+                          <a:solidFill>
+                            <a:schemeClr val="tx1"/>
+                          </a:solidFill>
+                          <a:effectLst/>
+                          <a:latin typeface="Calibri" panose="020F0502020204030204" pitchFamily="34" charset="0"/>
+                          <a:ea typeface="+mn-ea"/>
+                          <a:cs typeface="Times New Roman" panose="02020603050405020304" pitchFamily="18" charset="0"/>
+                        </a:rPr>
+                        <a:t>D</a:t>
+                      </a:r>
+                      <a:endParaRPr lang="zh-TW" sz="2400" kern="100" dirty="0">
+                        <a:solidFill>
+                          <a:schemeClr val="tx1"/>
+                        </a:solidFill>
+                        <a:effectLst/>
+                        <a:latin typeface="Calibri" panose="020F0502020204030204" pitchFamily="34" charset="0"/>
+                        <a:ea typeface="+mn-ea"/>
+                        <a:cs typeface="Times New Roman" panose="02020603050405020304" pitchFamily="18" charset="0"/>
+                      </a:endParaRPr>
+                    </a:p>
+                  </a:txBody>
+                  <a:tcPr marL="68580" marR="68580" marT="0" marB="0">
+                    <a:lnL w="12700" cap="flat" cmpd="sng" algn="ctr">
+                      <a:solidFill>
+                        <a:srgbClr val="000000"/>
+                      </a:solidFill>
+                      <a:prstDash val="solid"/>
+                      <a:round/>
+                      <a:headEnd type="none" w="med" len="med"/>
+                      <a:tailEnd type="none" w="med" len="med"/>
+                    </a:lnL>
+                    <a:lnR w="12700" cap="flat" cmpd="sng" algn="ctr">
+                      <a:solidFill>
+                        <a:srgbClr val="000000"/>
+                      </a:solidFill>
+                      <a:prstDash val="solid"/>
+                      <a:round/>
+                      <a:headEnd type="none" w="med" len="med"/>
+                      <a:tailEnd type="none" w="med" len="med"/>
+                    </a:lnR>
+                    <a:lnT w="12700" cap="flat" cmpd="sng" algn="ctr">
+                      <a:solidFill>
+                        <a:srgbClr val="000000"/>
+                      </a:solidFill>
+                      <a:prstDash val="solid"/>
+                      <a:round/>
+                      <a:headEnd type="none" w="med" len="med"/>
+                      <a:tailEnd type="none" w="med" len="med"/>
+                    </a:lnT>
+                    <a:lnB w="12700" cap="flat" cmpd="sng" algn="ctr">
+                      <a:solidFill>
+                        <a:srgbClr val="000000"/>
+                      </a:solidFill>
+                      <a:prstDash val="solid"/>
+                      <a:round/>
+                      <a:headEnd type="none" w="med" len="med"/>
+                      <a:tailEnd type="none" w="med" len="med"/>
+                    </a:lnB>
+                    <a:solidFill>
+                      <a:schemeClr val="bg1">
+                        <a:lumMod val="85000"/>
+                      </a:schemeClr>
+                    </a:solidFill>
+                  </a:tcPr>
+                </a:tc>
+                <a:tc>
+                  <a:txBody>
+                    <a:bodyPr/>
+                    <a:lstStyle/>
+                    <a:p>
+                      <a:pPr>
+                        <a:spcAft>
+                          <a:spcPts val="0"/>
+                        </a:spcAft>
+                      </a:pPr>
+                      <a:r>
+                        <a:rPr lang="en-US" sz="2400" kern="100" dirty="0" err="1" smtClean="0">
+                          <a:effectLst/>
+                          <a:latin typeface="Calibri" panose="020F0502020204030204" pitchFamily="34" charset="0"/>
+                          <a:ea typeface="新細明體" panose="02020500000000000000" pitchFamily="18" charset="-120"/>
+                          <a:cs typeface="Times New Roman" panose="02020603050405020304" pitchFamily="18" charset="0"/>
+                        </a:rPr>
+                        <a:t>aPTT</a:t>
+                      </a:r>
+                      <a:endParaRPr lang="zh-TW" sz="2400" kern="100" dirty="0">
+                        <a:effectLst/>
+                        <a:latin typeface="Calibri" panose="020F0502020204030204" pitchFamily="34" charset="0"/>
+                        <a:ea typeface="新細明體" panose="02020500000000000000" pitchFamily="18" charset="-120"/>
+                        <a:cs typeface="Times New Roman" panose="02020603050405020304" pitchFamily="18" charset="0"/>
+                      </a:endParaRPr>
+                    </a:p>
+                  </a:txBody>
+                  <a:tcPr marL="68580" marR="68580" marT="0" marB="0">
+                    <a:lnL w="12700" cap="flat" cmpd="sng" algn="ctr">
+                      <a:solidFill>
+                        <a:srgbClr val="000000"/>
+                      </a:solidFill>
+                      <a:prstDash val="solid"/>
+                      <a:round/>
+                      <a:headEnd type="none" w="med" len="med"/>
+                      <a:tailEnd type="none" w="med" len="med"/>
+                    </a:lnL>
+                    <a:lnR w="12700" cap="flat" cmpd="sng" algn="ctr">
+                      <a:solidFill>
+                        <a:srgbClr val="000000"/>
+                      </a:solidFill>
+                      <a:prstDash val="solid"/>
+                      <a:round/>
+                      <a:headEnd type="none" w="med" len="med"/>
+                      <a:tailEnd type="none" w="med" len="med"/>
+                    </a:lnR>
+                    <a:lnT w="12700" cap="flat" cmpd="sng" algn="ctr">
+                      <a:solidFill>
+                        <a:srgbClr val="000000"/>
+                      </a:solidFill>
+                      <a:prstDash val="solid"/>
+                      <a:round/>
+                      <a:headEnd type="none" w="med" len="med"/>
+                      <a:tailEnd type="none" w="med" len="med"/>
+                    </a:lnT>
+                    <a:lnB w="12700" cap="flat" cmpd="sng" algn="ctr">
+                      <a:solidFill>
+                        <a:srgbClr val="000000"/>
+                      </a:solidFill>
+                      <a:prstDash val="solid"/>
+                      <a:round/>
+                      <a:headEnd type="none" w="med" len="med"/>
+                      <a:tailEnd type="none" w="med" len="med"/>
+                    </a:lnB>
+                    <a:solidFill>
+                      <a:schemeClr val="bg1"/>
+                    </a:solidFill>
+                  </a:tcPr>
+                </a:tc>
+                <a:extLst>
+                  <a:ext uri="{0D108BD9-81ED-4DB2-BD59-A6C34878D82A}">
+                    <a16:rowId xmlns:a16="http://schemas.microsoft.com/office/drawing/2014/main" val="599559811"/>
+                  </a:ext>
+                </a:extLst>
+              </a:tr>
+              <a:tr h="197777">
+                <a:tc>
+                  <a:txBody>
+                    <a:bodyPr/>
+                    <a:lstStyle/>
+                    <a:p>
+                      <a:pPr algn="ctr">
+                        <a:spcAft>
+                          <a:spcPts val="0"/>
+                        </a:spcAft>
+                      </a:pPr>
+                      <a:r>
+                        <a:rPr lang="en-US" altLang="zh-TW" sz="2400" kern="100" dirty="0" smtClean="0">
+                          <a:effectLst/>
+                          <a:latin typeface="Calibri" panose="020F0502020204030204" pitchFamily="34" charset="0"/>
+                          <a:ea typeface="新細明體" panose="02020500000000000000" pitchFamily="18" charset="-120"/>
+                          <a:cs typeface="Times New Roman" panose="02020603050405020304" pitchFamily="18" charset="0"/>
+                        </a:rPr>
+                        <a:t>E</a:t>
+                      </a:r>
+                      <a:endParaRPr lang="zh-TW" sz="2400" kern="100" dirty="0">
+                        <a:effectLst/>
+                        <a:latin typeface="Calibri" panose="020F0502020204030204" pitchFamily="34" charset="0"/>
+                        <a:ea typeface="新細明體" panose="02020500000000000000" pitchFamily="18" charset="-120"/>
+                        <a:cs typeface="Times New Roman" panose="02020603050405020304" pitchFamily="18" charset="0"/>
+                      </a:endParaRPr>
+                    </a:p>
+                  </a:txBody>
+                  <a:tcPr marL="68580" marR="68580" marT="0" marB="0">
+                    <a:lnL w="12700" cap="flat" cmpd="sng" algn="ctr">
+                      <a:solidFill>
+                        <a:srgbClr val="000000"/>
+                      </a:solidFill>
+                      <a:prstDash val="solid"/>
+                      <a:round/>
+                      <a:headEnd type="none" w="med" len="med"/>
+                      <a:tailEnd type="none" w="med" len="med"/>
+                    </a:lnL>
+                    <a:lnR w="12700" cap="flat" cmpd="sng" algn="ctr">
+                      <a:solidFill>
+                        <a:srgbClr val="000000"/>
+                      </a:solidFill>
+                      <a:prstDash val="solid"/>
+                      <a:round/>
+                      <a:headEnd type="none" w="med" len="med"/>
+                      <a:tailEnd type="none" w="med" len="med"/>
+                    </a:lnR>
+                    <a:lnT w="12700" cap="flat" cmpd="sng" algn="ctr">
+                      <a:solidFill>
+                        <a:srgbClr val="000000"/>
+                      </a:solidFill>
+                      <a:prstDash val="solid"/>
+                      <a:round/>
+                      <a:headEnd type="none" w="med" len="med"/>
+                      <a:tailEnd type="none" w="med" len="med"/>
+                    </a:lnT>
+                    <a:lnB w="12700" cap="flat" cmpd="sng" algn="ctr">
+                      <a:solidFill>
+                        <a:srgbClr val="000000"/>
+                      </a:solidFill>
+                      <a:prstDash val="solid"/>
+                      <a:round/>
+                      <a:headEnd type="none" w="med" len="med"/>
+                      <a:tailEnd type="none" w="med" len="med"/>
+                    </a:lnB>
+                    <a:solidFill>
+                      <a:schemeClr val="bg1">
+                        <a:lumMod val="85000"/>
+                      </a:schemeClr>
+                    </a:solidFill>
+                  </a:tcPr>
+                </a:tc>
+                <a:tc>
+                  <a:txBody>
+                    <a:bodyPr/>
+                    <a:lstStyle/>
+                    <a:p>
+                      <a:pPr>
+                        <a:spcAft>
+                          <a:spcPts val="0"/>
+                        </a:spcAft>
+                      </a:pPr>
+                      <a:r>
+                        <a:rPr lang="en-US" sz="2400" kern="100" dirty="0">
+                          <a:effectLst/>
+                          <a:latin typeface="Calibri" panose="020F0502020204030204" pitchFamily="34" charset="0"/>
+                          <a:ea typeface="新細明體" panose="02020500000000000000" pitchFamily="18" charset="-120"/>
+                          <a:cs typeface="Times New Roman" panose="02020603050405020304" pitchFamily="18" charset="0"/>
+                        </a:rPr>
+                        <a:t>Na</a:t>
+                      </a:r>
+                      <a:endParaRPr lang="zh-TW" sz="2400" kern="100" dirty="0">
+                        <a:effectLst/>
+                        <a:latin typeface="Calibri" panose="020F0502020204030204" pitchFamily="34" charset="0"/>
+                        <a:ea typeface="新細明體" panose="02020500000000000000" pitchFamily="18" charset="-120"/>
+                        <a:cs typeface="Times New Roman" panose="02020603050405020304" pitchFamily="18" charset="0"/>
+                      </a:endParaRPr>
+                    </a:p>
+                  </a:txBody>
+                  <a:tcPr marL="68580" marR="68580" marT="0" marB="0">
+                    <a:lnL w="12700" cap="flat" cmpd="sng" algn="ctr">
+                      <a:solidFill>
+                        <a:srgbClr val="000000"/>
+                      </a:solidFill>
+                      <a:prstDash val="solid"/>
+                      <a:round/>
+                      <a:headEnd type="none" w="med" len="med"/>
+                      <a:tailEnd type="none" w="med" len="med"/>
+                    </a:lnL>
+                    <a:lnR w="12700" cap="flat" cmpd="sng" algn="ctr">
+                      <a:solidFill>
+                        <a:srgbClr val="000000"/>
+                      </a:solidFill>
+                      <a:prstDash val="solid"/>
+                      <a:round/>
+                      <a:headEnd type="none" w="med" len="med"/>
+                      <a:tailEnd type="none" w="med" len="med"/>
+                    </a:lnR>
+                    <a:lnT w="12700" cap="flat" cmpd="sng" algn="ctr">
+                      <a:solidFill>
+                        <a:srgbClr val="000000"/>
+                      </a:solidFill>
+                      <a:prstDash val="solid"/>
+                      <a:round/>
+                      <a:headEnd type="none" w="med" len="med"/>
+                      <a:tailEnd type="none" w="med" len="med"/>
+                    </a:lnT>
+                    <a:lnB w="12700" cap="flat" cmpd="sng" algn="ctr">
+                      <a:solidFill>
+                        <a:srgbClr val="000000"/>
+                      </a:solidFill>
+                      <a:prstDash val="solid"/>
+                      <a:round/>
+                      <a:headEnd type="none" w="med" len="med"/>
+                      <a:tailEnd type="none" w="med" len="med"/>
+                    </a:lnB>
+                    <a:solidFill>
+                      <a:schemeClr val="bg1"/>
+                    </a:solidFill>
+                  </a:tcPr>
+                </a:tc>
+                <a:tc>
+                  <a:txBody>
+                    <a:bodyPr/>
+                    <a:lstStyle/>
+                    <a:p>
+                      <a:pPr algn="ctr">
+                        <a:spcAft>
+                          <a:spcPts val="0"/>
+                        </a:spcAft>
+                      </a:pPr>
+                      <a:r>
+                        <a:rPr lang="en-US" altLang="zh-TW" sz="2400" kern="100" dirty="0" smtClean="0">
+                          <a:solidFill>
+                            <a:schemeClr val="tx1"/>
+                          </a:solidFill>
+                          <a:effectLst/>
+                          <a:latin typeface="Calibri" panose="020F0502020204030204" pitchFamily="34" charset="0"/>
+                          <a:ea typeface="新細明體" panose="02020500000000000000" pitchFamily="18" charset="-120"/>
+                          <a:cs typeface="Times New Roman" panose="02020603050405020304" pitchFamily="18" charset="0"/>
+                        </a:rPr>
+                        <a:t>F</a:t>
+                      </a:r>
+                      <a:endParaRPr lang="zh-TW" sz="2400" kern="100" dirty="0">
+                        <a:solidFill>
+                          <a:schemeClr val="tx1"/>
+                        </a:solidFill>
+                        <a:effectLst/>
+                        <a:latin typeface="Calibri" panose="020F0502020204030204" pitchFamily="34" charset="0"/>
+                        <a:ea typeface="新細明體" panose="02020500000000000000" pitchFamily="18" charset="-120"/>
+                        <a:cs typeface="Times New Roman" panose="02020603050405020304" pitchFamily="18" charset="0"/>
+                      </a:endParaRPr>
+                    </a:p>
+                  </a:txBody>
+                  <a:tcPr marL="68580" marR="68580" marT="0" marB="0">
+                    <a:lnL w="12700" cap="flat" cmpd="sng" algn="ctr">
+                      <a:solidFill>
+                        <a:srgbClr val="000000"/>
+                      </a:solidFill>
+                      <a:prstDash val="solid"/>
+                      <a:round/>
+                      <a:headEnd type="none" w="med" len="med"/>
+                      <a:tailEnd type="none" w="med" len="med"/>
+                    </a:lnL>
+                    <a:lnR w="12700" cap="flat" cmpd="sng" algn="ctr">
+                      <a:solidFill>
+                        <a:srgbClr val="000000"/>
+                      </a:solidFill>
+                      <a:prstDash val="solid"/>
+                      <a:round/>
+                      <a:headEnd type="none" w="med" len="med"/>
+                      <a:tailEnd type="none" w="med" len="med"/>
+                    </a:lnR>
+                    <a:lnT w="12700" cap="flat" cmpd="sng" algn="ctr">
+                      <a:solidFill>
+                        <a:srgbClr val="000000"/>
+                      </a:solidFill>
+                      <a:prstDash val="solid"/>
+                      <a:round/>
+                      <a:headEnd type="none" w="med" len="med"/>
+                      <a:tailEnd type="none" w="med" len="med"/>
+                    </a:lnT>
+                    <a:lnB w="12700" cap="flat" cmpd="sng" algn="ctr">
+                      <a:solidFill>
+                        <a:srgbClr val="000000"/>
+                      </a:solidFill>
+                      <a:prstDash val="solid"/>
+                      <a:round/>
+                      <a:headEnd type="none" w="med" len="med"/>
+                      <a:tailEnd type="none" w="med" len="med"/>
+                    </a:lnB>
+                    <a:solidFill>
+                      <a:schemeClr val="bg1">
+                        <a:lumMod val="85000"/>
+                      </a:schemeClr>
+                    </a:solidFill>
+                  </a:tcPr>
+                </a:tc>
+                <a:tc>
+                  <a:txBody>
+                    <a:bodyPr/>
+                    <a:lstStyle/>
+                    <a:p>
+                      <a:pPr>
+                        <a:spcAft>
+                          <a:spcPts val="0"/>
+                        </a:spcAft>
+                      </a:pPr>
+                      <a:r>
+                        <a:rPr lang="en-US" sz="2400" kern="100" dirty="0">
+                          <a:effectLst/>
+                          <a:latin typeface="Calibri" panose="020F0502020204030204" pitchFamily="34" charset="0"/>
+                          <a:ea typeface="新細明體" panose="02020500000000000000" pitchFamily="18" charset="-120"/>
+                          <a:cs typeface="Times New Roman" panose="02020603050405020304" pitchFamily="18" charset="0"/>
+                        </a:rPr>
+                        <a:t>K</a:t>
+                      </a:r>
+                      <a:endParaRPr lang="zh-TW" sz="2400" kern="100" dirty="0">
+                        <a:effectLst/>
+                        <a:latin typeface="Calibri" panose="020F0502020204030204" pitchFamily="34" charset="0"/>
+                        <a:ea typeface="新細明體" panose="02020500000000000000" pitchFamily="18" charset="-120"/>
+                        <a:cs typeface="Times New Roman" panose="02020603050405020304" pitchFamily="18" charset="0"/>
+                      </a:endParaRPr>
+                    </a:p>
+                  </a:txBody>
+                  <a:tcPr marL="68580" marR="68580" marT="0" marB="0">
+                    <a:lnL w="12700" cap="flat" cmpd="sng" algn="ctr">
+                      <a:solidFill>
+                        <a:srgbClr val="000000"/>
+                      </a:solidFill>
+                      <a:prstDash val="solid"/>
+                      <a:round/>
+                      <a:headEnd type="none" w="med" len="med"/>
+                      <a:tailEnd type="none" w="med" len="med"/>
+                    </a:lnL>
+                    <a:lnR w="12700" cap="flat" cmpd="sng" algn="ctr">
+                      <a:solidFill>
+                        <a:srgbClr val="000000"/>
+                      </a:solidFill>
+                      <a:prstDash val="solid"/>
+                      <a:round/>
+                      <a:headEnd type="none" w="med" len="med"/>
+                      <a:tailEnd type="none" w="med" len="med"/>
+                    </a:lnR>
+                    <a:lnT w="12700" cap="flat" cmpd="sng" algn="ctr">
+                      <a:solidFill>
+                        <a:srgbClr val="000000"/>
+                      </a:solidFill>
+                      <a:prstDash val="solid"/>
+                      <a:round/>
+                      <a:headEnd type="none" w="med" len="med"/>
+                      <a:tailEnd type="none" w="med" len="med"/>
+                    </a:lnT>
+                    <a:lnB w="12700" cap="flat" cmpd="sng" algn="ctr">
+                      <a:solidFill>
+                        <a:srgbClr val="000000"/>
+                      </a:solidFill>
+                      <a:prstDash val="solid"/>
+                      <a:round/>
+                      <a:headEnd type="none" w="med" len="med"/>
+                      <a:tailEnd type="none" w="med" len="med"/>
+                    </a:lnB>
+                    <a:solidFill>
+                      <a:schemeClr val="bg1"/>
+                    </a:solidFill>
+                  </a:tcPr>
+                </a:tc>
+                <a:tc>
+                  <a:txBody>
+                    <a:bodyPr/>
+                    <a:lstStyle/>
+                    <a:p>
+                      <a:pPr marL="0" marR="0" indent="0" algn="ctr" defTabSz="914400" rtl="0" eaLnBrk="1" fontAlgn="auto" latinLnBrk="0" hangingPunct="1">
+                        <a:lnSpc>
+                          <a:spcPct val="100000"/>
+                        </a:lnSpc>
+                        <a:spcBef>
+                          <a:spcPts val="0"/>
+                        </a:spcBef>
+                        <a:spcAft>
+                          <a:spcPts val="0"/>
+                        </a:spcAft>
+                        <a:buClrTx/>
+                        <a:buSzTx/>
+                        <a:buFontTx/>
+                        <a:buNone/>
+                        <a:tabLst/>
+                        <a:defRPr/>
+                      </a:pPr>
+                      <a:r>
+                        <a:rPr lang="en-US" altLang="zh-TW" sz="2400" kern="100" dirty="0" smtClean="0">
+                          <a:solidFill>
+                            <a:schemeClr val="tx1"/>
+                          </a:solidFill>
+                          <a:effectLst/>
+                          <a:latin typeface="Calibri" panose="020F0502020204030204" pitchFamily="34" charset="0"/>
+                          <a:ea typeface="+mn-ea"/>
+                          <a:cs typeface="Times New Roman" panose="02020603050405020304" pitchFamily="18" charset="0"/>
+                        </a:rPr>
+                        <a:t>G</a:t>
+                      </a:r>
+                      <a:endParaRPr lang="zh-TW" sz="2400" kern="100" dirty="0">
+                        <a:solidFill>
+                          <a:schemeClr val="tx1"/>
+                        </a:solidFill>
+                        <a:effectLst/>
+                        <a:latin typeface="Calibri" panose="020F0502020204030204" pitchFamily="34" charset="0"/>
+                        <a:ea typeface="+mn-ea"/>
+                        <a:cs typeface="Times New Roman" panose="02020603050405020304" pitchFamily="18" charset="0"/>
+                      </a:endParaRPr>
+                    </a:p>
+                  </a:txBody>
+                  <a:tcPr marL="68580" marR="68580" marT="0" marB="0">
+                    <a:lnL w="12700" cap="flat" cmpd="sng" algn="ctr">
+                      <a:solidFill>
+                        <a:srgbClr val="000000"/>
+                      </a:solidFill>
+                      <a:prstDash val="solid"/>
+                      <a:round/>
+                      <a:headEnd type="none" w="med" len="med"/>
+                      <a:tailEnd type="none" w="med" len="med"/>
+                    </a:lnL>
+                    <a:lnR w="12700" cap="flat" cmpd="sng" algn="ctr">
+                      <a:solidFill>
+                        <a:srgbClr val="000000"/>
+                      </a:solidFill>
+                      <a:prstDash val="solid"/>
+                      <a:round/>
+                      <a:headEnd type="none" w="med" len="med"/>
+                      <a:tailEnd type="none" w="med" len="med"/>
+                    </a:lnR>
+                    <a:lnT w="12700" cap="flat" cmpd="sng" algn="ctr">
+                      <a:solidFill>
+                        <a:srgbClr val="000000"/>
+                      </a:solidFill>
+                      <a:prstDash val="solid"/>
+                      <a:round/>
+                      <a:headEnd type="none" w="med" len="med"/>
+                      <a:tailEnd type="none" w="med" len="med"/>
+                    </a:lnT>
+                    <a:lnB w="12700" cap="flat" cmpd="sng" algn="ctr">
+                      <a:solidFill>
+                        <a:srgbClr val="000000"/>
+                      </a:solidFill>
+                      <a:prstDash val="solid"/>
+                      <a:round/>
+                      <a:headEnd type="none" w="med" len="med"/>
+                      <a:tailEnd type="none" w="med" len="med"/>
+                    </a:lnB>
+                    <a:solidFill>
+                      <a:schemeClr val="bg1">
+                        <a:lumMod val="85000"/>
+                      </a:schemeClr>
+                    </a:solidFill>
+                  </a:tcPr>
+                </a:tc>
+                <a:tc>
+                  <a:txBody>
+                    <a:bodyPr/>
+                    <a:lstStyle/>
+                    <a:p>
+                      <a:pPr>
+                        <a:spcAft>
+                          <a:spcPts val="0"/>
+                        </a:spcAft>
+                      </a:pPr>
+                      <a:r>
+                        <a:rPr lang="en-US" sz="2400" kern="100" dirty="0">
+                          <a:effectLst/>
+                          <a:latin typeface="Calibri" panose="020F0502020204030204" pitchFamily="34" charset="0"/>
+                          <a:ea typeface="新細明體" panose="02020500000000000000" pitchFamily="18" charset="-120"/>
+                          <a:cs typeface="Times New Roman" panose="02020603050405020304" pitchFamily="18" charset="0"/>
+                        </a:rPr>
+                        <a:t>Ca</a:t>
+                      </a:r>
+                      <a:endParaRPr lang="zh-TW" sz="2400" kern="100" dirty="0">
+                        <a:effectLst/>
+                        <a:latin typeface="Calibri" panose="020F0502020204030204" pitchFamily="34" charset="0"/>
+                        <a:ea typeface="新細明體" panose="02020500000000000000" pitchFamily="18" charset="-120"/>
+                        <a:cs typeface="Times New Roman" panose="02020603050405020304" pitchFamily="18" charset="0"/>
+                      </a:endParaRPr>
+                    </a:p>
+                  </a:txBody>
+                  <a:tcPr marL="68580" marR="68580" marT="0" marB="0">
+                    <a:lnL w="12700" cap="flat" cmpd="sng" algn="ctr">
+                      <a:solidFill>
+                        <a:srgbClr val="000000"/>
+                      </a:solidFill>
+                      <a:prstDash val="solid"/>
+                      <a:round/>
+                      <a:headEnd type="none" w="med" len="med"/>
+                      <a:tailEnd type="none" w="med" len="med"/>
+                    </a:lnL>
+                    <a:lnR w="12700" cap="flat" cmpd="sng" algn="ctr">
+                      <a:solidFill>
+                        <a:srgbClr val="000000"/>
+                      </a:solidFill>
+                      <a:prstDash val="solid"/>
+                      <a:round/>
+                      <a:headEnd type="none" w="med" len="med"/>
+                      <a:tailEnd type="none" w="med" len="med"/>
+                    </a:lnR>
+                    <a:lnT w="12700" cap="flat" cmpd="sng" algn="ctr">
+                      <a:solidFill>
+                        <a:srgbClr val="000000"/>
+                      </a:solidFill>
+                      <a:prstDash val="solid"/>
+                      <a:round/>
+                      <a:headEnd type="none" w="med" len="med"/>
+                      <a:tailEnd type="none" w="med" len="med"/>
+                    </a:lnT>
+                    <a:lnB w="12700" cap="flat" cmpd="sng" algn="ctr">
+                      <a:solidFill>
+                        <a:srgbClr val="000000"/>
+                      </a:solidFill>
+                      <a:prstDash val="solid"/>
+                      <a:round/>
+                      <a:headEnd type="none" w="med" len="med"/>
+                      <a:tailEnd type="none" w="med" len="med"/>
+                    </a:lnB>
+                    <a:solidFill>
+                      <a:schemeClr val="bg1"/>
+                    </a:solidFill>
+                  </a:tcPr>
+                </a:tc>
+                <a:tc>
+                  <a:txBody>
+                    <a:bodyPr/>
+                    <a:lstStyle/>
+                    <a:p>
+                      <a:pPr marL="0" marR="0" indent="0" algn="ctr" defTabSz="914400" rtl="0" eaLnBrk="1" fontAlgn="auto" latinLnBrk="0" hangingPunct="1">
+                        <a:lnSpc>
+                          <a:spcPct val="100000"/>
+                        </a:lnSpc>
+                        <a:spcBef>
+                          <a:spcPts val="0"/>
+                        </a:spcBef>
+                        <a:spcAft>
+                          <a:spcPts val="0"/>
+                        </a:spcAft>
+                        <a:buClrTx/>
+                        <a:buSzTx/>
+                        <a:buFontTx/>
+                        <a:buNone/>
+                        <a:tabLst/>
+                        <a:defRPr/>
+                      </a:pPr>
+                      <a:r>
+                        <a:rPr lang="en-US" altLang="zh-TW" sz="2400" kern="100" dirty="0" smtClean="0">
+                          <a:solidFill>
+                            <a:schemeClr val="tx1"/>
+                          </a:solidFill>
+                          <a:effectLst/>
+                          <a:latin typeface="Calibri" panose="020F0502020204030204" pitchFamily="34" charset="0"/>
+                          <a:ea typeface="+mn-ea"/>
+                          <a:cs typeface="Times New Roman" panose="02020603050405020304" pitchFamily="18" charset="0"/>
+                        </a:rPr>
+                        <a:t>H</a:t>
+                      </a:r>
+                      <a:endParaRPr lang="zh-TW" sz="2400" kern="100" dirty="0">
+                        <a:solidFill>
+                          <a:schemeClr val="tx1"/>
+                        </a:solidFill>
+                        <a:effectLst/>
+                        <a:latin typeface="Calibri" panose="020F0502020204030204" pitchFamily="34" charset="0"/>
+                        <a:ea typeface="+mn-ea"/>
+                        <a:cs typeface="Times New Roman" panose="02020603050405020304" pitchFamily="18" charset="0"/>
+                      </a:endParaRPr>
+                    </a:p>
+                  </a:txBody>
+                  <a:tcPr marL="68580" marR="68580" marT="0" marB="0">
+                    <a:lnL w="12700" cap="flat" cmpd="sng" algn="ctr">
+                      <a:solidFill>
+                        <a:srgbClr val="000000"/>
+                      </a:solidFill>
+                      <a:prstDash val="solid"/>
+                      <a:round/>
+                      <a:headEnd type="none" w="med" len="med"/>
+                      <a:tailEnd type="none" w="med" len="med"/>
+                    </a:lnL>
+                    <a:lnR w="12700" cap="flat" cmpd="sng" algn="ctr">
+                      <a:solidFill>
+                        <a:srgbClr val="000000"/>
+                      </a:solidFill>
+                      <a:prstDash val="solid"/>
+                      <a:round/>
+                      <a:headEnd type="none" w="med" len="med"/>
+                      <a:tailEnd type="none" w="med" len="med"/>
+                    </a:lnR>
+                    <a:lnT w="12700" cap="flat" cmpd="sng" algn="ctr">
+                      <a:solidFill>
+                        <a:srgbClr val="000000"/>
+                      </a:solidFill>
+                      <a:prstDash val="solid"/>
+                      <a:round/>
+                      <a:headEnd type="none" w="med" len="med"/>
+                      <a:tailEnd type="none" w="med" len="med"/>
+                    </a:lnT>
+                    <a:lnB w="12700" cap="flat" cmpd="sng" algn="ctr">
+                      <a:solidFill>
+                        <a:srgbClr val="000000"/>
+                      </a:solidFill>
+                      <a:prstDash val="solid"/>
+                      <a:round/>
+                      <a:headEnd type="none" w="med" len="med"/>
+                      <a:tailEnd type="none" w="med" len="med"/>
+                    </a:lnB>
+                    <a:solidFill>
+                      <a:schemeClr val="bg1">
+                        <a:lumMod val="85000"/>
+                      </a:schemeClr>
+                    </a:solidFill>
+                  </a:tcPr>
+                </a:tc>
+                <a:tc>
+                  <a:txBody>
+                    <a:bodyPr/>
+                    <a:lstStyle/>
+                    <a:p>
+                      <a:pPr>
+                        <a:spcAft>
+                          <a:spcPts val="0"/>
+                        </a:spcAft>
+                      </a:pPr>
+                      <a:r>
+                        <a:rPr lang="en-US" sz="2400" kern="100" dirty="0">
+                          <a:effectLst/>
+                          <a:latin typeface="Calibri" panose="020F0502020204030204" pitchFamily="34" charset="0"/>
+                          <a:ea typeface="新細明體" panose="02020500000000000000" pitchFamily="18" charset="-120"/>
+                          <a:cs typeface="Times New Roman" panose="02020603050405020304" pitchFamily="18" charset="0"/>
+                        </a:rPr>
+                        <a:t>P</a:t>
+                      </a:r>
+                      <a:endParaRPr lang="zh-TW" sz="2400" kern="100" dirty="0">
+                        <a:effectLst/>
+                        <a:latin typeface="Calibri" panose="020F0502020204030204" pitchFamily="34" charset="0"/>
+                        <a:ea typeface="新細明體" panose="02020500000000000000" pitchFamily="18" charset="-120"/>
+                        <a:cs typeface="Times New Roman" panose="02020603050405020304" pitchFamily="18" charset="0"/>
+                      </a:endParaRPr>
+                    </a:p>
+                  </a:txBody>
+                  <a:tcPr marL="68580" marR="68580" marT="0" marB="0">
+                    <a:lnL w="12700" cap="flat" cmpd="sng" algn="ctr">
+                      <a:solidFill>
+                        <a:srgbClr val="000000"/>
+                      </a:solidFill>
+                      <a:prstDash val="solid"/>
+                      <a:round/>
+                      <a:headEnd type="none" w="med" len="med"/>
+                      <a:tailEnd type="none" w="med" len="med"/>
+                    </a:lnL>
+                    <a:lnR w="12700" cap="flat" cmpd="sng" algn="ctr">
+                      <a:solidFill>
+                        <a:srgbClr val="000000"/>
+                      </a:solidFill>
+                      <a:prstDash val="solid"/>
+                      <a:round/>
+                      <a:headEnd type="none" w="med" len="med"/>
+                      <a:tailEnd type="none" w="med" len="med"/>
+                    </a:lnR>
+                    <a:lnT w="12700" cap="flat" cmpd="sng" algn="ctr">
+                      <a:solidFill>
+                        <a:srgbClr val="000000"/>
+                      </a:solidFill>
+                      <a:prstDash val="solid"/>
+                      <a:round/>
+                      <a:headEnd type="none" w="med" len="med"/>
+                      <a:tailEnd type="none" w="med" len="med"/>
+                    </a:lnT>
+                    <a:lnB w="12700" cap="flat" cmpd="sng" algn="ctr">
+                      <a:solidFill>
+                        <a:srgbClr val="000000"/>
+                      </a:solidFill>
+                      <a:prstDash val="solid"/>
+                      <a:round/>
+                      <a:headEnd type="none" w="med" len="med"/>
+                      <a:tailEnd type="none" w="med" len="med"/>
+                    </a:lnB>
+                    <a:solidFill>
+                      <a:schemeClr val="bg1"/>
+                    </a:solidFill>
+                  </a:tcPr>
+                </a:tc>
+                <a:extLst>
+                  <a:ext uri="{0D108BD9-81ED-4DB2-BD59-A6C34878D82A}">
+                    <a16:rowId xmlns:a16="http://schemas.microsoft.com/office/drawing/2014/main" val="2152279126"/>
+                  </a:ext>
+                </a:extLst>
+              </a:tr>
+              <a:tr h="197777">
+                <a:tc>
+                  <a:txBody>
+                    <a:bodyPr/>
+                    <a:lstStyle/>
+                    <a:p>
+                      <a:pPr algn="ctr">
+                        <a:spcAft>
+                          <a:spcPts val="0"/>
+                        </a:spcAft>
+                      </a:pPr>
+                      <a:r>
+                        <a:rPr lang="en-US" altLang="zh-TW" sz="2400" kern="100" dirty="0" smtClean="0">
+                          <a:effectLst/>
+                          <a:latin typeface="Calibri" panose="020F0502020204030204" pitchFamily="34" charset="0"/>
+                          <a:ea typeface="新細明體" panose="02020500000000000000" pitchFamily="18" charset="-120"/>
+                          <a:cs typeface="Times New Roman" panose="02020603050405020304" pitchFamily="18" charset="0"/>
+                        </a:rPr>
+                        <a:t>I</a:t>
+                      </a:r>
+                      <a:endParaRPr lang="zh-TW" sz="2400" kern="100" dirty="0">
+                        <a:effectLst/>
+                        <a:latin typeface="Calibri" panose="020F0502020204030204" pitchFamily="34" charset="0"/>
+                        <a:ea typeface="新細明體" panose="02020500000000000000" pitchFamily="18" charset="-120"/>
+                        <a:cs typeface="Times New Roman" panose="02020603050405020304" pitchFamily="18" charset="0"/>
+                      </a:endParaRPr>
+                    </a:p>
+                  </a:txBody>
+                  <a:tcPr marL="68580" marR="68580" marT="0" marB="0">
+                    <a:lnL w="12700" cap="flat" cmpd="sng" algn="ctr">
+                      <a:solidFill>
+                        <a:srgbClr val="000000"/>
+                      </a:solidFill>
+                      <a:prstDash val="solid"/>
+                      <a:round/>
+                      <a:headEnd type="none" w="med" len="med"/>
+                      <a:tailEnd type="none" w="med" len="med"/>
+                    </a:lnL>
+                    <a:lnR w="12700" cap="flat" cmpd="sng" algn="ctr">
+                      <a:solidFill>
+                        <a:srgbClr val="000000"/>
+                      </a:solidFill>
+                      <a:prstDash val="solid"/>
+                      <a:round/>
+                      <a:headEnd type="none" w="med" len="med"/>
+                      <a:tailEnd type="none" w="med" len="med"/>
+                    </a:lnR>
+                    <a:lnT w="12700" cap="flat" cmpd="sng" algn="ctr">
+                      <a:solidFill>
+                        <a:srgbClr val="000000"/>
+                      </a:solidFill>
+                      <a:prstDash val="solid"/>
+                      <a:round/>
+                      <a:headEnd type="none" w="med" len="med"/>
+                      <a:tailEnd type="none" w="med" len="med"/>
+                    </a:lnT>
+                    <a:lnB w="12700" cap="flat" cmpd="sng" algn="ctr">
+                      <a:solidFill>
+                        <a:srgbClr val="000000"/>
+                      </a:solidFill>
+                      <a:prstDash val="solid"/>
+                      <a:round/>
+                      <a:headEnd type="none" w="med" len="med"/>
+                      <a:tailEnd type="none" w="med" len="med"/>
+                    </a:lnB>
+                    <a:solidFill>
+                      <a:schemeClr val="bg1">
+                        <a:lumMod val="85000"/>
+                      </a:schemeClr>
+                    </a:solidFill>
+                  </a:tcPr>
+                </a:tc>
+                <a:tc>
+                  <a:txBody>
+                    <a:bodyPr/>
+                    <a:lstStyle/>
+                    <a:p>
+                      <a:pPr>
+                        <a:spcAft>
+                          <a:spcPts val="0"/>
+                        </a:spcAft>
+                      </a:pPr>
+                      <a:r>
+                        <a:rPr lang="en-US" sz="2400" kern="100" dirty="0">
+                          <a:effectLst/>
+                          <a:latin typeface="Calibri" panose="020F0502020204030204" pitchFamily="34" charset="0"/>
+                          <a:ea typeface="新細明體" panose="02020500000000000000" pitchFamily="18" charset="-120"/>
+                          <a:cs typeface="Times New Roman" panose="02020603050405020304" pitchFamily="18" charset="0"/>
+                        </a:rPr>
+                        <a:t>ALT</a:t>
+                      </a:r>
+                      <a:endParaRPr lang="zh-TW" sz="2400" kern="100" dirty="0">
+                        <a:effectLst/>
+                        <a:latin typeface="Calibri" panose="020F0502020204030204" pitchFamily="34" charset="0"/>
+                        <a:ea typeface="新細明體" panose="02020500000000000000" pitchFamily="18" charset="-120"/>
+                        <a:cs typeface="Times New Roman" panose="02020603050405020304" pitchFamily="18" charset="0"/>
+                      </a:endParaRPr>
+                    </a:p>
+                  </a:txBody>
+                  <a:tcPr marL="68580" marR="68580" marT="0" marB="0">
+                    <a:lnL w="12700" cap="flat" cmpd="sng" algn="ctr">
+                      <a:solidFill>
+                        <a:srgbClr val="000000"/>
+                      </a:solidFill>
+                      <a:prstDash val="solid"/>
+                      <a:round/>
+                      <a:headEnd type="none" w="med" len="med"/>
+                      <a:tailEnd type="none" w="med" len="med"/>
+                    </a:lnL>
+                    <a:lnR w="12700" cap="flat" cmpd="sng" algn="ctr">
+                      <a:solidFill>
+                        <a:srgbClr val="000000"/>
+                      </a:solidFill>
+                      <a:prstDash val="solid"/>
+                      <a:round/>
+                      <a:headEnd type="none" w="med" len="med"/>
+                      <a:tailEnd type="none" w="med" len="med"/>
+                    </a:lnR>
+                    <a:lnT w="12700" cap="flat" cmpd="sng" algn="ctr">
+                      <a:solidFill>
+                        <a:srgbClr val="000000"/>
+                      </a:solidFill>
+                      <a:prstDash val="solid"/>
+                      <a:round/>
+                      <a:headEnd type="none" w="med" len="med"/>
+                      <a:tailEnd type="none" w="med" len="med"/>
+                    </a:lnT>
+                    <a:lnB w="12700" cap="flat" cmpd="sng" algn="ctr">
+                      <a:solidFill>
+                        <a:srgbClr val="000000"/>
+                      </a:solidFill>
+                      <a:prstDash val="solid"/>
+                      <a:round/>
+                      <a:headEnd type="none" w="med" len="med"/>
+                      <a:tailEnd type="none" w="med" len="med"/>
+                    </a:lnB>
+                    <a:solidFill>
+                      <a:schemeClr val="bg1"/>
+                    </a:solidFill>
+                  </a:tcPr>
+                </a:tc>
+                <a:tc>
+                  <a:txBody>
+                    <a:bodyPr/>
+                    <a:lstStyle/>
+                    <a:p>
+                      <a:pPr algn="ctr">
+                        <a:spcAft>
+                          <a:spcPts val="0"/>
+                        </a:spcAft>
+                      </a:pPr>
+                      <a:r>
+                        <a:rPr lang="en-US" altLang="zh-TW" sz="2400" kern="100" dirty="0" smtClean="0">
+                          <a:solidFill>
+                            <a:schemeClr val="tx1"/>
+                          </a:solidFill>
+                          <a:effectLst/>
+                          <a:latin typeface="Calibri" panose="020F0502020204030204" pitchFamily="34" charset="0"/>
+                          <a:ea typeface="新細明體" panose="02020500000000000000" pitchFamily="18" charset="-120"/>
+                          <a:cs typeface="Times New Roman" panose="02020603050405020304" pitchFamily="18" charset="0"/>
+                        </a:rPr>
+                        <a:t>J</a:t>
+                      </a:r>
+                      <a:endParaRPr lang="zh-TW" sz="2400" kern="100" dirty="0">
+                        <a:solidFill>
+                          <a:schemeClr val="tx1"/>
+                        </a:solidFill>
+                        <a:effectLst/>
+                        <a:latin typeface="Calibri" panose="020F0502020204030204" pitchFamily="34" charset="0"/>
+                        <a:ea typeface="新細明體" panose="02020500000000000000" pitchFamily="18" charset="-120"/>
+                        <a:cs typeface="Times New Roman" panose="02020603050405020304" pitchFamily="18" charset="0"/>
+                      </a:endParaRPr>
+                    </a:p>
+                  </a:txBody>
+                  <a:tcPr marL="68580" marR="68580" marT="0" marB="0">
+                    <a:lnL w="12700" cap="flat" cmpd="sng" algn="ctr">
+                      <a:solidFill>
+                        <a:srgbClr val="000000"/>
+                      </a:solidFill>
+                      <a:prstDash val="solid"/>
+                      <a:round/>
+                      <a:headEnd type="none" w="med" len="med"/>
+                      <a:tailEnd type="none" w="med" len="med"/>
+                    </a:lnL>
+                    <a:lnR w="12700" cap="flat" cmpd="sng" algn="ctr">
+                      <a:solidFill>
+                        <a:srgbClr val="000000"/>
+                      </a:solidFill>
+                      <a:prstDash val="solid"/>
+                      <a:round/>
+                      <a:headEnd type="none" w="med" len="med"/>
+                      <a:tailEnd type="none" w="med" len="med"/>
+                    </a:lnR>
+                    <a:lnT w="12700" cap="flat" cmpd="sng" algn="ctr">
+                      <a:solidFill>
+                        <a:srgbClr val="000000"/>
+                      </a:solidFill>
+                      <a:prstDash val="solid"/>
+                      <a:round/>
+                      <a:headEnd type="none" w="med" len="med"/>
+                      <a:tailEnd type="none" w="med" len="med"/>
+                    </a:lnT>
+                    <a:lnB w="12700" cap="flat" cmpd="sng" algn="ctr">
+                      <a:solidFill>
+                        <a:srgbClr val="000000"/>
+                      </a:solidFill>
+                      <a:prstDash val="solid"/>
+                      <a:round/>
+                      <a:headEnd type="none" w="med" len="med"/>
+                      <a:tailEnd type="none" w="med" len="med"/>
+                    </a:lnB>
+                    <a:solidFill>
+                      <a:schemeClr val="bg1">
+                        <a:lumMod val="85000"/>
+                      </a:schemeClr>
+                    </a:solidFill>
+                  </a:tcPr>
+                </a:tc>
+                <a:tc>
+                  <a:txBody>
+                    <a:bodyPr/>
+                    <a:lstStyle/>
+                    <a:p>
+                      <a:pPr>
+                        <a:spcAft>
+                          <a:spcPts val="0"/>
+                        </a:spcAft>
+                      </a:pPr>
+                      <a:r>
+                        <a:rPr lang="en-US" sz="2400" kern="100" dirty="0">
+                          <a:effectLst/>
+                          <a:latin typeface="Calibri" panose="020F0502020204030204" pitchFamily="34" charset="0"/>
+                          <a:ea typeface="新細明體" panose="02020500000000000000" pitchFamily="18" charset="-120"/>
+                          <a:cs typeface="Times New Roman" panose="02020603050405020304" pitchFamily="18" charset="0"/>
+                        </a:rPr>
+                        <a:t>AST</a:t>
+                      </a:r>
+                      <a:endParaRPr lang="zh-TW" sz="2400" kern="100" dirty="0">
+                        <a:effectLst/>
+                        <a:latin typeface="Calibri" panose="020F0502020204030204" pitchFamily="34" charset="0"/>
+                        <a:ea typeface="新細明體" panose="02020500000000000000" pitchFamily="18" charset="-120"/>
+                        <a:cs typeface="Times New Roman" panose="02020603050405020304" pitchFamily="18" charset="0"/>
+                      </a:endParaRPr>
+                    </a:p>
+                  </a:txBody>
+                  <a:tcPr marL="68580" marR="68580" marT="0" marB="0">
+                    <a:lnL w="12700" cap="flat" cmpd="sng" algn="ctr">
+                      <a:solidFill>
+                        <a:srgbClr val="000000"/>
+                      </a:solidFill>
+                      <a:prstDash val="solid"/>
+                      <a:round/>
+                      <a:headEnd type="none" w="med" len="med"/>
+                      <a:tailEnd type="none" w="med" len="med"/>
+                    </a:lnL>
+                    <a:lnR w="12700" cap="flat" cmpd="sng" algn="ctr">
+                      <a:solidFill>
+                        <a:srgbClr val="000000"/>
+                      </a:solidFill>
+                      <a:prstDash val="solid"/>
+                      <a:round/>
+                      <a:headEnd type="none" w="med" len="med"/>
+                      <a:tailEnd type="none" w="med" len="med"/>
+                    </a:lnR>
+                    <a:lnT w="12700" cap="flat" cmpd="sng" algn="ctr">
+                      <a:solidFill>
+                        <a:srgbClr val="000000"/>
+                      </a:solidFill>
+                      <a:prstDash val="solid"/>
+                      <a:round/>
+                      <a:headEnd type="none" w="med" len="med"/>
+                      <a:tailEnd type="none" w="med" len="med"/>
+                    </a:lnT>
+                    <a:lnB w="12700" cap="flat" cmpd="sng" algn="ctr">
+                      <a:solidFill>
+                        <a:srgbClr val="000000"/>
+                      </a:solidFill>
+                      <a:prstDash val="solid"/>
+                      <a:round/>
+                      <a:headEnd type="none" w="med" len="med"/>
+                      <a:tailEnd type="none" w="med" len="med"/>
+                    </a:lnB>
+                    <a:solidFill>
+                      <a:schemeClr val="bg1"/>
+                    </a:solidFill>
+                  </a:tcPr>
+                </a:tc>
+                <a:tc>
+                  <a:txBody>
+                    <a:bodyPr/>
+                    <a:lstStyle/>
+                    <a:p>
+                      <a:pPr marL="0" marR="0" indent="0" algn="ctr" defTabSz="914400" rtl="0" eaLnBrk="1" fontAlgn="auto" latinLnBrk="0" hangingPunct="1">
+                        <a:lnSpc>
+                          <a:spcPct val="100000"/>
+                        </a:lnSpc>
+                        <a:spcBef>
+                          <a:spcPts val="0"/>
+                        </a:spcBef>
+                        <a:spcAft>
+                          <a:spcPts val="0"/>
+                        </a:spcAft>
+                        <a:buClrTx/>
+                        <a:buSzTx/>
+                        <a:buFontTx/>
+                        <a:buNone/>
+                        <a:tabLst/>
+                        <a:defRPr/>
+                      </a:pPr>
+                      <a:r>
+                        <a:rPr lang="en-US" altLang="zh-TW" sz="2400" kern="100" dirty="0" smtClean="0">
+                          <a:solidFill>
+                            <a:schemeClr val="tx1"/>
+                          </a:solidFill>
+                          <a:effectLst/>
+                          <a:latin typeface="Calibri" panose="020F0502020204030204" pitchFamily="34" charset="0"/>
+                          <a:ea typeface="+mn-ea"/>
+                          <a:cs typeface="Times New Roman" panose="02020603050405020304" pitchFamily="18" charset="0"/>
+                        </a:rPr>
+                        <a:t>K</a:t>
+                      </a:r>
+                      <a:endParaRPr lang="zh-TW" sz="2400" kern="100" dirty="0">
+                        <a:solidFill>
+                          <a:schemeClr val="tx1"/>
+                        </a:solidFill>
+                        <a:effectLst/>
+                        <a:latin typeface="Calibri" panose="020F0502020204030204" pitchFamily="34" charset="0"/>
+                        <a:ea typeface="+mn-ea"/>
+                        <a:cs typeface="Times New Roman" panose="02020603050405020304" pitchFamily="18" charset="0"/>
+                      </a:endParaRPr>
+                    </a:p>
+                  </a:txBody>
+                  <a:tcPr marL="68580" marR="68580" marT="0" marB="0">
+                    <a:lnL w="12700" cap="flat" cmpd="sng" algn="ctr">
+                      <a:solidFill>
+                        <a:srgbClr val="000000"/>
+                      </a:solidFill>
+                      <a:prstDash val="solid"/>
+                      <a:round/>
+                      <a:headEnd type="none" w="med" len="med"/>
+                      <a:tailEnd type="none" w="med" len="med"/>
+                    </a:lnL>
+                    <a:lnR w="12700" cap="flat" cmpd="sng" algn="ctr">
+                      <a:solidFill>
+                        <a:srgbClr val="000000"/>
+                      </a:solidFill>
+                      <a:prstDash val="solid"/>
+                      <a:round/>
+                      <a:headEnd type="none" w="med" len="med"/>
+                      <a:tailEnd type="none" w="med" len="med"/>
+                    </a:lnR>
+                    <a:lnT w="12700" cap="flat" cmpd="sng" algn="ctr">
+                      <a:solidFill>
+                        <a:srgbClr val="000000"/>
+                      </a:solidFill>
+                      <a:prstDash val="solid"/>
+                      <a:round/>
+                      <a:headEnd type="none" w="med" len="med"/>
+                      <a:tailEnd type="none" w="med" len="med"/>
+                    </a:lnT>
+                    <a:lnB w="12700" cap="flat" cmpd="sng" algn="ctr">
+                      <a:solidFill>
+                        <a:srgbClr val="000000"/>
+                      </a:solidFill>
+                      <a:prstDash val="solid"/>
+                      <a:round/>
+                      <a:headEnd type="none" w="med" len="med"/>
+                      <a:tailEnd type="none" w="med" len="med"/>
+                    </a:lnB>
+                    <a:solidFill>
+                      <a:schemeClr val="bg1">
+                        <a:lumMod val="85000"/>
+                      </a:schemeClr>
+                    </a:solidFill>
+                  </a:tcPr>
+                </a:tc>
+                <a:tc>
+                  <a:txBody>
+                    <a:bodyPr/>
+                    <a:lstStyle/>
+                    <a:p>
+                      <a:pPr>
+                        <a:spcAft>
+                          <a:spcPts val="0"/>
+                        </a:spcAft>
+                      </a:pPr>
+                      <a:r>
+                        <a:rPr lang="en-US" sz="2400" kern="100" dirty="0">
+                          <a:effectLst/>
+                          <a:latin typeface="Calibri" panose="020F0502020204030204" pitchFamily="34" charset="0"/>
+                          <a:ea typeface="新細明體" panose="02020500000000000000" pitchFamily="18" charset="-120"/>
+                          <a:cs typeface="Times New Roman" panose="02020603050405020304" pitchFamily="18" charset="0"/>
+                        </a:rPr>
+                        <a:t>ALK-P</a:t>
+                      </a:r>
+                      <a:endParaRPr lang="zh-TW" sz="2400" kern="100" dirty="0">
+                        <a:effectLst/>
+                        <a:latin typeface="Calibri" panose="020F0502020204030204" pitchFamily="34" charset="0"/>
+                        <a:ea typeface="新細明體" panose="02020500000000000000" pitchFamily="18" charset="-120"/>
+                        <a:cs typeface="Times New Roman" panose="02020603050405020304" pitchFamily="18" charset="0"/>
+                      </a:endParaRPr>
+                    </a:p>
+                  </a:txBody>
+                  <a:tcPr marL="68580" marR="68580" marT="0" marB="0">
+                    <a:lnL w="12700" cap="flat" cmpd="sng" algn="ctr">
+                      <a:solidFill>
+                        <a:srgbClr val="000000"/>
+                      </a:solidFill>
+                      <a:prstDash val="solid"/>
+                      <a:round/>
+                      <a:headEnd type="none" w="med" len="med"/>
+                      <a:tailEnd type="none" w="med" len="med"/>
+                    </a:lnL>
+                    <a:lnR w="12700" cap="flat" cmpd="sng" algn="ctr">
+                      <a:solidFill>
+                        <a:srgbClr val="000000"/>
+                      </a:solidFill>
+                      <a:prstDash val="solid"/>
+                      <a:round/>
+                      <a:headEnd type="none" w="med" len="med"/>
+                      <a:tailEnd type="none" w="med" len="med"/>
+                    </a:lnR>
+                    <a:lnT w="12700" cap="flat" cmpd="sng" algn="ctr">
+                      <a:solidFill>
+                        <a:srgbClr val="000000"/>
+                      </a:solidFill>
+                      <a:prstDash val="solid"/>
+                      <a:round/>
+                      <a:headEnd type="none" w="med" len="med"/>
+                      <a:tailEnd type="none" w="med" len="med"/>
+                    </a:lnT>
+                    <a:lnB w="12700" cap="flat" cmpd="sng" algn="ctr">
+                      <a:solidFill>
+                        <a:srgbClr val="000000"/>
+                      </a:solidFill>
+                      <a:prstDash val="solid"/>
+                      <a:round/>
+                      <a:headEnd type="none" w="med" len="med"/>
+                      <a:tailEnd type="none" w="med" len="med"/>
+                    </a:lnB>
+                    <a:solidFill>
+                      <a:schemeClr val="bg1"/>
+                    </a:solidFill>
+                  </a:tcPr>
+                </a:tc>
+                <a:tc>
+                  <a:txBody>
+                    <a:bodyPr/>
+                    <a:lstStyle/>
+                    <a:p>
+                      <a:pPr marL="0" marR="0" indent="0" algn="ctr" defTabSz="914400" rtl="0" eaLnBrk="1" fontAlgn="auto" latinLnBrk="0" hangingPunct="1">
+                        <a:lnSpc>
+                          <a:spcPct val="100000"/>
+                        </a:lnSpc>
+                        <a:spcBef>
+                          <a:spcPts val="0"/>
+                        </a:spcBef>
+                        <a:spcAft>
+                          <a:spcPts val="0"/>
+                        </a:spcAft>
+                        <a:buClrTx/>
+                        <a:buSzTx/>
+                        <a:buFontTx/>
+                        <a:buNone/>
+                        <a:tabLst/>
+                        <a:defRPr/>
+                      </a:pPr>
+                      <a:r>
+                        <a:rPr lang="en-US" altLang="zh-TW" sz="2400" kern="100" dirty="0" smtClean="0">
+                          <a:solidFill>
+                            <a:schemeClr val="tx1"/>
+                          </a:solidFill>
+                          <a:effectLst/>
+                          <a:latin typeface="Calibri" panose="020F0502020204030204" pitchFamily="34" charset="0"/>
+                          <a:ea typeface="+mn-ea"/>
+                          <a:cs typeface="Times New Roman" panose="02020603050405020304" pitchFamily="18" charset="0"/>
+                        </a:rPr>
+                        <a:t>L</a:t>
+                      </a:r>
+                      <a:endParaRPr lang="zh-TW" sz="2400" kern="100" dirty="0">
+                        <a:solidFill>
+                          <a:schemeClr val="tx1"/>
+                        </a:solidFill>
+                        <a:effectLst/>
+                        <a:latin typeface="Calibri" panose="020F0502020204030204" pitchFamily="34" charset="0"/>
+                        <a:ea typeface="+mn-ea"/>
+                        <a:cs typeface="Times New Roman" panose="02020603050405020304" pitchFamily="18" charset="0"/>
+                      </a:endParaRPr>
+                    </a:p>
+                  </a:txBody>
+                  <a:tcPr marL="68580" marR="68580" marT="0" marB="0">
+                    <a:lnL w="12700" cap="flat" cmpd="sng" algn="ctr">
+                      <a:solidFill>
+                        <a:srgbClr val="000000"/>
+                      </a:solidFill>
+                      <a:prstDash val="solid"/>
+                      <a:round/>
+                      <a:headEnd type="none" w="med" len="med"/>
+                      <a:tailEnd type="none" w="med" len="med"/>
+                    </a:lnL>
+                    <a:lnR w="12700" cap="flat" cmpd="sng" algn="ctr">
+                      <a:solidFill>
+                        <a:srgbClr val="000000"/>
+                      </a:solidFill>
+                      <a:prstDash val="solid"/>
+                      <a:round/>
+                      <a:headEnd type="none" w="med" len="med"/>
+                      <a:tailEnd type="none" w="med" len="med"/>
+                    </a:lnR>
+                    <a:lnT w="12700" cap="flat" cmpd="sng" algn="ctr">
+                      <a:solidFill>
+                        <a:srgbClr val="000000"/>
+                      </a:solidFill>
+                      <a:prstDash val="solid"/>
+                      <a:round/>
+                      <a:headEnd type="none" w="med" len="med"/>
+                      <a:tailEnd type="none" w="med" len="med"/>
+                    </a:lnT>
+                    <a:lnB w="12700" cap="flat" cmpd="sng" algn="ctr">
+                      <a:solidFill>
+                        <a:srgbClr val="000000"/>
+                      </a:solidFill>
+                      <a:prstDash val="solid"/>
+                      <a:round/>
+                      <a:headEnd type="none" w="med" len="med"/>
+                      <a:tailEnd type="none" w="med" len="med"/>
+                    </a:lnB>
+                    <a:solidFill>
+                      <a:schemeClr val="bg1">
+                        <a:lumMod val="85000"/>
+                      </a:schemeClr>
+                    </a:solidFill>
+                  </a:tcPr>
+                </a:tc>
+                <a:tc>
+                  <a:txBody>
+                    <a:bodyPr/>
+                    <a:lstStyle/>
+                    <a:p>
+                      <a:pPr>
+                        <a:spcAft>
+                          <a:spcPts val="0"/>
+                        </a:spcAft>
+                      </a:pPr>
+                      <a:r>
+                        <a:rPr lang="en-US" sz="2400" kern="100" dirty="0">
+                          <a:effectLst/>
+                          <a:latin typeface="Calibri" panose="020F0502020204030204" pitchFamily="34" charset="0"/>
+                          <a:ea typeface="新細明體" panose="02020500000000000000" pitchFamily="18" charset="-120"/>
+                          <a:cs typeface="Times New Roman" panose="02020603050405020304" pitchFamily="18" charset="0"/>
+                        </a:rPr>
+                        <a:t>GGT</a:t>
+                      </a:r>
+                      <a:endParaRPr lang="zh-TW" sz="2400" kern="100" dirty="0">
+                        <a:effectLst/>
+                        <a:latin typeface="Calibri" panose="020F0502020204030204" pitchFamily="34" charset="0"/>
+                        <a:ea typeface="新細明體" panose="02020500000000000000" pitchFamily="18" charset="-120"/>
+                        <a:cs typeface="Times New Roman" panose="02020603050405020304" pitchFamily="18" charset="0"/>
+                      </a:endParaRPr>
+                    </a:p>
+                  </a:txBody>
+                  <a:tcPr marL="68580" marR="68580" marT="0" marB="0">
+                    <a:lnL w="12700" cap="flat" cmpd="sng" algn="ctr">
+                      <a:solidFill>
+                        <a:srgbClr val="000000"/>
+                      </a:solidFill>
+                      <a:prstDash val="solid"/>
+                      <a:round/>
+                      <a:headEnd type="none" w="med" len="med"/>
+                      <a:tailEnd type="none" w="med" len="med"/>
+                    </a:lnL>
+                    <a:lnR w="12700" cap="flat" cmpd="sng" algn="ctr">
+                      <a:solidFill>
+                        <a:srgbClr val="000000"/>
+                      </a:solidFill>
+                      <a:prstDash val="solid"/>
+                      <a:round/>
+                      <a:headEnd type="none" w="med" len="med"/>
+                      <a:tailEnd type="none" w="med" len="med"/>
+                    </a:lnR>
+                    <a:lnT w="12700" cap="flat" cmpd="sng" algn="ctr">
+                      <a:solidFill>
+                        <a:srgbClr val="000000"/>
+                      </a:solidFill>
+                      <a:prstDash val="solid"/>
+                      <a:round/>
+                      <a:headEnd type="none" w="med" len="med"/>
+                      <a:tailEnd type="none" w="med" len="med"/>
+                    </a:lnT>
+                    <a:lnB w="12700" cap="flat" cmpd="sng" algn="ctr">
+                      <a:solidFill>
+                        <a:srgbClr val="000000"/>
+                      </a:solidFill>
+                      <a:prstDash val="solid"/>
+                      <a:round/>
+                      <a:headEnd type="none" w="med" len="med"/>
+                      <a:tailEnd type="none" w="med" len="med"/>
+                    </a:lnB>
+                    <a:solidFill>
+                      <a:schemeClr val="bg1"/>
+                    </a:solidFill>
+                  </a:tcPr>
+                </a:tc>
+                <a:extLst>
+                  <a:ext uri="{0D108BD9-81ED-4DB2-BD59-A6C34878D82A}">
+                    <a16:rowId xmlns:a16="http://schemas.microsoft.com/office/drawing/2014/main" val="2608185473"/>
+                  </a:ext>
+                </a:extLst>
+              </a:tr>
+              <a:tr h="197777">
+                <a:tc>
+                  <a:txBody>
+                    <a:bodyPr/>
+                    <a:lstStyle/>
+                    <a:p>
+                      <a:pPr algn="ctr">
+                        <a:spcAft>
+                          <a:spcPts val="0"/>
+                        </a:spcAft>
+                      </a:pPr>
+                      <a:r>
+                        <a:rPr lang="en-US" altLang="zh-TW" sz="2400" kern="100" dirty="0" smtClean="0">
+                          <a:effectLst/>
+                          <a:latin typeface="Calibri" panose="020F0502020204030204" pitchFamily="34" charset="0"/>
+                          <a:ea typeface="新細明體" panose="02020500000000000000" pitchFamily="18" charset="-120"/>
+                          <a:cs typeface="Times New Roman" panose="02020603050405020304" pitchFamily="18" charset="0"/>
+                        </a:rPr>
+                        <a:t>M</a:t>
+                      </a:r>
+                      <a:endParaRPr lang="zh-TW" sz="2400" kern="100" dirty="0">
+                        <a:effectLst/>
+                        <a:latin typeface="Calibri" panose="020F0502020204030204" pitchFamily="34" charset="0"/>
+                        <a:ea typeface="新細明體" panose="02020500000000000000" pitchFamily="18" charset="-120"/>
+                        <a:cs typeface="Times New Roman" panose="02020603050405020304" pitchFamily="18" charset="0"/>
+                      </a:endParaRPr>
+                    </a:p>
+                  </a:txBody>
+                  <a:tcPr marL="68580" marR="68580" marT="0" marB="0">
+                    <a:lnL w="12700" cap="flat" cmpd="sng" algn="ctr">
+                      <a:solidFill>
+                        <a:srgbClr val="000000"/>
+                      </a:solidFill>
+                      <a:prstDash val="solid"/>
+                      <a:round/>
+                      <a:headEnd type="none" w="med" len="med"/>
+                      <a:tailEnd type="none" w="med" len="med"/>
+                    </a:lnL>
+                    <a:lnR w="12700" cap="flat" cmpd="sng" algn="ctr">
+                      <a:solidFill>
+                        <a:srgbClr val="000000"/>
+                      </a:solidFill>
+                      <a:prstDash val="solid"/>
+                      <a:round/>
+                      <a:headEnd type="none" w="med" len="med"/>
+                      <a:tailEnd type="none" w="med" len="med"/>
+                    </a:lnR>
+                    <a:lnT w="12700" cap="flat" cmpd="sng" algn="ctr">
+                      <a:solidFill>
+                        <a:srgbClr val="000000"/>
+                      </a:solidFill>
+                      <a:prstDash val="solid"/>
+                      <a:round/>
+                      <a:headEnd type="none" w="med" len="med"/>
+                      <a:tailEnd type="none" w="med" len="med"/>
+                    </a:lnT>
+                    <a:lnB w="12700" cap="flat" cmpd="sng" algn="ctr">
+                      <a:solidFill>
+                        <a:srgbClr val="000000"/>
+                      </a:solidFill>
+                      <a:prstDash val="solid"/>
+                      <a:round/>
+                      <a:headEnd type="none" w="med" len="med"/>
+                      <a:tailEnd type="none" w="med" len="med"/>
+                    </a:lnB>
+                    <a:solidFill>
+                      <a:schemeClr val="bg1">
+                        <a:lumMod val="85000"/>
+                      </a:schemeClr>
+                    </a:solidFill>
+                  </a:tcPr>
+                </a:tc>
+                <a:tc>
+                  <a:txBody>
+                    <a:bodyPr/>
+                    <a:lstStyle/>
+                    <a:p>
+                      <a:pPr>
+                        <a:spcAft>
+                          <a:spcPts val="0"/>
+                        </a:spcAft>
+                      </a:pPr>
+                      <a:r>
+                        <a:rPr lang="en-US" sz="2400" kern="100" dirty="0" smtClean="0">
+                          <a:effectLst/>
+                          <a:latin typeface="Calibri" panose="020F0502020204030204" pitchFamily="34" charset="0"/>
+                          <a:ea typeface="新細明體" panose="02020500000000000000" pitchFamily="18" charset="-120"/>
+                          <a:cs typeface="Times New Roman" panose="02020603050405020304" pitchFamily="18" charset="0"/>
+                        </a:rPr>
+                        <a:t>T-Bilirubin</a:t>
+                      </a:r>
+                      <a:endParaRPr lang="zh-TW" sz="2400" kern="100" dirty="0">
+                        <a:effectLst/>
+                        <a:latin typeface="Calibri" panose="020F0502020204030204" pitchFamily="34" charset="0"/>
+                        <a:ea typeface="新細明體" panose="02020500000000000000" pitchFamily="18" charset="-120"/>
+                        <a:cs typeface="Times New Roman" panose="02020603050405020304" pitchFamily="18" charset="0"/>
+                      </a:endParaRPr>
+                    </a:p>
+                  </a:txBody>
+                  <a:tcPr marL="68580" marR="68580" marT="0" marB="0">
+                    <a:lnL w="12700" cap="flat" cmpd="sng" algn="ctr">
+                      <a:solidFill>
+                        <a:srgbClr val="000000"/>
+                      </a:solidFill>
+                      <a:prstDash val="solid"/>
+                      <a:round/>
+                      <a:headEnd type="none" w="med" len="med"/>
+                      <a:tailEnd type="none" w="med" len="med"/>
+                    </a:lnL>
+                    <a:lnR w="12700" cap="flat" cmpd="sng" algn="ctr">
+                      <a:solidFill>
+                        <a:srgbClr val="000000"/>
+                      </a:solidFill>
+                      <a:prstDash val="solid"/>
+                      <a:round/>
+                      <a:headEnd type="none" w="med" len="med"/>
+                      <a:tailEnd type="none" w="med" len="med"/>
+                    </a:lnR>
+                    <a:lnT w="12700" cap="flat" cmpd="sng" algn="ctr">
+                      <a:solidFill>
+                        <a:srgbClr val="000000"/>
+                      </a:solidFill>
+                      <a:prstDash val="solid"/>
+                      <a:round/>
+                      <a:headEnd type="none" w="med" len="med"/>
+                      <a:tailEnd type="none" w="med" len="med"/>
+                    </a:lnT>
+                    <a:lnB w="12700" cap="flat" cmpd="sng" algn="ctr">
+                      <a:solidFill>
+                        <a:srgbClr val="000000"/>
+                      </a:solidFill>
+                      <a:prstDash val="solid"/>
+                      <a:round/>
+                      <a:headEnd type="none" w="med" len="med"/>
+                      <a:tailEnd type="none" w="med" len="med"/>
+                    </a:lnB>
+                    <a:solidFill>
+                      <a:schemeClr val="bg1"/>
+                    </a:solidFill>
+                  </a:tcPr>
+                </a:tc>
+                <a:tc>
+                  <a:txBody>
+                    <a:bodyPr/>
+                    <a:lstStyle/>
+                    <a:p>
+                      <a:pPr algn="ctr">
+                        <a:spcAft>
+                          <a:spcPts val="0"/>
+                        </a:spcAft>
+                      </a:pPr>
+                      <a:r>
+                        <a:rPr lang="en-US" altLang="zh-TW" sz="2400" kern="100" dirty="0" smtClean="0">
+                          <a:solidFill>
+                            <a:schemeClr val="tx1"/>
+                          </a:solidFill>
+                          <a:effectLst/>
+                          <a:latin typeface="Calibri" panose="020F0502020204030204" pitchFamily="34" charset="0"/>
+                          <a:ea typeface="新細明體" panose="02020500000000000000" pitchFamily="18" charset="-120"/>
+                          <a:cs typeface="Times New Roman" panose="02020603050405020304" pitchFamily="18" charset="0"/>
+                        </a:rPr>
+                        <a:t>N</a:t>
+                      </a:r>
+                      <a:endParaRPr lang="zh-TW" sz="2400" kern="100" dirty="0">
+                        <a:solidFill>
+                          <a:schemeClr val="tx1"/>
+                        </a:solidFill>
+                        <a:effectLst/>
+                        <a:latin typeface="Calibri" panose="020F0502020204030204" pitchFamily="34" charset="0"/>
+                        <a:ea typeface="新細明體" panose="02020500000000000000" pitchFamily="18" charset="-120"/>
+                        <a:cs typeface="Times New Roman" panose="02020603050405020304" pitchFamily="18" charset="0"/>
+                      </a:endParaRPr>
+                    </a:p>
+                  </a:txBody>
+                  <a:tcPr marL="68580" marR="68580" marT="0" marB="0">
+                    <a:lnL w="12700" cap="flat" cmpd="sng" algn="ctr">
+                      <a:solidFill>
+                        <a:srgbClr val="000000"/>
+                      </a:solidFill>
+                      <a:prstDash val="solid"/>
+                      <a:round/>
+                      <a:headEnd type="none" w="med" len="med"/>
+                      <a:tailEnd type="none" w="med" len="med"/>
+                    </a:lnL>
+                    <a:lnR w="12700" cap="flat" cmpd="sng" algn="ctr">
+                      <a:solidFill>
+                        <a:srgbClr val="000000"/>
+                      </a:solidFill>
+                      <a:prstDash val="solid"/>
+                      <a:round/>
+                      <a:headEnd type="none" w="med" len="med"/>
+                      <a:tailEnd type="none" w="med" len="med"/>
+                    </a:lnR>
+                    <a:lnT w="12700" cap="flat" cmpd="sng" algn="ctr">
+                      <a:solidFill>
+                        <a:srgbClr val="000000"/>
+                      </a:solidFill>
+                      <a:prstDash val="solid"/>
+                      <a:round/>
+                      <a:headEnd type="none" w="med" len="med"/>
+                      <a:tailEnd type="none" w="med" len="med"/>
+                    </a:lnT>
+                    <a:lnB w="12700" cap="flat" cmpd="sng" algn="ctr">
+                      <a:solidFill>
+                        <a:srgbClr val="000000"/>
+                      </a:solidFill>
+                      <a:prstDash val="solid"/>
+                      <a:round/>
+                      <a:headEnd type="none" w="med" len="med"/>
+                      <a:tailEnd type="none" w="med" len="med"/>
+                    </a:lnB>
+                    <a:solidFill>
+                      <a:schemeClr val="bg1">
+                        <a:lumMod val="85000"/>
+                      </a:schemeClr>
+                    </a:solidFill>
+                  </a:tcPr>
+                </a:tc>
+                <a:tc>
+                  <a:txBody>
+                    <a:bodyPr/>
+                    <a:lstStyle/>
+                    <a:p>
+                      <a:pPr>
+                        <a:spcAft>
+                          <a:spcPts val="0"/>
+                        </a:spcAft>
+                      </a:pPr>
+                      <a:r>
+                        <a:rPr lang="en-US" sz="2400" kern="100" dirty="0" smtClean="0">
+                          <a:effectLst/>
+                          <a:latin typeface="Calibri" panose="020F0502020204030204" pitchFamily="34" charset="0"/>
+                          <a:ea typeface="新細明體" panose="02020500000000000000" pitchFamily="18" charset="-120"/>
+                          <a:cs typeface="Times New Roman" panose="02020603050405020304" pitchFamily="18" charset="0"/>
+                        </a:rPr>
+                        <a:t>D-Bilirubin</a:t>
+                      </a:r>
+                      <a:endParaRPr lang="zh-TW" sz="2400" kern="100" dirty="0">
+                        <a:effectLst/>
+                        <a:latin typeface="Calibri" panose="020F0502020204030204" pitchFamily="34" charset="0"/>
+                        <a:ea typeface="新細明體" panose="02020500000000000000" pitchFamily="18" charset="-120"/>
+                        <a:cs typeface="Times New Roman" panose="02020603050405020304" pitchFamily="18" charset="0"/>
+                      </a:endParaRPr>
+                    </a:p>
+                  </a:txBody>
+                  <a:tcPr marL="68580" marR="68580" marT="0" marB="0">
+                    <a:lnL w="12700" cap="flat" cmpd="sng" algn="ctr">
+                      <a:solidFill>
+                        <a:srgbClr val="000000"/>
+                      </a:solidFill>
+                      <a:prstDash val="solid"/>
+                      <a:round/>
+                      <a:headEnd type="none" w="med" len="med"/>
+                      <a:tailEnd type="none" w="med" len="med"/>
+                    </a:lnL>
+                    <a:lnR w="12700" cap="flat" cmpd="sng" algn="ctr">
+                      <a:solidFill>
+                        <a:srgbClr val="000000"/>
+                      </a:solidFill>
+                      <a:prstDash val="solid"/>
+                      <a:round/>
+                      <a:headEnd type="none" w="med" len="med"/>
+                      <a:tailEnd type="none" w="med" len="med"/>
+                    </a:lnR>
+                    <a:lnT w="12700" cap="flat" cmpd="sng" algn="ctr">
+                      <a:solidFill>
+                        <a:srgbClr val="000000"/>
+                      </a:solidFill>
+                      <a:prstDash val="solid"/>
+                      <a:round/>
+                      <a:headEnd type="none" w="med" len="med"/>
+                      <a:tailEnd type="none" w="med" len="med"/>
+                    </a:lnT>
+                    <a:lnB w="12700" cap="flat" cmpd="sng" algn="ctr">
+                      <a:solidFill>
+                        <a:srgbClr val="000000"/>
+                      </a:solidFill>
+                      <a:prstDash val="solid"/>
+                      <a:round/>
+                      <a:headEnd type="none" w="med" len="med"/>
+                      <a:tailEnd type="none" w="med" len="med"/>
+                    </a:lnB>
+                    <a:solidFill>
+                      <a:schemeClr val="bg1"/>
+                    </a:solidFill>
+                  </a:tcPr>
+                </a:tc>
+                <a:tc>
+                  <a:txBody>
+                    <a:bodyPr/>
+                    <a:lstStyle/>
+                    <a:p>
+                      <a:pPr marL="0" marR="0" indent="0" algn="ctr" defTabSz="914400" rtl="0" eaLnBrk="1" fontAlgn="auto" latinLnBrk="0" hangingPunct="1">
+                        <a:lnSpc>
+                          <a:spcPct val="100000"/>
+                        </a:lnSpc>
+                        <a:spcBef>
+                          <a:spcPts val="0"/>
+                        </a:spcBef>
+                        <a:spcAft>
+                          <a:spcPts val="0"/>
+                        </a:spcAft>
+                        <a:buClrTx/>
+                        <a:buSzTx/>
+                        <a:buFontTx/>
+                        <a:buNone/>
+                        <a:tabLst/>
+                        <a:defRPr/>
+                      </a:pPr>
+                      <a:r>
+                        <a:rPr lang="en-US" altLang="zh-TW" sz="2400" kern="100" dirty="0" smtClean="0">
+                          <a:solidFill>
+                            <a:schemeClr val="tx1"/>
+                          </a:solidFill>
+                          <a:effectLst/>
+                          <a:latin typeface="Calibri" panose="020F0502020204030204" pitchFamily="34" charset="0"/>
+                          <a:ea typeface="+mn-ea"/>
+                          <a:cs typeface="Times New Roman" panose="02020603050405020304" pitchFamily="18" charset="0"/>
+                        </a:rPr>
+                        <a:t>O</a:t>
+                      </a:r>
+                      <a:endParaRPr lang="zh-TW" sz="2400" kern="100" dirty="0">
+                        <a:solidFill>
+                          <a:schemeClr val="tx1"/>
+                        </a:solidFill>
+                        <a:effectLst/>
+                        <a:latin typeface="Calibri" panose="020F0502020204030204" pitchFamily="34" charset="0"/>
+                        <a:ea typeface="+mn-ea"/>
+                        <a:cs typeface="Times New Roman" panose="02020603050405020304" pitchFamily="18" charset="0"/>
+                      </a:endParaRPr>
+                    </a:p>
+                  </a:txBody>
+                  <a:tcPr marL="68580" marR="68580" marT="0" marB="0">
+                    <a:lnL w="12700" cap="flat" cmpd="sng" algn="ctr">
+                      <a:solidFill>
+                        <a:srgbClr val="000000"/>
+                      </a:solidFill>
+                      <a:prstDash val="solid"/>
+                      <a:round/>
+                      <a:headEnd type="none" w="med" len="med"/>
+                      <a:tailEnd type="none" w="med" len="med"/>
+                    </a:lnL>
+                    <a:lnR w="12700" cap="flat" cmpd="sng" algn="ctr">
+                      <a:solidFill>
+                        <a:srgbClr val="000000"/>
+                      </a:solidFill>
+                      <a:prstDash val="solid"/>
+                      <a:round/>
+                      <a:headEnd type="none" w="med" len="med"/>
+                      <a:tailEnd type="none" w="med" len="med"/>
+                    </a:lnR>
+                    <a:lnT w="12700" cap="flat" cmpd="sng" algn="ctr">
+                      <a:solidFill>
+                        <a:srgbClr val="000000"/>
+                      </a:solidFill>
+                      <a:prstDash val="solid"/>
+                      <a:round/>
+                      <a:headEnd type="none" w="med" len="med"/>
+                      <a:tailEnd type="none" w="med" len="med"/>
+                    </a:lnT>
+                    <a:lnB w="12700" cap="flat" cmpd="sng" algn="ctr">
+                      <a:solidFill>
+                        <a:srgbClr val="000000"/>
+                      </a:solidFill>
+                      <a:prstDash val="solid"/>
+                      <a:round/>
+                      <a:headEnd type="none" w="med" len="med"/>
+                      <a:tailEnd type="none" w="med" len="med"/>
+                    </a:lnB>
+                    <a:solidFill>
+                      <a:schemeClr val="bg1">
+                        <a:lumMod val="85000"/>
+                      </a:schemeClr>
+                    </a:solidFill>
+                  </a:tcPr>
+                </a:tc>
+                <a:tc>
+                  <a:txBody>
+                    <a:bodyPr/>
+                    <a:lstStyle/>
+                    <a:p>
+                      <a:pPr>
+                        <a:spcAft>
+                          <a:spcPts val="0"/>
+                        </a:spcAft>
+                      </a:pPr>
+                      <a:r>
+                        <a:rPr lang="en-US" sz="2400" kern="100" dirty="0" smtClean="0">
+                          <a:effectLst/>
+                          <a:latin typeface="Calibri" panose="020F0502020204030204" pitchFamily="34" charset="0"/>
+                          <a:ea typeface="新細明體" panose="02020500000000000000" pitchFamily="18" charset="-120"/>
+                          <a:cs typeface="Times New Roman" panose="02020603050405020304" pitchFamily="18" charset="0"/>
+                        </a:rPr>
+                        <a:t>Creatinine</a:t>
+                      </a:r>
+                      <a:endParaRPr lang="zh-TW" sz="2400" kern="100" dirty="0">
+                        <a:effectLst/>
+                        <a:latin typeface="Calibri" panose="020F0502020204030204" pitchFamily="34" charset="0"/>
+                        <a:ea typeface="新細明體" panose="02020500000000000000" pitchFamily="18" charset="-120"/>
+                        <a:cs typeface="Times New Roman" panose="02020603050405020304" pitchFamily="18" charset="0"/>
+                      </a:endParaRPr>
+                    </a:p>
+                  </a:txBody>
+                  <a:tcPr marL="68580" marR="68580" marT="0" marB="0">
+                    <a:lnL w="12700" cap="flat" cmpd="sng" algn="ctr">
+                      <a:solidFill>
+                        <a:srgbClr val="000000"/>
+                      </a:solidFill>
+                      <a:prstDash val="solid"/>
+                      <a:round/>
+                      <a:headEnd type="none" w="med" len="med"/>
+                      <a:tailEnd type="none" w="med" len="med"/>
+                    </a:lnL>
+                    <a:lnR w="12700" cap="flat" cmpd="sng" algn="ctr">
+                      <a:solidFill>
+                        <a:srgbClr val="000000"/>
+                      </a:solidFill>
+                      <a:prstDash val="solid"/>
+                      <a:round/>
+                      <a:headEnd type="none" w="med" len="med"/>
+                      <a:tailEnd type="none" w="med" len="med"/>
+                    </a:lnR>
+                    <a:lnT w="12700" cap="flat" cmpd="sng" algn="ctr">
+                      <a:solidFill>
+                        <a:srgbClr val="000000"/>
+                      </a:solidFill>
+                      <a:prstDash val="solid"/>
+                      <a:round/>
+                      <a:headEnd type="none" w="med" len="med"/>
+                      <a:tailEnd type="none" w="med" len="med"/>
+                    </a:lnT>
+                    <a:lnB w="12700" cap="flat" cmpd="sng" algn="ctr">
+                      <a:solidFill>
+                        <a:srgbClr val="000000"/>
+                      </a:solidFill>
+                      <a:prstDash val="solid"/>
+                      <a:round/>
+                      <a:headEnd type="none" w="med" len="med"/>
+                      <a:tailEnd type="none" w="med" len="med"/>
+                    </a:lnB>
+                    <a:solidFill>
+                      <a:schemeClr val="bg1"/>
+                    </a:solidFill>
+                  </a:tcPr>
+                </a:tc>
+                <a:tc>
+                  <a:txBody>
+                    <a:bodyPr/>
+                    <a:lstStyle/>
+                    <a:p>
+                      <a:pPr marL="0" marR="0" indent="0" algn="ctr" defTabSz="914400" rtl="0" eaLnBrk="1" fontAlgn="auto" latinLnBrk="0" hangingPunct="1">
+                        <a:lnSpc>
+                          <a:spcPct val="100000"/>
+                        </a:lnSpc>
+                        <a:spcBef>
+                          <a:spcPts val="0"/>
+                        </a:spcBef>
+                        <a:spcAft>
+                          <a:spcPts val="0"/>
+                        </a:spcAft>
+                        <a:buClrTx/>
+                        <a:buSzTx/>
+                        <a:buFontTx/>
+                        <a:buNone/>
+                        <a:tabLst/>
+                        <a:defRPr/>
+                      </a:pPr>
+                      <a:r>
+                        <a:rPr lang="en-US" altLang="zh-TW" sz="2400" kern="100" dirty="0" smtClean="0">
+                          <a:solidFill>
+                            <a:schemeClr val="tx1"/>
+                          </a:solidFill>
+                          <a:effectLst/>
+                          <a:latin typeface="Calibri" panose="020F0502020204030204" pitchFamily="34" charset="0"/>
+                          <a:ea typeface="+mn-ea"/>
+                          <a:cs typeface="Times New Roman" panose="02020603050405020304" pitchFamily="18" charset="0"/>
+                        </a:rPr>
+                        <a:t>P</a:t>
+                      </a:r>
+                      <a:endParaRPr lang="zh-TW" sz="2400" kern="100" dirty="0">
+                        <a:solidFill>
+                          <a:schemeClr val="tx1"/>
+                        </a:solidFill>
+                        <a:effectLst/>
+                        <a:latin typeface="Calibri" panose="020F0502020204030204" pitchFamily="34" charset="0"/>
+                        <a:ea typeface="+mn-ea"/>
+                        <a:cs typeface="Times New Roman" panose="02020603050405020304" pitchFamily="18" charset="0"/>
+                      </a:endParaRPr>
+                    </a:p>
+                  </a:txBody>
+                  <a:tcPr marL="68580" marR="68580" marT="0" marB="0">
+                    <a:lnL w="12700" cap="flat" cmpd="sng" algn="ctr">
+                      <a:solidFill>
+                        <a:srgbClr val="000000"/>
+                      </a:solidFill>
+                      <a:prstDash val="solid"/>
+                      <a:round/>
+                      <a:headEnd type="none" w="med" len="med"/>
+                      <a:tailEnd type="none" w="med" len="med"/>
+                    </a:lnL>
+                    <a:lnR w="12700" cap="flat" cmpd="sng" algn="ctr">
+                      <a:solidFill>
+                        <a:srgbClr val="000000"/>
+                      </a:solidFill>
+                      <a:prstDash val="solid"/>
+                      <a:round/>
+                      <a:headEnd type="none" w="med" len="med"/>
+                      <a:tailEnd type="none" w="med" len="med"/>
+                    </a:lnR>
+                    <a:lnT w="12700" cap="flat" cmpd="sng" algn="ctr">
+                      <a:solidFill>
+                        <a:srgbClr val="000000"/>
+                      </a:solidFill>
+                      <a:prstDash val="solid"/>
+                      <a:round/>
+                      <a:headEnd type="none" w="med" len="med"/>
+                      <a:tailEnd type="none" w="med" len="med"/>
+                    </a:lnT>
+                    <a:lnB w="12700" cap="flat" cmpd="sng" algn="ctr">
+                      <a:solidFill>
+                        <a:srgbClr val="000000"/>
+                      </a:solidFill>
+                      <a:prstDash val="solid"/>
+                      <a:round/>
+                      <a:headEnd type="none" w="med" len="med"/>
+                      <a:tailEnd type="none" w="med" len="med"/>
+                    </a:lnB>
+                    <a:solidFill>
+                      <a:schemeClr val="bg1">
+                        <a:lumMod val="85000"/>
+                      </a:schemeClr>
+                    </a:solidFill>
+                  </a:tcPr>
+                </a:tc>
+                <a:tc>
+                  <a:txBody>
+                    <a:bodyPr/>
+                    <a:lstStyle/>
+                    <a:p>
+                      <a:pPr>
+                        <a:spcAft>
+                          <a:spcPts val="0"/>
+                        </a:spcAft>
+                      </a:pPr>
+                      <a:r>
+                        <a:rPr lang="en-US" sz="2400" kern="100" dirty="0">
+                          <a:effectLst/>
+                          <a:latin typeface="Calibri" panose="020F0502020204030204" pitchFamily="34" charset="0"/>
+                          <a:ea typeface="新細明體" panose="02020500000000000000" pitchFamily="18" charset="-120"/>
+                          <a:cs typeface="Times New Roman" panose="02020603050405020304" pitchFamily="18" charset="0"/>
+                        </a:rPr>
+                        <a:t>BUN</a:t>
+                      </a:r>
+                      <a:endParaRPr lang="zh-TW" sz="2400" kern="100" dirty="0">
+                        <a:effectLst/>
+                        <a:latin typeface="Calibri" panose="020F0502020204030204" pitchFamily="34" charset="0"/>
+                        <a:ea typeface="新細明體" panose="02020500000000000000" pitchFamily="18" charset="-120"/>
+                        <a:cs typeface="Times New Roman" panose="02020603050405020304" pitchFamily="18" charset="0"/>
+                      </a:endParaRPr>
+                    </a:p>
+                  </a:txBody>
+                  <a:tcPr marL="68580" marR="68580" marT="0" marB="0">
+                    <a:lnL w="12700" cap="flat" cmpd="sng" algn="ctr">
+                      <a:solidFill>
+                        <a:srgbClr val="000000"/>
+                      </a:solidFill>
+                      <a:prstDash val="solid"/>
+                      <a:round/>
+                      <a:headEnd type="none" w="med" len="med"/>
+                      <a:tailEnd type="none" w="med" len="med"/>
+                    </a:lnL>
+                    <a:lnR w="12700" cap="flat" cmpd="sng" algn="ctr">
+                      <a:solidFill>
+                        <a:srgbClr val="000000"/>
+                      </a:solidFill>
+                      <a:prstDash val="solid"/>
+                      <a:round/>
+                      <a:headEnd type="none" w="med" len="med"/>
+                      <a:tailEnd type="none" w="med" len="med"/>
+                    </a:lnR>
+                    <a:lnT w="12700" cap="flat" cmpd="sng" algn="ctr">
+                      <a:solidFill>
+                        <a:srgbClr val="000000"/>
+                      </a:solidFill>
+                      <a:prstDash val="solid"/>
+                      <a:round/>
+                      <a:headEnd type="none" w="med" len="med"/>
+                      <a:tailEnd type="none" w="med" len="med"/>
+                    </a:lnT>
+                    <a:lnB w="12700" cap="flat" cmpd="sng" algn="ctr">
+                      <a:solidFill>
+                        <a:srgbClr val="000000"/>
+                      </a:solidFill>
+                      <a:prstDash val="solid"/>
+                      <a:round/>
+                      <a:headEnd type="none" w="med" len="med"/>
+                      <a:tailEnd type="none" w="med" len="med"/>
+                    </a:lnB>
+                    <a:solidFill>
+                      <a:schemeClr val="bg1"/>
+                    </a:solidFill>
+                  </a:tcPr>
+                </a:tc>
+                <a:extLst>
+                  <a:ext uri="{0D108BD9-81ED-4DB2-BD59-A6C34878D82A}">
+                    <a16:rowId xmlns:a16="http://schemas.microsoft.com/office/drawing/2014/main" val="1245346435"/>
+                  </a:ext>
+                </a:extLst>
+              </a:tr>
+              <a:tr h="197777">
+                <a:tc>
+                  <a:txBody>
+                    <a:bodyPr/>
+                    <a:lstStyle/>
+                    <a:p>
+                      <a:pPr algn="ctr">
+                        <a:spcAft>
+                          <a:spcPts val="0"/>
+                        </a:spcAft>
+                      </a:pPr>
+                      <a:r>
+                        <a:rPr lang="en-US" altLang="zh-TW" sz="2400" kern="100" dirty="0" smtClean="0">
+                          <a:effectLst/>
+                          <a:latin typeface="Calibri" panose="020F0502020204030204" pitchFamily="34" charset="0"/>
+                          <a:ea typeface="新細明體" panose="02020500000000000000" pitchFamily="18" charset="-120"/>
+                          <a:cs typeface="Times New Roman" panose="02020603050405020304" pitchFamily="18" charset="0"/>
+                        </a:rPr>
+                        <a:t>Q</a:t>
+                      </a:r>
+                      <a:endParaRPr lang="zh-TW" sz="2400" kern="100" dirty="0">
+                        <a:effectLst/>
+                        <a:latin typeface="Calibri" panose="020F0502020204030204" pitchFamily="34" charset="0"/>
+                        <a:ea typeface="新細明體" panose="02020500000000000000" pitchFamily="18" charset="-120"/>
+                        <a:cs typeface="Times New Roman" panose="02020603050405020304" pitchFamily="18" charset="0"/>
+                      </a:endParaRPr>
+                    </a:p>
+                  </a:txBody>
+                  <a:tcPr marL="68580" marR="68580" marT="0" marB="0">
+                    <a:lnL w="12700" cap="flat" cmpd="sng" algn="ctr">
+                      <a:solidFill>
+                        <a:srgbClr val="000000"/>
+                      </a:solidFill>
+                      <a:prstDash val="solid"/>
+                      <a:round/>
+                      <a:headEnd type="none" w="med" len="med"/>
+                      <a:tailEnd type="none" w="med" len="med"/>
+                    </a:lnL>
+                    <a:lnR w="12700" cap="flat" cmpd="sng" algn="ctr">
+                      <a:solidFill>
+                        <a:srgbClr val="000000"/>
+                      </a:solidFill>
+                      <a:prstDash val="solid"/>
+                      <a:round/>
+                      <a:headEnd type="none" w="med" len="med"/>
+                      <a:tailEnd type="none" w="med" len="med"/>
+                    </a:lnR>
+                    <a:lnT w="12700" cap="flat" cmpd="sng" algn="ctr">
+                      <a:solidFill>
+                        <a:srgbClr val="000000"/>
+                      </a:solidFill>
+                      <a:prstDash val="solid"/>
+                      <a:round/>
+                      <a:headEnd type="none" w="med" len="med"/>
+                      <a:tailEnd type="none" w="med" len="med"/>
+                    </a:lnT>
+                    <a:lnB w="12700" cap="flat" cmpd="sng" algn="ctr">
+                      <a:solidFill>
+                        <a:srgbClr val="000000"/>
+                      </a:solidFill>
+                      <a:prstDash val="solid"/>
+                      <a:round/>
+                      <a:headEnd type="none" w="med" len="med"/>
+                      <a:tailEnd type="none" w="med" len="med"/>
+                    </a:lnB>
+                    <a:solidFill>
+                      <a:schemeClr val="bg1">
+                        <a:lumMod val="85000"/>
+                      </a:schemeClr>
+                    </a:solidFill>
+                  </a:tcPr>
+                </a:tc>
+                <a:tc>
+                  <a:txBody>
+                    <a:bodyPr/>
+                    <a:lstStyle/>
+                    <a:p>
+                      <a:pPr>
+                        <a:spcAft>
+                          <a:spcPts val="0"/>
+                        </a:spcAft>
+                      </a:pPr>
+                      <a:r>
+                        <a:rPr lang="en-US" sz="2400" kern="100" dirty="0">
+                          <a:effectLst/>
+                          <a:latin typeface="Calibri" panose="020F0502020204030204" pitchFamily="34" charset="0"/>
+                          <a:ea typeface="新細明體" panose="02020500000000000000" pitchFamily="18" charset="-120"/>
+                          <a:cs typeface="Times New Roman" panose="02020603050405020304" pitchFamily="18" charset="0"/>
+                        </a:rPr>
+                        <a:t>CK</a:t>
+                      </a:r>
+                      <a:endParaRPr lang="zh-TW" sz="2400" kern="100" dirty="0">
+                        <a:effectLst/>
+                        <a:latin typeface="Calibri" panose="020F0502020204030204" pitchFamily="34" charset="0"/>
+                        <a:ea typeface="新細明體" panose="02020500000000000000" pitchFamily="18" charset="-120"/>
+                        <a:cs typeface="Times New Roman" panose="02020603050405020304" pitchFamily="18" charset="0"/>
+                      </a:endParaRPr>
+                    </a:p>
+                  </a:txBody>
+                  <a:tcPr marL="68580" marR="68580" marT="0" marB="0">
+                    <a:lnL w="12700" cap="flat" cmpd="sng" algn="ctr">
+                      <a:solidFill>
+                        <a:srgbClr val="000000"/>
+                      </a:solidFill>
+                      <a:prstDash val="solid"/>
+                      <a:round/>
+                      <a:headEnd type="none" w="med" len="med"/>
+                      <a:tailEnd type="none" w="med" len="med"/>
+                    </a:lnL>
+                    <a:lnR w="12700" cap="flat" cmpd="sng" algn="ctr">
+                      <a:solidFill>
+                        <a:srgbClr val="000000"/>
+                      </a:solidFill>
+                      <a:prstDash val="solid"/>
+                      <a:round/>
+                      <a:headEnd type="none" w="med" len="med"/>
+                      <a:tailEnd type="none" w="med" len="med"/>
+                    </a:lnR>
+                    <a:lnT w="12700" cap="flat" cmpd="sng" algn="ctr">
+                      <a:solidFill>
+                        <a:srgbClr val="000000"/>
+                      </a:solidFill>
+                      <a:prstDash val="solid"/>
+                      <a:round/>
+                      <a:headEnd type="none" w="med" len="med"/>
+                      <a:tailEnd type="none" w="med" len="med"/>
+                    </a:lnT>
+                    <a:lnB w="12700" cap="flat" cmpd="sng" algn="ctr">
+                      <a:solidFill>
+                        <a:srgbClr val="000000"/>
+                      </a:solidFill>
+                      <a:prstDash val="solid"/>
+                      <a:round/>
+                      <a:headEnd type="none" w="med" len="med"/>
+                      <a:tailEnd type="none" w="med" len="med"/>
+                    </a:lnB>
+                    <a:solidFill>
+                      <a:schemeClr val="bg1"/>
+                    </a:solidFill>
+                  </a:tcPr>
+                </a:tc>
+                <a:tc>
+                  <a:txBody>
+                    <a:bodyPr/>
+                    <a:lstStyle/>
+                    <a:p>
+                      <a:pPr algn="ctr">
+                        <a:spcAft>
+                          <a:spcPts val="0"/>
+                        </a:spcAft>
+                      </a:pPr>
+                      <a:r>
+                        <a:rPr lang="en-US" altLang="zh-TW" sz="2400" kern="100" dirty="0" smtClean="0">
+                          <a:solidFill>
+                            <a:schemeClr val="tx1"/>
+                          </a:solidFill>
+                          <a:effectLst/>
+                          <a:latin typeface="Calibri" panose="020F0502020204030204" pitchFamily="34" charset="0"/>
+                          <a:ea typeface="新細明體" panose="02020500000000000000" pitchFamily="18" charset="-120"/>
+                          <a:cs typeface="Times New Roman" panose="02020603050405020304" pitchFamily="18" charset="0"/>
+                        </a:rPr>
+                        <a:t>R</a:t>
+                      </a:r>
+                      <a:endParaRPr lang="zh-TW" sz="2400" kern="100" dirty="0">
+                        <a:solidFill>
+                          <a:schemeClr val="tx1"/>
+                        </a:solidFill>
+                        <a:effectLst/>
+                        <a:latin typeface="Calibri" panose="020F0502020204030204" pitchFamily="34" charset="0"/>
+                        <a:ea typeface="新細明體" panose="02020500000000000000" pitchFamily="18" charset="-120"/>
+                        <a:cs typeface="Times New Roman" panose="02020603050405020304" pitchFamily="18" charset="0"/>
+                      </a:endParaRPr>
+                    </a:p>
+                  </a:txBody>
+                  <a:tcPr marL="68580" marR="68580" marT="0" marB="0">
+                    <a:lnL w="12700" cap="flat" cmpd="sng" algn="ctr">
+                      <a:solidFill>
+                        <a:srgbClr val="000000"/>
+                      </a:solidFill>
+                      <a:prstDash val="solid"/>
+                      <a:round/>
+                      <a:headEnd type="none" w="med" len="med"/>
+                      <a:tailEnd type="none" w="med" len="med"/>
+                    </a:lnL>
+                    <a:lnR w="12700" cap="flat" cmpd="sng" algn="ctr">
+                      <a:solidFill>
+                        <a:srgbClr val="000000"/>
+                      </a:solidFill>
+                      <a:prstDash val="solid"/>
+                      <a:round/>
+                      <a:headEnd type="none" w="med" len="med"/>
+                      <a:tailEnd type="none" w="med" len="med"/>
+                    </a:lnR>
+                    <a:lnT w="12700" cap="flat" cmpd="sng" algn="ctr">
+                      <a:solidFill>
+                        <a:srgbClr val="000000"/>
+                      </a:solidFill>
+                      <a:prstDash val="solid"/>
+                      <a:round/>
+                      <a:headEnd type="none" w="med" len="med"/>
+                      <a:tailEnd type="none" w="med" len="med"/>
+                    </a:lnT>
+                    <a:lnB w="12700" cap="flat" cmpd="sng" algn="ctr">
+                      <a:solidFill>
+                        <a:srgbClr val="000000"/>
+                      </a:solidFill>
+                      <a:prstDash val="solid"/>
+                      <a:round/>
+                      <a:headEnd type="none" w="med" len="med"/>
+                      <a:tailEnd type="none" w="med" len="med"/>
+                    </a:lnB>
+                    <a:solidFill>
+                      <a:schemeClr val="bg1">
+                        <a:lumMod val="85000"/>
+                      </a:schemeClr>
+                    </a:solidFill>
+                  </a:tcPr>
+                </a:tc>
+                <a:tc>
+                  <a:txBody>
+                    <a:bodyPr/>
+                    <a:lstStyle/>
+                    <a:p>
+                      <a:pPr>
+                        <a:spcAft>
+                          <a:spcPts val="0"/>
+                        </a:spcAft>
+                      </a:pPr>
+                      <a:r>
+                        <a:rPr lang="en-US" sz="2400" kern="100" dirty="0" smtClean="0">
+                          <a:effectLst/>
+                          <a:latin typeface="Calibri" panose="020F0502020204030204" pitchFamily="34" charset="0"/>
+                          <a:ea typeface="新細明體" panose="02020500000000000000" pitchFamily="18" charset="-120"/>
+                          <a:cs typeface="Times New Roman" panose="02020603050405020304" pitchFamily="18" charset="0"/>
+                        </a:rPr>
+                        <a:t>CK-MB</a:t>
+                      </a:r>
+                      <a:endParaRPr lang="zh-TW" sz="2400" kern="100" dirty="0">
+                        <a:effectLst/>
+                        <a:latin typeface="Calibri" panose="020F0502020204030204" pitchFamily="34" charset="0"/>
+                        <a:ea typeface="新細明體" panose="02020500000000000000" pitchFamily="18" charset="-120"/>
+                        <a:cs typeface="Times New Roman" panose="02020603050405020304" pitchFamily="18" charset="0"/>
+                      </a:endParaRPr>
+                    </a:p>
+                  </a:txBody>
+                  <a:tcPr marL="68580" marR="68580" marT="0" marB="0">
+                    <a:lnL w="12700" cap="flat" cmpd="sng" algn="ctr">
+                      <a:solidFill>
+                        <a:srgbClr val="000000"/>
+                      </a:solidFill>
+                      <a:prstDash val="solid"/>
+                      <a:round/>
+                      <a:headEnd type="none" w="med" len="med"/>
+                      <a:tailEnd type="none" w="med" len="med"/>
+                    </a:lnL>
+                    <a:lnR w="12700" cap="flat" cmpd="sng" algn="ctr">
+                      <a:solidFill>
+                        <a:srgbClr val="000000"/>
+                      </a:solidFill>
+                      <a:prstDash val="solid"/>
+                      <a:round/>
+                      <a:headEnd type="none" w="med" len="med"/>
+                      <a:tailEnd type="none" w="med" len="med"/>
+                    </a:lnR>
+                    <a:lnT w="12700" cap="flat" cmpd="sng" algn="ctr">
+                      <a:solidFill>
+                        <a:srgbClr val="000000"/>
+                      </a:solidFill>
+                      <a:prstDash val="solid"/>
+                      <a:round/>
+                      <a:headEnd type="none" w="med" len="med"/>
+                      <a:tailEnd type="none" w="med" len="med"/>
+                    </a:lnT>
+                    <a:lnB w="12700" cap="flat" cmpd="sng" algn="ctr">
+                      <a:solidFill>
+                        <a:srgbClr val="000000"/>
+                      </a:solidFill>
+                      <a:prstDash val="solid"/>
+                      <a:round/>
+                      <a:headEnd type="none" w="med" len="med"/>
+                      <a:tailEnd type="none" w="med" len="med"/>
+                    </a:lnB>
+                    <a:solidFill>
+                      <a:schemeClr val="bg1"/>
+                    </a:solidFill>
+                  </a:tcPr>
+                </a:tc>
+                <a:tc>
+                  <a:txBody>
+                    <a:bodyPr/>
+                    <a:lstStyle/>
+                    <a:p>
+                      <a:pPr marL="0" marR="0" indent="0" algn="ctr" defTabSz="914400" rtl="0" eaLnBrk="1" fontAlgn="auto" latinLnBrk="0" hangingPunct="1">
+                        <a:lnSpc>
+                          <a:spcPct val="100000"/>
+                        </a:lnSpc>
+                        <a:spcBef>
+                          <a:spcPts val="0"/>
+                        </a:spcBef>
+                        <a:spcAft>
+                          <a:spcPts val="0"/>
+                        </a:spcAft>
+                        <a:buClrTx/>
+                        <a:buSzTx/>
+                        <a:buFontTx/>
+                        <a:buNone/>
+                        <a:tabLst/>
+                        <a:defRPr/>
+                      </a:pPr>
+                      <a:r>
+                        <a:rPr lang="en-US" altLang="zh-TW" sz="2400" kern="100" dirty="0" smtClean="0">
+                          <a:solidFill>
+                            <a:schemeClr val="tx1"/>
+                          </a:solidFill>
+                          <a:effectLst/>
+                          <a:latin typeface="Calibri" panose="020F0502020204030204" pitchFamily="34" charset="0"/>
+                          <a:ea typeface="+mn-ea"/>
+                          <a:cs typeface="Times New Roman" panose="02020603050405020304" pitchFamily="18" charset="0"/>
+                        </a:rPr>
+                        <a:t>S</a:t>
+                      </a:r>
+                      <a:endParaRPr lang="zh-TW" sz="2400" kern="100" dirty="0">
+                        <a:solidFill>
+                          <a:schemeClr val="tx1"/>
+                        </a:solidFill>
+                        <a:effectLst/>
+                        <a:latin typeface="Calibri" panose="020F0502020204030204" pitchFamily="34" charset="0"/>
+                        <a:ea typeface="+mn-ea"/>
+                        <a:cs typeface="Times New Roman" panose="02020603050405020304" pitchFamily="18" charset="0"/>
+                      </a:endParaRPr>
+                    </a:p>
+                  </a:txBody>
+                  <a:tcPr marL="68580" marR="68580" marT="0" marB="0">
+                    <a:lnL w="12700" cap="flat" cmpd="sng" algn="ctr">
+                      <a:solidFill>
+                        <a:srgbClr val="000000"/>
+                      </a:solidFill>
+                      <a:prstDash val="solid"/>
+                      <a:round/>
+                      <a:headEnd type="none" w="med" len="med"/>
+                      <a:tailEnd type="none" w="med" len="med"/>
+                    </a:lnL>
+                    <a:lnR w="12700" cap="flat" cmpd="sng" algn="ctr">
+                      <a:solidFill>
+                        <a:srgbClr val="000000"/>
+                      </a:solidFill>
+                      <a:prstDash val="solid"/>
+                      <a:round/>
+                      <a:headEnd type="none" w="med" len="med"/>
+                      <a:tailEnd type="none" w="med" len="med"/>
+                    </a:lnR>
+                    <a:lnT w="12700" cap="flat" cmpd="sng" algn="ctr">
+                      <a:solidFill>
+                        <a:srgbClr val="000000"/>
+                      </a:solidFill>
+                      <a:prstDash val="solid"/>
+                      <a:round/>
+                      <a:headEnd type="none" w="med" len="med"/>
+                      <a:tailEnd type="none" w="med" len="med"/>
+                    </a:lnT>
+                    <a:lnB w="12700" cap="flat" cmpd="sng" algn="ctr">
+                      <a:solidFill>
+                        <a:srgbClr val="000000"/>
+                      </a:solidFill>
+                      <a:prstDash val="solid"/>
+                      <a:round/>
+                      <a:headEnd type="none" w="med" len="med"/>
+                      <a:tailEnd type="none" w="med" len="med"/>
+                    </a:lnB>
+                    <a:solidFill>
+                      <a:schemeClr val="bg1">
+                        <a:lumMod val="85000"/>
+                      </a:schemeClr>
+                    </a:solidFill>
+                  </a:tcPr>
+                </a:tc>
+                <a:tc>
+                  <a:txBody>
+                    <a:bodyPr/>
+                    <a:lstStyle/>
+                    <a:p>
+                      <a:pPr>
+                        <a:spcAft>
+                          <a:spcPts val="0"/>
+                        </a:spcAft>
+                      </a:pPr>
+                      <a:r>
+                        <a:rPr lang="en-US" sz="2400" kern="100" dirty="0">
+                          <a:effectLst/>
+                          <a:latin typeface="Calibri" panose="020F0502020204030204" pitchFamily="34" charset="0"/>
+                          <a:ea typeface="新細明體" panose="02020500000000000000" pitchFamily="18" charset="-120"/>
+                          <a:cs typeface="Times New Roman" panose="02020603050405020304" pitchFamily="18" charset="0"/>
+                        </a:rPr>
+                        <a:t>Trop. I </a:t>
+                      </a:r>
+                      <a:endParaRPr lang="zh-TW" sz="2400" kern="100" dirty="0">
+                        <a:effectLst/>
+                        <a:latin typeface="Calibri" panose="020F0502020204030204" pitchFamily="34" charset="0"/>
+                        <a:ea typeface="新細明體" panose="02020500000000000000" pitchFamily="18" charset="-120"/>
+                        <a:cs typeface="Times New Roman" panose="02020603050405020304" pitchFamily="18" charset="0"/>
+                      </a:endParaRPr>
+                    </a:p>
+                  </a:txBody>
+                  <a:tcPr marL="68580" marR="68580" marT="0" marB="0">
+                    <a:lnL w="12700" cap="flat" cmpd="sng" algn="ctr">
+                      <a:solidFill>
+                        <a:srgbClr val="000000"/>
+                      </a:solidFill>
+                      <a:prstDash val="solid"/>
+                      <a:round/>
+                      <a:headEnd type="none" w="med" len="med"/>
+                      <a:tailEnd type="none" w="med" len="med"/>
+                    </a:lnL>
+                    <a:lnR w="12700" cap="flat" cmpd="sng" algn="ctr">
+                      <a:solidFill>
+                        <a:srgbClr val="000000"/>
+                      </a:solidFill>
+                      <a:prstDash val="solid"/>
+                      <a:round/>
+                      <a:headEnd type="none" w="med" len="med"/>
+                      <a:tailEnd type="none" w="med" len="med"/>
+                    </a:lnR>
+                    <a:lnT w="12700" cap="flat" cmpd="sng" algn="ctr">
+                      <a:solidFill>
+                        <a:srgbClr val="000000"/>
+                      </a:solidFill>
+                      <a:prstDash val="solid"/>
+                      <a:round/>
+                      <a:headEnd type="none" w="med" len="med"/>
+                      <a:tailEnd type="none" w="med" len="med"/>
+                    </a:lnT>
+                    <a:lnB w="12700" cap="flat" cmpd="sng" algn="ctr">
+                      <a:solidFill>
+                        <a:srgbClr val="000000"/>
+                      </a:solidFill>
+                      <a:prstDash val="solid"/>
+                      <a:round/>
+                      <a:headEnd type="none" w="med" len="med"/>
+                      <a:tailEnd type="none" w="med" len="med"/>
+                    </a:lnB>
+                    <a:solidFill>
+                      <a:schemeClr val="bg1"/>
+                    </a:solidFill>
+                  </a:tcPr>
+                </a:tc>
+                <a:tc>
+                  <a:txBody>
+                    <a:bodyPr/>
+                    <a:lstStyle/>
+                    <a:p>
+                      <a:pPr marL="0" marR="0" indent="0" algn="ctr" defTabSz="914400" rtl="0" eaLnBrk="1" fontAlgn="auto" latinLnBrk="0" hangingPunct="1">
+                        <a:lnSpc>
+                          <a:spcPct val="100000"/>
+                        </a:lnSpc>
+                        <a:spcBef>
+                          <a:spcPts val="0"/>
+                        </a:spcBef>
+                        <a:spcAft>
+                          <a:spcPts val="0"/>
+                        </a:spcAft>
+                        <a:buClrTx/>
+                        <a:buSzTx/>
+                        <a:buFontTx/>
+                        <a:buNone/>
+                        <a:tabLst/>
+                        <a:defRPr/>
+                      </a:pPr>
+                      <a:r>
+                        <a:rPr lang="en-US" altLang="zh-TW" sz="2400" kern="100" dirty="0" smtClean="0">
+                          <a:solidFill>
+                            <a:schemeClr val="tx1"/>
+                          </a:solidFill>
+                          <a:effectLst/>
+                          <a:latin typeface="Calibri" panose="020F0502020204030204" pitchFamily="34" charset="0"/>
+                          <a:ea typeface="+mn-ea"/>
+                          <a:cs typeface="Times New Roman" panose="02020603050405020304" pitchFamily="18" charset="0"/>
+                        </a:rPr>
+                        <a:t>T</a:t>
+                      </a:r>
+                      <a:endParaRPr lang="zh-TW" sz="2400" kern="100" dirty="0">
+                        <a:solidFill>
+                          <a:schemeClr val="tx1"/>
+                        </a:solidFill>
+                        <a:effectLst/>
+                        <a:latin typeface="Calibri" panose="020F0502020204030204" pitchFamily="34" charset="0"/>
+                        <a:ea typeface="+mn-ea"/>
+                        <a:cs typeface="Times New Roman" panose="02020603050405020304" pitchFamily="18" charset="0"/>
+                      </a:endParaRPr>
+                    </a:p>
+                  </a:txBody>
+                  <a:tcPr marL="68580" marR="68580" marT="0" marB="0">
+                    <a:lnL w="12700" cap="flat" cmpd="sng" algn="ctr">
+                      <a:solidFill>
+                        <a:srgbClr val="000000"/>
+                      </a:solidFill>
+                      <a:prstDash val="solid"/>
+                      <a:round/>
+                      <a:headEnd type="none" w="med" len="med"/>
+                      <a:tailEnd type="none" w="med" len="med"/>
+                    </a:lnL>
+                    <a:lnR w="12700" cap="flat" cmpd="sng" algn="ctr">
+                      <a:solidFill>
+                        <a:srgbClr val="000000"/>
+                      </a:solidFill>
+                      <a:prstDash val="solid"/>
+                      <a:round/>
+                      <a:headEnd type="none" w="med" len="med"/>
+                      <a:tailEnd type="none" w="med" len="med"/>
+                    </a:lnR>
+                    <a:lnT w="12700" cap="flat" cmpd="sng" algn="ctr">
+                      <a:solidFill>
+                        <a:srgbClr val="000000"/>
+                      </a:solidFill>
+                      <a:prstDash val="solid"/>
+                      <a:round/>
+                      <a:headEnd type="none" w="med" len="med"/>
+                      <a:tailEnd type="none" w="med" len="med"/>
+                    </a:lnT>
+                    <a:lnB w="12700" cap="flat" cmpd="sng" algn="ctr">
+                      <a:solidFill>
+                        <a:srgbClr val="000000"/>
+                      </a:solidFill>
+                      <a:prstDash val="solid"/>
+                      <a:round/>
+                      <a:headEnd type="none" w="med" len="med"/>
+                      <a:tailEnd type="none" w="med" len="med"/>
+                    </a:lnB>
+                    <a:solidFill>
+                      <a:schemeClr val="bg1">
+                        <a:lumMod val="85000"/>
+                      </a:schemeClr>
+                    </a:solidFill>
+                  </a:tcPr>
+                </a:tc>
+                <a:tc>
+                  <a:txBody>
+                    <a:bodyPr/>
+                    <a:lstStyle/>
+                    <a:p>
+                      <a:pPr marL="0" marR="0" indent="0" algn="l" defTabSz="914400" rtl="0" eaLnBrk="1" fontAlgn="auto" latinLnBrk="0" hangingPunct="1">
+                        <a:lnSpc>
+                          <a:spcPct val="100000"/>
+                        </a:lnSpc>
+                        <a:spcBef>
+                          <a:spcPts val="0"/>
+                        </a:spcBef>
+                        <a:spcAft>
+                          <a:spcPts val="0"/>
+                        </a:spcAft>
+                        <a:buClrTx/>
+                        <a:buSzTx/>
+                        <a:buFontTx/>
+                        <a:buNone/>
+                        <a:tabLst/>
+                        <a:defRPr/>
+                      </a:pPr>
+                      <a:r>
+                        <a:rPr lang="en-US" altLang="zh-TW" sz="2400" kern="100" dirty="0" smtClean="0">
+                          <a:effectLst/>
+                          <a:latin typeface="Calibri" panose="020F0502020204030204" pitchFamily="34" charset="0"/>
+                          <a:ea typeface="+mn-ea"/>
+                          <a:cs typeface="Times New Roman" panose="02020603050405020304" pitchFamily="18" charset="0"/>
+                        </a:rPr>
+                        <a:t>D-dimer</a:t>
+                      </a:r>
+                      <a:endParaRPr lang="zh-TW" altLang="zh-TW" sz="2400" kern="100" dirty="0" smtClean="0">
+                        <a:effectLst/>
+                        <a:latin typeface="Calibri" panose="020F0502020204030204" pitchFamily="34" charset="0"/>
+                        <a:ea typeface="+mn-ea"/>
+                        <a:cs typeface="Times New Roman" panose="02020603050405020304" pitchFamily="18" charset="0"/>
+                      </a:endParaRPr>
+                    </a:p>
+                  </a:txBody>
+                  <a:tcPr marL="68580" marR="68580" marT="0" marB="0">
+                    <a:lnL w="12700" cap="flat" cmpd="sng" algn="ctr">
+                      <a:solidFill>
+                        <a:srgbClr val="000000"/>
+                      </a:solidFill>
+                      <a:prstDash val="solid"/>
+                      <a:round/>
+                      <a:headEnd type="none" w="med" len="med"/>
+                      <a:tailEnd type="none" w="med" len="med"/>
+                    </a:lnL>
+                    <a:lnR w="12700" cap="flat" cmpd="sng" algn="ctr">
+                      <a:solidFill>
+                        <a:srgbClr val="000000"/>
+                      </a:solidFill>
+                      <a:prstDash val="solid"/>
+                      <a:round/>
+                      <a:headEnd type="none" w="med" len="med"/>
+                      <a:tailEnd type="none" w="med" len="med"/>
+                    </a:lnR>
+                    <a:lnT w="12700" cap="flat" cmpd="sng" algn="ctr">
+                      <a:solidFill>
+                        <a:srgbClr val="000000"/>
+                      </a:solidFill>
+                      <a:prstDash val="solid"/>
+                      <a:round/>
+                      <a:headEnd type="none" w="med" len="med"/>
+                      <a:tailEnd type="none" w="med" len="med"/>
+                    </a:lnT>
+                    <a:lnB w="12700" cap="flat" cmpd="sng" algn="ctr">
+                      <a:solidFill>
+                        <a:srgbClr val="000000"/>
+                      </a:solidFill>
+                      <a:prstDash val="solid"/>
+                      <a:round/>
+                      <a:headEnd type="none" w="med" len="med"/>
+                      <a:tailEnd type="none" w="med" len="med"/>
+                    </a:lnB>
+                    <a:solidFill>
+                      <a:schemeClr val="bg1"/>
+                    </a:solidFill>
+                  </a:tcPr>
+                </a:tc>
+                <a:extLst>
+                  <a:ext uri="{0D108BD9-81ED-4DB2-BD59-A6C34878D82A}">
+                    <a16:rowId xmlns:a16="http://schemas.microsoft.com/office/drawing/2014/main" val="2790474490"/>
+                  </a:ext>
+                </a:extLst>
+              </a:tr>
+              <a:tr h="197777">
+                <a:tc>
+                  <a:txBody>
+                    <a:bodyPr/>
+                    <a:lstStyle/>
+                    <a:p>
+                      <a:pPr algn="ctr">
+                        <a:spcAft>
+                          <a:spcPts val="0"/>
+                        </a:spcAft>
+                      </a:pPr>
+                      <a:r>
+                        <a:rPr lang="en-US" altLang="zh-TW" sz="2400" kern="100" dirty="0" smtClean="0">
+                          <a:effectLst/>
+                          <a:latin typeface="Calibri" panose="020F0502020204030204" pitchFamily="34" charset="0"/>
+                          <a:ea typeface="新細明體" panose="02020500000000000000" pitchFamily="18" charset="-120"/>
+                          <a:cs typeface="Times New Roman" panose="02020603050405020304" pitchFamily="18" charset="0"/>
+                        </a:rPr>
+                        <a:t>U</a:t>
+                      </a:r>
+                      <a:endParaRPr lang="zh-TW" sz="2400" kern="100" dirty="0">
+                        <a:effectLst/>
+                        <a:latin typeface="Calibri" panose="020F0502020204030204" pitchFamily="34" charset="0"/>
+                        <a:ea typeface="新細明體" panose="02020500000000000000" pitchFamily="18" charset="-120"/>
+                        <a:cs typeface="Times New Roman" panose="02020603050405020304" pitchFamily="18" charset="0"/>
+                      </a:endParaRPr>
+                    </a:p>
+                  </a:txBody>
+                  <a:tcPr marL="68580" marR="68580" marT="0" marB="0">
+                    <a:lnL w="12700" cap="flat" cmpd="sng" algn="ctr">
+                      <a:solidFill>
+                        <a:srgbClr val="000000"/>
+                      </a:solidFill>
+                      <a:prstDash val="solid"/>
+                      <a:round/>
+                      <a:headEnd type="none" w="med" len="med"/>
+                      <a:tailEnd type="none" w="med" len="med"/>
+                    </a:lnL>
+                    <a:lnR w="12700" cap="flat" cmpd="sng" algn="ctr">
+                      <a:solidFill>
+                        <a:srgbClr val="000000"/>
+                      </a:solidFill>
+                      <a:prstDash val="solid"/>
+                      <a:round/>
+                      <a:headEnd type="none" w="med" len="med"/>
+                      <a:tailEnd type="none" w="med" len="med"/>
+                    </a:lnR>
+                    <a:lnT w="12700" cap="flat" cmpd="sng" algn="ctr">
+                      <a:solidFill>
+                        <a:srgbClr val="000000"/>
+                      </a:solidFill>
+                      <a:prstDash val="solid"/>
+                      <a:round/>
+                      <a:headEnd type="none" w="med" len="med"/>
+                      <a:tailEnd type="none" w="med" len="med"/>
+                    </a:lnT>
+                    <a:lnB w="12700" cap="flat" cmpd="sng" algn="ctr">
+                      <a:solidFill>
+                        <a:srgbClr val="000000"/>
+                      </a:solidFill>
+                      <a:prstDash val="solid"/>
+                      <a:round/>
+                      <a:headEnd type="none" w="med" len="med"/>
+                      <a:tailEnd type="none" w="med" len="med"/>
+                    </a:lnB>
+                    <a:solidFill>
+                      <a:schemeClr val="bg1">
+                        <a:lumMod val="85000"/>
+                      </a:schemeClr>
+                    </a:solidFill>
+                  </a:tcPr>
+                </a:tc>
+                <a:tc>
+                  <a:txBody>
+                    <a:bodyPr/>
+                    <a:lstStyle/>
+                    <a:p>
+                      <a:pPr>
+                        <a:spcAft>
+                          <a:spcPts val="0"/>
+                        </a:spcAft>
+                      </a:pPr>
+                      <a:r>
+                        <a:rPr lang="en-US" sz="2400" kern="100" dirty="0">
+                          <a:effectLst/>
+                          <a:latin typeface="Calibri" panose="020F0502020204030204" pitchFamily="34" charset="0"/>
+                          <a:ea typeface="新細明體" panose="02020500000000000000" pitchFamily="18" charset="-120"/>
+                          <a:cs typeface="Times New Roman" panose="02020603050405020304" pitchFamily="18" charset="0"/>
+                        </a:rPr>
+                        <a:t>LDH</a:t>
+                      </a:r>
+                      <a:endParaRPr lang="zh-TW" sz="2400" kern="100" dirty="0">
+                        <a:effectLst/>
+                        <a:latin typeface="Calibri" panose="020F0502020204030204" pitchFamily="34" charset="0"/>
+                        <a:ea typeface="新細明體" panose="02020500000000000000" pitchFamily="18" charset="-120"/>
+                        <a:cs typeface="Times New Roman" panose="02020603050405020304" pitchFamily="18" charset="0"/>
+                      </a:endParaRPr>
+                    </a:p>
+                  </a:txBody>
+                  <a:tcPr marL="68580" marR="68580" marT="0" marB="0">
+                    <a:lnL w="12700" cap="flat" cmpd="sng" algn="ctr">
+                      <a:solidFill>
+                        <a:srgbClr val="000000"/>
+                      </a:solidFill>
+                      <a:prstDash val="solid"/>
+                      <a:round/>
+                      <a:headEnd type="none" w="med" len="med"/>
+                      <a:tailEnd type="none" w="med" len="med"/>
+                    </a:lnL>
+                    <a:lnR w="12700" cap="flat" cmpd="sng" algn="ctr">
+                      <a:solidFill>
+                        <a:srgbClr val="000000"/>
+                      </a:solidFill>
+                      <a:prstDash val="solid"/>
+                      <a:round/>
+                      <a:headEnd type="none" w="med" len="med"/>
+                      <a:tailEnd type="none" w="med" len="med"/>
+                    </a:lnR>
+                    <a:lnT w="12700" cap="flat" cmpd="sng" algn="ctr">
+                      <a:solidFill>
+                        <a:srgbClr val="000000"/>
+                      </a:solidFill>
+                      <a:prstDash val="solid"/>
+                      <a:round/>
+                      <a:headEnd type="none" w="med" len="med"/>
+                      <a:tailEnd type="none" w="med" len="med"/>
+                    </a:lnT>
+                    <a:lnB w="12700" cap="flat" cmpd="sng" algn="ctr">
+                      <a:solidFill>
+                        <a:srgbClr val="000000"/>
+                      </a:solidFill>
+                      <a:prstDash val="solid"/>
+                      <a:round/>
+                      <a:headEnd type="none" w="med" len="med"/>
+                      <a:tailEnd type="none" w="med" len="med"/>
+                    </a:lnB>
+                    <a:solidFill>
+                      <a:schemeClr val="bg1"/>
+                    </a:solidFill>
+                  </a:tcPr>
+                </a:tc>
+                <a:tc>
+                  <a:txBody>
+                    <a:bodyPr/>
+                    <a:lstStyle/>
+                    <a:p>
+                      <a:pPr algn="ctr">
+                        <a:spcAft>
+                          <a:spcPts val="0"/>
+                        </a:spcAft>
+                      </a:pPr>
+                      <a:r>
+                        <a:rPr lang="en-US" altLang="zh-TW" sz="2400" kern="100" dirty="0" smtClean="0">
+                          <a:solidFill>
+                            <a:schemeClr val="tx1"/>
+                          </a:solidFill>
+                          <a:effectLst/>
+                          <a:latin typeface="Calibri" panose="020F0502020204030204" pitchFamily="34" charset="0"/>
+                          <a:ea typeface="新細明體" panose="02020500000000000000" pitchFamily="18" charset="-120"/>
+                          <a:cs typeface="Times New Roman" panose="02020603050405020304" pitchFamily="18" charset="0"/>
+                        </a:rPr>
+                        <a:t>V</a:t>
+                      </a:r>
+                      <a:endParaRPr lang="zh-TW" sz="2400" kern="100" dirty="0">
+                        <a:solidFill>
+                          <a:schemeClr val="tx1"/>
+                        </a:solidFill>
+                        <a:effectLst/>
+                        <a:latin typeface="Calibri" panose="020F0502020204030204" pitchFamily="34" charset="0"/>
+                        <a:ea typeface="新細明體" panose="02020500000000000000" pitchFamily="18" charset="-120"/>
+                        <a:cs typeface="Times New Roman" panose="02020603050405020304" pitchFamily="18" charset="0"/>
+                      </a:endParaRPr>
+                    </a:p>
+                  </a:txBody>
+                  <a:tcPr marL="68580" marR="68580" marT="0" marB="0">
+                    <a:lnL w="12700" cap="flat" cmpd="sng" algn="ctr">
+                      <a:solidFill>
+                        <a:srgbClr val="000000"/>
+                      </a:solidFill>
+                      <a:prstDash val="solid"/>
+                      <a:round/>
+                      <a:headEnd type="none" w="med" len="med"/>
+                      <a:tailEnd type="none" w="med" len="med"/>
+                    </a:lnL>
+                    <a:lnR w="12700" cap="flat" cmpd="sng" algn="ctr">
+                      <a:solidFill>
+                        <a:srgbClr val="000000"/>
+                      </a:solidFill>
+                      <a:prstDash val="solid"/>
+                      <a:round/>
+                      <a:headEnd type="none" w="med" len="med"/>
+                      <a:tailEnd type="none" w="med" len="med"/>
+                    </a:lnR>
+                    <a:lnT w="12700" cap="flat" cmpd="sng" algn="ctr">
+                      <a:solidFill>
+                        <a:srgbClr val="000000"/>
+                      </a:solidFill>
+                      <a:prstDash val="solid"/>
+                      <a:round/>
+                      <a:headEnd type="none" w="med" len="med"/>
+                      <a:tailEnd type="none" w="med" len="med"/>
+                    </a:lnT>
+                    <a:lnB w="12700" cap="flat" cmpd="sng" algn="ctr">
+                      <a:solidFill>
+                        <a:srgbClr val="000000"/>
+                      </a:solidFill>
+                      <a:prstDash val="solid"/>
+                      <a:round/>
+                      <a:headEnd type="none" w="med" len="med"/>
+                      <a:tailEnd type="none" w="med" len="med"/>
+                    </a:lnB>
+                    <a:solidFill>
+                      <a:schemeClr val="bg1">
+                        <a:lumMod val="85000"/>
+                      </a:schemeClr>
+                    </a:solidFill>
+                  </a:tcPr>
+                </a:tc>
+                <a:tc>
+                  <a:txBody>
+                    <a:bodyPr/>
+                    <a:lstStyle/>
+                    <a:p>
+                      <a:pPr marL="0" marR="0" indent="0" algn="l" defTabSz="914400" rtl="0" eaLnBrk="1" fontAlgn="auto" latinLnBrk="0" hangingPunct="1">
+                        <a:lnSpc>
+                          <a:spcPct val="100000"/>
+                        </a:lnSpc>
+                        <a:spcBef>
+                          <a:spcPts val="0"/>
+                        </a:spcBef>
+                        <a:spcAft>
+                          <a:spcPts val="0"/>
+                        </a:spcAft>
+                        <a:buClrTx/>
+                        <a:buSzTx/>
+                        <a:buFontTx/>
+                        <a:buNone/>
+                        <a:tabLst/>
+                        <a:defRPr/>
+                      </a:pPr>
+                      <a:r>
+                        <a:rPr lang="en-US" altLang="zh-TW" sz="2400" kern="100" dirty="0" smtClean="0">
+                          <a:effectLst/>
+                          <a:latin typeface="Calibri" panose="020F0502020204030204" pitchFamily="34" charset="0"/>
+                          <a:ea typeface="+mn-ea"/>
+                          <a:cs typeface="Times New Roman" panose="02020603050405020304" pitchFamily="18" charset="0"/>
+                        </a:rPr>
+                        <a:t>Lactate</a:t>
+                      </a:r>
+                      <a:endParaRPr lang="zh-TW" altLang="zh-TW" sz="2400" kern="100" dirty="0" smtClean="0">
+                        <a:effectLst/>
+                        <a:latin typeface="Calibri" panose="020F0502020204030204" pitchFamily="34" charset="0"/>
+                        <a:ea typeface="+mn-ea"/>
+                        <a:cs typeface="Times New Roman" panose="02020603050405020304" pitchFamily="18" charset="0"/>
+                      </a:endParaRPr>
+                    </a:p>
+                  </a:txBody>
+                  <a:tcPr marL="68580" marR="68580" marT="0" marB="0">
+                    <a:lnL w="12700" cap="flat" cmpd="sng" algn="ctr">
+                      <a:solidFill>
+                        <a:srgbClr val="000000"/>
+                      </a:solidFill>
+                      <a:prstDash val="solid"/>
+                      <a:round/>
+                      <a:headEnd type="none" w="med" len="med"/>
+                      <a:tailEnd type="none" w="med" len="med"/>
+                    </a:lnL>
+                    <a:lnR w="12700" cap="flat" cmpd="sng" algn="ctr">
+                      <a:solidFill>
+                        <a:srgbClr val="000000"/>
+                      </a:solidFill>
+                      <a:prstDash val="solid"/>
+                      <a:round/>
+                      <a:headEnd type="none" w="med" len="med"/>
+                      <a:tailEnd type="none" w="med" len="med"/>
+                    </a:lnR>
+                    <a:lnT w="12700" cap="flat" cmpd="sng" algn="ctr">
+                      <a:solidFill>
+                        <a:srgbClr val="000000"/>
+                      </a:solidFill>
+                      <a:prstDash val="solid"/>
+                      <a:round/>
+                      <a:headEnd type="none" w="med" len="med"/>
+                      <a:tailEnd type="none" w="med" len="med"/>
+                    </a:lnT>
+                    <a:lnB w="12700" cap="flat" cmpd="sng" algn="ctr">
+                      <a:solidFill>
+                        <a:srgbClr val="000000"/>
+                      </a:solidFill>
+                      <a:prstDash val="solid"/>
+                      <a:round/>
+                      <a:headEnd type="none" w="med" len="med"/>
+                      <a:tailEnd type="none" w="med" len="med"/>
+                    </a:lnB>
+                    <a:solidFill>
+                      <a:schemeClr val="bg1"/>
+                    </a:solidFill>
+                  </a:tcPr>
+                </a:tc>
+                <a:tc>
+                  <a:txBody>
+                    <a:bodyPr/>
+                    <a:lstStyle/>
+                    <a:p>
+                      <a:pPr marL="0" marR="0" indent="0" algn="ctr" defTabSz="914400" rtl="0" eaLnBrk="1" fontAlgn="auto" latinLnBrk="0" hangingPunct="1">
+                        <a:lnSpc>
+                          <a:spcPct val="100000"/>
+                        </a:lnSpc>
+                        <a:spcBef>
+                          <a:spcPts val="0"/>
+                        </a:spcBef>
+                        <a:spcAft>
+                          <a:spcPts val="0"/>
+                        </a:spcAft>
+                        <a:buClrTx/>
+                        <a:buSzTx/>
+                        <a:buFontTx/>
+                        <a:buNone/>
+                        <a:tabLst/>
+                        <a:defRPr/>
+                      </a:pPr>
+                      <a:r>
+                        <a:rPr lang="en-US" altLang="zh-TW" sz="2400" kern="100" dirty="0" smtClean="0">
+                          <a:solidFill>
+                            <a:schemeClr val="tx1"/>
+                          </a:solidFill>
+                          <a:effectLst/>
+                          <a:latin typeface="Calibri" panose="020F0502020204030204" pitchFamily="34" charset="0"/>
+                          <a:ea typeface="+mn-ea"/>
+                          <a:cs typeface="Times New Roman" panose="02020603050405020304" pitchFamily="18" charset="0"/>
+                        </a:rPr>
+                        <a:t>W</a:t>
+                      </a:r>
+                      <a:endParaRPr lang="zh-TW" altLang="zh-TW" sz="2400" kern="100" dirty="0" smtClean="0">
+                        <a:solidFill>
+                          <a:schemeClr val="tx1"/>
+                        </a:solidFill>
+                        <a:effectLst/>
+                        <a:latin typeface="Calibri" panose="020F0502020204030204" pitchFamily="34" charset="0"/>
+                        <a:ea typeface="+mn-ea"/>
+                        <a:cs typeface="Times New Roman" panose="02020603050405020304" pitchFamily="18" charset="0"/>
+                      </a:endParaRPr>
+                    </a:p>
+                  </a:txBody>
+                  <a:tcPr marL="68580" marR="68580" marT="0" marB="0">
+                    <a:lnL w="12700" cap="flat" cmpd="sng" algn="ctr">
+                      <a:solidFill>
+                        <a:srgbClr val="000000"/>
+                      </a:solidFill>
+                      <a:prstDash val="solid"/>
+                      <a:round/>
+                      <a:headEnd type="none" w="med" len="med"/>
+                      <a:tailEnd type="none" w="med" len="med"/>
+                    </a:lnL>
+                    <a:lnR w="12700" cap="flat" cmpd="sng" algn="ctr">
+                      <a:solidFill>
+                        <a:srgbClr val="000000"/>
+                      </a:solidFill>
+                      <a:prstDash val="solid"/>
+                      <a:round/>
+                      <a:headEnd type="none" w="med" len="med"/>
+                      <a:tailEnd type="none" w="med" len="med"/>
+                    </a:lnR>
+                    <a:lnT w="12700" cap="flat" cmpd="sng" algn="ctr">
+                      <a:solidFill>
+                        <a:srgbClr val="000000"/>
+                      </a:solidFill>
+                      <a:prstDash val="solid"/>
+                      <a:round/>
+                      <a:headEnd type="none" w="med" len="med"/>
+                      <a:tailEnd type="none" w="med" len="med"/>
+                    </a:lnT>
+                    <a:lnB w="12700" cap="flat" cmpd="sng" algn="ctr">
+                      <a:solidFill>
+                        <a:srgbClr val="000000"/>
+                      </a:solidFill>
+                      <a:prstDash val="solid"/>
+                      <a:round/>
+                      <a:headEnd type="none" w="med" len="med"/>
+                      <a:tailEnd type="none" w="med" len="med"/>
+                    </a:lnB>
+                    <a:solidFill>
+                      <a:schemeClr val="bg1">
+                        <a:lumMod val="85000"/>
+                      </a:schemeClr>
+                    </a:solidFill>
+                  </a:tcPr>
+                </a:tc>
+                <a:tc>
+                  <a:txBody>
+                    <a:bodyPr/>
+                    <a:lstStyle/>
+                    <a:p>
+                      <a:pPr>
+                        <a:spcAft>
+                          <a:spcPts val="0"/>
+                        </a:spcAft>
+                      </a:pPr>
+                      <a:r>
+                        <a:rPr lang="en-US" sz="2400" kern="100" dirty="0">
+                          <a:effectLst/>
+                          <a:latin typeface="Calibri" panose="020F0502020204030204" pitchFamily="34" charset="0"/>
+                          <a:ea typeface="新細明體" panose="02020500000000000000" pitchFamily="18" charset="-120"/>
+                          <a:cs typeface="Times New Roman" panose="02020603050405020304" pitchFamily="18" charset="0"/>
+                        </a:rPr>
+                        <a:t>CRP</a:t>
+                      </a:r>
+                      <a:endParaRPr lang="zh-TW" sz="2400" kern="100" dirty="0">
+                        <a:effectLst/>
+                        <a:latin typeface="Calibri" panose="020F0502020204030204" pitchFamily="34" charset="0"/>
+                        <a:ea typeface="新細明體" panose="02020500000000000000" pitchFamily="18" charset="-120"/>
+                        <a:cs typeface="Times New Roman" panose="02020603050405020304" pitchFamily="18" charset="0"/>
+                      </a:endParaRPr>
+                    </a:p>
+                  </a:txBody>
+                  <a:tcPr marL="68580" marR="68580" marT="0" marB="0">
+                    <a:lnL w="12700" cap="flat" cmpd="sng" algn="ctr">
+                      <a:solidFill>
+                        <a:srgbClr val="000000"/>
+                      </a:solidFill>
+                      <a:prstDash val="solid"/>
+                      <a:round/>
+                      <a:headEnd type="none" w="med" len="med"/>
+                      <a:tailEnd type="none" w="med" len="med"/>
+                    </a:lnL>
+                    <a:lnR w="12700" cap="flat" cmpd="sng" algn="ctr">
+                      <a:solidFill>
+                        <a:srgbClr val="000000"/>
+                      </a:solidFill>
+                      <a:prstDash val="solid"/>
+                      <a:round/>
+                      <a:headEnd type="none" w="med" len="med"/>
+                      <a:tailEnd type="none" w="med" len="med"/>
+                    </a:lnR>
+                    <a:lnT w="12700" cap="flat" cmpd="sng" algn="ctr">
+                      <a:solidFill>
+                        <a:srgbClr val="000000"/>
+                      </a:solidFill>
+                      <a:prstDash val="solid"/>
+                      <a:round/>
+                      <a:headEnd type="none" w="med" len="med"/>
+                      <a:tailEnd type="none" w="med" len="med"/>
+                    </a:lnT>
+                    <a:lnB w="12700" cap="flat" cmpd="sng" algn="ctr">
+                      <a:solidFill>
+                        <a:srgbClr val="000000"/>
+                      </a:solidFill>
+                      <a:prstDash val="solid"/>
+                      <a:round/>
+                      <a:headEnd type="none" w="med" len="med"/>
+                      <a:tailEnd type="none" w="med" len="med"/>
+                    </a:lnB>
+                    <a:solidFill>
+                      <a:schemeClr val="bg1"/>
+                    </a:solidFill>
+                  </a:tcPr>
+                </a:tc>
+                <a:tc>
+                  <a:txBody>
+                    <a:bodyPr/>
+                    <a:lstStyle/>
+                    <a:p>
+                      <a:pPr marL="0" marR="0" indent="0" algn="ctr" defTabSz="914400" rtl="0" eaLnBrk="1" fontAlgn="auto" latinLnBrk="0" hangingPunct="1">
+                        <a:lnSpc>
+                          <a:spcPct val="100000"/>
+                        </a:lnSpc>
+                        <a:spcBef>
+                          <a:spcPts val="0"/>
+                        </a:spcBef>
+                        <a:spcAft>
+                          <a:spcPts val="0"/>
+                        </a:spcAft>
+                        <a:buClrTx/>
+                        <a:buSzTx/>
+                        <a:buFontTx/>
+                        <a:buNone/>
+                        <a:tabLst/>
+                        <a:defRPr/>
+                      </a:pPr>
+                      <a:r>
+                        <a:rPr lang="en-US" altLang="zh-TW" sz="2400" kern="100" dirty="0" smtClean="0">
+                          <a:solidFill>
+                            <a:schemeClr val="tx1"/>
+                          </a:solidFill>
+                          <a:effectLst/>
+                          <a:latin typeface="Calibri" panose="020F0502020204030204" pitchFamily="34" charset="0"/>
+                          <a:ea typeface="+mn-ea"/>
+                          <a:cs typeface="Times New Roman" panose="02020603050405020304" pitchFamily="18" charset="0"/>
+                        </a:rPr>
+                        <a:t>X</a:t>
+                      </a:r>
+                      <a:endParaRPr lang="zh-TW" sz="2400" kern="100" dirty="0">
+                        <a:solidFill>
+                          <a:schemeClr val="tx1"/>
+                        </a:solidFill>
+                        <a:effectLst/>
+                        <a:latin typeface="Calibri" panose="020F0502020204030204" pitchFamily="34" charset="0"/>
+                        <a:ea typeface="+mn-ea"/>
+                        <a:cs typeface="Times New Roman" panose="02020603050405020304" pitchFamily="18" charset="0"/>
+                      </a:endParaRPr>
+                    </a:p>
+                  </a:txBody>
+                  <a:tcPr marL="68580" marR="68580" marT="0" marB="0">
+                    <a:lnL w="12700" cap="flat" cmpd="sng" algn="ctr">
+                      <a:solidFill>
+                        <a:srgbClr val="000000"/>
+                      </a:solidFill>
+                      <a:prstDash val="solid"/>
+                      <a:round/>
+                      <a:headEnd type="none" w="med" len="med"/>
+                      <a:tailEnd type="none" w="med" len="med"/>
+                    </a:lnL>
+                    <a:lnR w="12700" cap="flat" cmpd="sng" algn="ctr">
+                      <a:solidFill>
+                        <a:srgbClr val="000000"/>
+                      </a:solidFill>
+                      <a:prstDash val="solid"/>
+                      <a:round/>
+                      <a:headEnd type="none" w="med" len="med"/>
+                      <a:tailEnd type="none" w="med" len="med"/>
+                    </a:lnR>
+                    <a:lnT w="12700" cap="flat" cmpd="sng" algn="ctr">
+                      <a:solidFill>
+                        <a:srgbClr val="000000"/>
+                      </a:solidFill>
+                      <a:prstDash val="solid"/>
+                      <a:round/>
+                      <a:headEnd type="none" w="med" len="med"/>
+                      <a:tailEnd type="none" w="med" len="med"/>
+                    </a:lnT>
+                    <a:lnB w="12700" cap="flat" cmpd="sng" algn="ctr">
+                      <a:solidFill>
+                        <a:srgbClr val="000000"/>
+                      </a:solidFill>
+                      <a:prstDash val="solid"/>
+                      <a:round/>
+                      <a:headEnd type="none" w="med" len="med"/>
+                      <a:tailEnd type="none" w="med" len="med"/>
+                    </a:lnB>
+                    <a:solidFill>
+                      <a:schemeClr val="bg1">
+                        <a:lumMod val="85000"/>
+                      </a:schemeClr>
+                    </a:solidFill>
+                  </a:tcPr>
+                </a:tc>
+                <a:tc>
+                  <a:txBody>
+                    <a:bodyPr/>
+                    <a:lstStyle/>
+                    <a:p>
+                      <a:pPr marL="0" marR="0" indent="0" algn="l" defTabSz="914400" rtl="0" eaLnBrk="1" fontAlgn="auto" latinLnBrk="0" hangingPunct="1">
+                        <a:lnSpc>
+                          <a:spcPct val="100000"/>
+                        </a:lnSpc>
+                        <a:spcBef>
+                          <a:spcPts val="0"/>
+                        </a:spcBef>
+                        <a:spcAft>
+                          <a:spcPts val="0"/>
+                        </a:spcAft>
+                        <a:buClrTx/>
+                        <a:buSzTx/>
+                        <a:buFontTx/>
+                        <a:buNone/>
+                        <a:tabLst/>
+                        <a:defRPr/>
+                      </a:pPr>
+                      <a:r>
+                        <a:rPr lang="en-US" altLang="zh-TW" sz="2400" kern="100" dirty="0" smtClean="0">
+                          <a:effectLst/>
+                          <a:latin typeface="Calibri" panose="020F0502020204030204" pitchFamily="34" charset="0"/>
+                          <a:ea typeface="+mn-ea"/>
+                          <a:cs typeface="Times New Roman" panose="02020603050405020304" pitchFamily="18" charset="0"/>
+                        </a:rPr>
+                        <a:t>Uric acid</a:t>
+                      </a:r>
+                      <a:endParaRPr lang="zh-TW" altLang="zh-TW" sz="2400" kern="100" dirty="0" smtClean="0">
+                        <a:effectLst/>
+                        <a:latin typeface="Calibri" panose="020F0502020204030204" pitchFamily="34" charset="0"/>
+                        <a:ea typeface="+mn-ea"/>
+                        <a:cs typeface="Times New Roman" panose="02020603050405020304" pitchFamily="18" charset="0"/>
+                      </a:endParaRPr>
+                    </a:p>
+                  </a:txBody>
+                  <a:tcPr marL="68580" marR="68580" marT="0" marB="0">
+                    <a:lnL w="12700" cap="flat" cmpd="sng" algn="ctr">
+                      <a:solidFill>
+                        <a:srgbClr val="000000"/>
+                      </a:solidFill>
+                      <a:prstDash val="solid"/>
+                      <a:round/>
+                      <a:headEnd type="none" w="med" len="med"/>
+                      <a:tailEnd type="none" w="med" len="med"/>
+                    </a:lnL>
+                    <a:lnR w="12700" cap="flat" cmpd="sng" algn="ctr">
+                      <a:solidFill>
+                        <a:srgbClr val="000000"/>
+                      </a:solidFill>
+                      <a:prstDash val="solid"/>
+                      <a:round/>
+                      <a:headEnd type="none" w="med" len="med"/>
+                      <a:tailEnd type="none" w="med" len="med"/>
+                    </a:lnR>
+                    <a:lnT w="12700" cap="flat" cmpd="sng" algn="ctr">
+                      <a:solidFill>
+                        <a:srgbClr val="000000"/>
+                      </a:solidFill>
+                      <a:prstDash val="solid"/>
+                      <a:round/>
+                      <a:headEnd type="none" w="med" len="med"/>
+                      <a:tailEnd type="none" w="med" len="med"/>
+                    </a:lnT>
+                    <a:lnB w="12700" cap="flat" cmpd="sng" algn="ctr">
+                      <a:solidFill>
+                        <a:srgbClr val="000000"/>
+                      </a:solidFill>
+                      <a:prstDash val="solid"/>
+                      <a:round/>
+                      <a:headEnd type="none" w="med" len="med"/>
+                      <a:tailEnd type="none" w="med" len="med"/>
+                    </a:lnB>
+                    <a:solidFill>
+                      <a:schemeClr val="bg1"/>
+                    </a:solidFill>
+                  </a:tcPr>
+                </a:tc>
+                <a:extLst>
+                  <a:ext uri="{0D108BD9-81ED-4DB2-BD59-A6C34878D82A}">
+                    <a16:rowId xmlns:a16="http://schemas.microsoft.com/office/drawing/2014/main" val="3269846984"/>
+                  </a:ext>
+                </a:extLst>
+              </a:tr>
+              <a:tr h="217268">
+                <a:tc>
+                  <a:txBody>
+                    <a:bodyPr/>
+                    <a:lstStyle/>
+                    <a:p>
+                      <a:pPr marL="0" marR="0" indent="0" algn="ctr" defTabSz="914400" rtl="0" eaLnBrk="1" fontAlgn="auto" latinLnBrk="0" hangingPunct="1">
+                        <a:lnSpc>
+                          <a:spcPct val="100000"/>
+                        </a:lnSpc>
+                        <a:spcBef>
+                          <a:spcPts val="0"/>
+                        </a:spcBef>
+                        <a:spcAft>
+                          <a:spcPts val="0"/>
+                        </a:spcAft>
+                        <a:buClrTx/>
+                        <a:buSzTx/>
+                        <a:buFontTx/>
+                        <a:buNone/>
+                        <a:tabLst/>
+                        <a:defRPr/>
+                      </a:pPr>
+                      <a:r>
+                        <a:rPr lang="en-US" altLang="zh-TW" sz="2400" kern="100" dirty="0" smtClean="0">
+                          <a:effectLst/>
+                          <a:latin typeface="Calibri" panose="020F0502020204030204" pitchFamily="34" charset="0"/>
+                          <a:ea typeface="+mn-ea"/>
+                          <a:cs typeface="Times New Roman" panose="02020603050405020304" pitchFamily="18" charset="0"/>
+                        </a:rPr>
+                        <a:t>Y</a:t>
+                      </a:r>
+                      <a:endParaRPr lang="zh-TW" altLang="zh-TW" sz="2400" kern="100" dirty="0" smtClean="0">
+                        <a:effectLst/>
+                        <a:latin typeface="Calibri" panose="020F0502020204030204" pitchFamily="34" charset="0"/>
+                        <a:ea typeface="+mn-ea"/>
+                        <a:cs typeface="Times New Roman" panose="02020603050405020304" pitchFamily="18" charset="0"/>
+                      </a:endParaRPr>
+                    </a:p>
+                  </a:txBody>
+                  <a:tcPr marL="68580" marR="68580" marT="0" marB="0">
+                    <a:lnL w="12700" cap="flat" cmpd="sng" algn="ctr">
+                      <a:solidFill>
+                        <a:srgbClr val="000000"/>
+                      </a:solidFill>
+                      <a:prstDash val="solid"/>
+                      <a:round/>
+                      <a:headEnd type="none" w="med" len="med"/>
+                      <a:tailEnd type="none" w="med" len="med"/>
+                    </a:lnL>
+                    <a:lnR w="12700" cap="flat" cmpd="sng" algn="ctr">
+                      <a:solidFill>
+                        <a:srgbClr val="000000"/>
+                      </a:solidFill>
+                      <a:prstDash val="solid"/>
+                      <a:round/>
+                      <a:headEnd type="none" w="med" len="med"/>
+                      <a:tailEnd type="none" w="med" len="med"/>
+                    </a:lnR>
+                    <a:lnT w="12700" cap="flat" cmpd="sng" algn="ctr">
+                      <a:solidFill>
+                        <a:srgbClr val="000000"/>
+                      </a:solidFill>
+                      <a:prstDash val="solid"/>
+                      <a:round/>
+                      <a:headEnd type="none" w="med" len="med"/>
+                      <a:tailEnd type="none" w="med" len="med"/>
+                    </a:lnT>
+                    <a:lnB w="12700" cap="flat" cmpd="sng" algn="ctr">
+                      <a:solidFill>
+                        <a:srgbClr val="000000"/>
+                      </a:solidFill>
+                      <a:prstDash val="solid"/>
+                      <a:round/>
+                      <a:headEnd type="none" w="med" len="med"/>
+                      <a:tailEnd type="none" w="med" len="med"/>
+                    </a:lnB>
+                    <a:solidFill>
+                      <a:schemeClr val="bg1">
+                        <a:lumMod val="85000"/>
+                      </a:schemeClr>
+                    </a:solidFill>
+                  </a:tcPr>
+                </a:tc>
+                <a:tc>
+                  <a:txBody>
+                    <a:bodyPr/>
+                    <a:lstStyle/>
+                    <a:p>
+                      <a:pPr marL="0" marR="0" indent="0" algn="l" defTabSz="914400" rtl="0" eaLnBrk="1" fontAlgn="auto" latinLnBrk="0" hangingPunct="1">
+                        <a:lnSpc>
+                          <a:spcPct val="100000"/>
+                        </a:lnSpc>
+                        <a:spcBef>
+                          <a:spcPts val="0"/>
+                        </a:spcBef>
+                        <a:spcAft>
+                          <a:spcPts val="0"/>
+                        </a:spcAft>
+                        <a:buClrTx/>
+                        <a:buSzTx/>
+                        <a:buFontTx/>
+                        <a:buNone/>
+                        <a:tabLst/>
+                        <a:defRPr/>
+                      </a:pPr>
+                      <a:r>
+                        <a:rPr lang="en-US" altLang="zh-TW" sz="2400" kern="100" dirty="0" smtClean="0">
+                          <a:effectLst/>
+                          <a:latin typeface="Calibri" panose="020F0502020204030204" pitchFamily="34" charset="0"/>
+                          <a:ea typeface="+mn-ea"/>
+                          <a:cs typeface="Times New Roman" panose="02020603050405020304" pitchFamily="18" charset="0"/>
+                        </a:rPr>
+                        <a:t>Albumin</a:t>
+                      </a:r>
+                      <a:endParaRPr lang="zh-TW" altLang="zh-TW" sz="2400" kern="100" dirty="0" smtClean="0">
+                        <a:effectLst/>
+                        <a:latin typeface="Calibri" panose="020F0502020204030204" pitchFamily="34" charset="0"/>
+                        <a:ea typeface="+mn-ea"/>
+                        <a:cs typeface="Times New Roman" panose="02020603050405020304" pitchFamily="18" charset="0"/>
+                      </a:endParaRPr>
+                    </a:p>
+                  </a:txBody>
+                  <a:tcPr marL="68580" marR="68580" marT="0" marB="0">
+                    <a:lnL w="12700" cap="flat" cmpd="sng" algn="ctr">
+                      <a:solidFill>
+                        <a:srgbClr val="000000"/>
+                      </a:solidFill>
+                      <a:prstDash val="solid"/>
+                      <a:round/>
+                      <a:headEnd type="none" w="med" len="med"/>
+                      <a:tailEnd type="none" w="med" len="med"/>
+                    </a:lnL>
+                    <a:lnR w="12700" cap="flat" cmpd="sng" algn="ctr">
+                      <a:solidFill>
+                        <a:srgbClr val="000000"/>
+                      </a:solidFill>
+                      <a:prstDash val="solid"/>
+                      <a:round/>
+                      <a:headEnd type="none" w="med" len="med"/>
+                      <a:tailEnd type="none" w="med" len="med"/>
+                    </a:lnR>
+                    <a:lnT w="12700" cap="flat" cmpd="sng" algn="ctr">
+                      <a:solidFill>
+                        <a:srgbClr val="000000"/>
+                      </a:solidFill>
+                      <a:prstDash val="solid"/>
+                      <a:round/>
+                      <a:headEnd type="none" w="med" len="med"/>
+                      <a:tailEnd type="none" w="med" len="med"/>
+                    </a:lnT>
+                    <a:lnB w="12700" cap="flat" cmpd="sng" algn="ctr">
+                      <a:solidFill>
+                        <a:srgbClr val="000000"/>
+                      </a:solidFill>
+                      <a:prstDash val="solid"/>
+                      <a:round/>
+                      <a:headEnd type="none" w="med" len="med"/>
+                      <a:tailEnd type="none" w="med" len="med"/>
+                    </a:lnB>
+                    <a:solidFill>
+                      <a:schemeClr val="bg1"/>
+                    </a:solidFill>
+                  </a:tcPr>
+                </a:tc>
+                <a:tc>
+                  <a:txBody>
+                    <a:bodyPr/>
+                    <a:lstStyle/>
+                    <a:p>
+                      <a:pPr marL="0" marR="0" indent="0" algn="ctr" defTabSz="914400" rtl="0" eaLnBrk="1" fontAlgn="auto" latinLnBrk="0" hangingPunct="1">
+                        <a:lnSpc>
+                          <a:spcPct val="100000"/>
+                        </a:lnSpc>
+                        <a:spcBef>
+                          <a:spcPts val="0"/>
+                        </a:spcBef>
+                        <a:spcAft>
+                          <a:spcPts val="0"/>
+                        </a:spcAft>
+                        <a:buClrTx/>
+                        <a:buSzTx/>
+                        <a:buFontTx/>
+                        <a:buNone/>
+                        <a:tabLst/>
+                        <a:defRPr/>
+                      </a:pPr>
+                      <a:r>
+                        <a:rPr lang="en-US" altLang="zh-TW" sz="2400" kern="100" dirty="0" smtClean="0">
+                          <a:solidFill>
+                            <a:schemeClr val="tx1"/>
+                          </a:solidFill>
+                          <a:effectLst/>
+                          <a:latin typeface="Calibri" panose="020F0502020204030204" pitchFamily="34" charset="0"/>
+                          <a:ea typeface="新細明體" panose="02020500000000000000" pitchFamily="18" charset="-120"/>
+                          <a:cs typeface="Times New Roman" panose="02020603050405020304" pitchFamily="18" charset="0"/>
+                        </a:rPr>
+                        <a:t>Z</a:t>
+                      </a:r>
+                      <a:endParaRPr lang="zh-TW" altLang="zh-TW" sz="2400" kern="100" dirty="0" smtClean="0">
+                        <a:solidFill>
+                          <a:schemeClr val="tx1"/>
+                        </a:solidFill>
+                        <a:effectLst/>
+                        <a:latin typeface="Calibri" panose="020F0502020204030204" pitchFamily="34" charset="0"/>
+                        <a:ea typeface="新細明體" panose="02020500000000000000" pitchFamily="18" charset="-120"/>
+                        <a:cs typeface="Times New Roman" panose="02020603050405020304" pitchFamily="18" charset="0"/>
+                      </a:endParaRPr>
+                    </a:p>
+                  </a:txBody>
+                  <a:tcPr marL="68580" marR="68580" marT="0" marB="0">
+                    <a:lnL w="12700" cap="flat" cmpd="sng" algn="ctr">
+                      <a:solidFill>
+                        <a:srgbClr val="000000"/>
+                      </a:solidFill>
+                      <a:prstDash val="solid"/>
+                      <a:round/>
+                      <a:headEnd type="none" w="med" len="med"/>
+                      <a:tailEnd type="none" w="med" len="med"/>
+                    </a:lnL>
+                    <a:lnR w="12700" cap="flat" cmpd="sng" algn="ctr">
+                      <a:solidFill>
+                        <a:srgbClr val="000000"/>
+                      </a:solidFill>
+                      <a:prstDash val="solid"/>
+                      <a:round/>
+                      <a:headEnd type="none" w="med" len="med"/>
+                      <a:tailEnd type="none" w="med" len="med"/>
+                    </a:lnR>
+                    <a:lnT w="12700" cap="flat" cmpd="sng" algn="ctr">
+                      <a:solidFill>
+                        <a:srgbClr val="000000"/>
+                      </a:solidFill>
+                      <a:prstDash val="solid"/>
+                      <a:round/>
+                      <a:headEnd type="none" w="med" len="med"/>
+                      <a:tailEnd type="none" w="med" len="med"/>
+                    </a:lnT>
+                    <a:lnB w="12700" cap="flat" cmpd="sng" algn="ctr">
+                      <a:solidFill>
+                        <a:srgbClr val="000000"/>
+                      </a:solidFill>
+                      <a:prstDash val="solid"/>
+                      <a:round/>
+                      <a:headEnd type="none" w="med" len="med"/>
+                      <a:tailEnd type="none" w="med" len="med"/>
+                    </a:lnB>
+                    <a:solidFill>
+                      <a:schemeClr val="bg1">
+                        <a:lumMod val="85000"/>
+                      </a:schemeClr>
+                    </a:solidFill>
+                  </a:tcPr>
+                </a:tc>
+                <a:tc>
+                  <a:txBody>
+                    <a:bodyPr/>
+                    <a:lstStyle/>
+                    <a:p>
+                      <a:pPr>
+                        <a:spcAft>
+                          <a:spcPts val="0"/>
+                        </a:spcAft>
+                      </a:pPr>
+                      <a:r>
+                        <a:rPr lang="en-US" sz="2400" kern="100" dirty="0" smtClean="0">
+                          <a:effectLst/>
+                          <a:latin typeface="Calibri" panose="020F0502020204030204" pitchFamily="34" charset="0"/>
+                          <a:ea typeface="新細明體" panose="02020500000000000000" pitchFamily="18" charset="-120"/>
+                          <a:cs typeface="Times New Roman" panose="02020603050405020304" pitchFamily="18" charset="0"/>
+                        </a:rPr>
+                        <a:t>Glucose</a:t>
+                      </a:r>
+                      <a:endParaRPr lang="zh-TW" sz="2400" kern="100" dirty="0">
+                        <a:effectLst/>
+                        <a:latin typeface="Calibri" panose="020F0502020204030204" pitchFamily="34" charset="0"/>
+                        <a:ea typeface="新細明體" panose="02020500000000000000" pitchFamily="18" charset="-120"/>
+                        <a:cs typeface="Times New Roman" panose="02020603050405020304" pitchFamily="18" charset="0"/>
+                      </a:endParaRPr>
+                    </a:p>
+                  </a:txBody>
+                  <a:tcPr marL="68580" marR="68580" marT="0" marB="0">
+                    <a:lnL w="12700" cap="flat" cmpd="sng" algn="ctr">
+                      <a:solidFill>
+                        <a:srgbClr val="000000"/>
+                      </a:solidFill>
+                      <a:prstDash val="solid"/>
+                      <a:round/>
+                      <a:headEnd type="none" w="med" len="med"/>
+                      <a:tailEnd type="none" w="med" len="med"/>
+                    </a:lnL>
+                    <a:lnR w="12700" cap="flat" cmpd="sng" algn="ctr">
+                      <a:solidFill>
+                        <a:srgbClr val="000000"/>
+                      </a:solidFill>
+                      <a:prstDash val="solid"/>
+                      <a:round/>
+                      <a:headEnd type="none" w="med" len="med"/>
+                      <a:tailEnd type="none" w="med" len="med"/>
+                    </a:lnR>
+                    <a:lnT w="12700" cap="flat" cmpd="sng" algn="ctr">
+                      <a:solidFill>
+                        <a:srgbClr val="000000"/>
+                      </a:solidFill>
+                      <a:prstDash val="solid"/>
+                      <a:round/>
+                      <a:headEnd type="none" w="med" len="med"/>
+                      <a:tailEnd type="none" w="med" len="med"/>
+                    </a:lnT>
+                    <a:lnB w="12700" cap="flat" cmpd="sng" algn="ctr">
+                      <a:solidFill>
+                        <a:srgbClr val="000000"/>
+                      </a:solidFill>
+                      <a:prstDash val="solid"/>
+                      <a:round/>
+                      <a:headEnd type="none" w="med" len="med"/>
+                      <a:tailEnd type="none" w="med" len="med"/>
+                    </a:lnB>
+                    <a:solidFill>
+                      <a:schemeClr val="bg1"/>
+                    </a:solidFill>
+                  </a:tcPr>
+                </a:tc>
+                <a:tc>
+                  <a:txBody>
+                    <a:bodyPr/>
+                    <a:lstStyle/>
+                    <a:p>
+                      <a:pPr marL="0" marR="0" indent="0" algn="ctr" defTabSz="914400" rtl="0" eaLnBrk="1" fontAlgn="auto" latinLnBrk="0" hangingPunct="1">
+                        <a:lnSpc>
+                          <a:spcPct val="100000"/>
+                        </a:lnSpc>
+                        <a:spcBef>
+                          <a:spcPts val="0"/>
+                        </a:spcBef>
+                        <a:spcAft>
+                          <a:spcPts val="0"/>
+                        </a:spcAft>
+                        <a:buClrTx/>
+                        <a:buSzTx/>
+                        <a:buFontTx/>
+                        <a:buNone/>
+                        <a:tabLst/>
+                        <a:defRPr/>
+                      </a:pPr>
+                      <a:r>
+                        <a:rPr lang="en-US" altLang="zh-TW" sz="2400" kern="100" dirty="0" smtClean="0">
+                          <a:solidFill>
+                            <a:schemeClr val="tx1"/>
+                          </a:solidFill>
+                          <a:effectLst/>
+                          <a:latin typeface="Calibri" panose="020F0502020204030204" pitchFamily="34" charset="0"/>
+                          <a:ea typeface="+mn-ea"/>
+                          <a:cs typeface="Times New Roman" panose="02020603050405020304" pitchFamily="18" charset="0"/>
+                        </a:rPr>
+                        <a:t>!</a:t>
+                      </a:r>
+                      <a:endParaRPr lang="zh-TW" sz="2400" kern="100" dirty="0">
+                        <a:solidFill>
+                          <a:schemeClr val="tx1"/>
+                        </a:solidFill>
+                        <a:effectLst/>
+                        <a:latin typeface="Calibri" panose="020F0502020204030204" pitchFamily="34" charset="0"/>
+                        <a:ea typeface="+mn-ea"/>
+                        <a:cs typeface="Times New Roman" panose="02020603050405020304" pitchFamily="18" charset="0"/>
+                      </a:endParaRPr>
+                    </a:p>
+                  </a:txBody>
+                  <a:tcPr marL="68580" marR="68580" marT="0" marB="0">
+                    <a:lnL w="12700" cap="flat" cmpd="sng" algn="ctr">
+                      <a:solidFill>
+                        <a:srgbClr val="000000"/>
+                      </a:solidFill>
+                      <a:prstDash val="solid"/>
+                      <a:round/>
+                      <a:headEnd type="none" w="med" len="med"/>
+                      <a:tailEnd type="none" w="med" len="med"/>
+                    </a:lnL>
+                    <a:lnR w="12700" cap="flat" cmpd="sng" algn="ctr">
+                      <a:solidFill>
+                        <a:srgbClr val="000000"/>
+                      </a:solidFill>
+                      <a:prstDash val="solid"/>
+                      <a:round/>
+                      <a:headEnd type="none" w="med" len="med"/>
+                      <a:tailEnd type="none" w="med" len="med"/>
+                    </a:lnR>
+                    <a:lnT w="12700" cap="flat" cmpd="sng" algn="ctr">
+                      <a:solidFill>
+                        <a:srgbClr val="000000"/>
+                      </a:solidFill>
+                      <a:prstDash val="solid"/>
+                      <a:round/>
+                      <a:headEnd type="none" w="med" len="med"/>
+                      <a:tailEnd type="none" w="med" len="med"/>
+                    </a:lnT>
+                    <a:lnB w="12700" cap="flat" cmpd="sng" algn="ctr">
+                      <a:solidFill>
+                        <a:srgbClr val="000000"/>
+                      </a:solidFill>
+                      <a:prstDash val="solid"/>
+                      <a:round/>
+                      <a:headEnd type="none" w="med" len="med"/>
+                      <a:tailEnd type="none" w="med" len="med"/>
+                    </a:lnB>
+                    <a:solidFill>
+                      <a:schemeClr val="bg1">
+                        <a:lumMod val="85000"/>
+                      </a:schemeClr>
+                    </a:solidFill>
+                  </a:tcPr>
+                </a:tc>
+                <a:tc>
+                  <a:txBody>
+                    <a:bodyPr/>
+                    <a:lstStyle/>
+                    <a:p>
+                      <a:pPr>
+                        <a:spcAft>
+                          <a:spcPts val="0"/>
+                        </a:spcAft>
+                      </a:pPr>
+                      <a:r>
+                        <a:rPr lang="en-US" altLang="zh-TW" sz="2400" kern="100" dirty="0" smtClean="0">
+                          <a:effectLst/>
+                          <a:latin typeface="Calibri" panose="020F0502020204030204" pitchFamily="34" charset="0"/>
+                          <a:ea typeface="+mn-ea"/>
+                          <a:cs typeface="Times New Roman" panose="02020603050405020304" pitchFamily="18" charset="0"/>
+                        </a:rPr>
+                        <a:t>Blood culture</a:t>
+                      </a:r>
+                      <a:endParaRPr lang="zh-TW" sz="2400" kern="100" dirty="0">
+                        <a:effectLst/>
+                        <a:latin typeface="Calibri" panose="020F0502020204030204" pitchFamily="34" charset="0"/>
+                        <a:ea typeface="新細明體" panose="02020500000000000000" pitchFamily="18" charset="-120"/>
+                        <a:cs typeface="Times New Roman" panose="02020603050405020304" pitchFamily="18" charset="0"/>
+                      </a:endParaRPr>
+                    </a:p>
+                  </a:txBody>
+                  <a:tcPr marL="68580" marR="68580" marT="0" marB="0">
+                    <a:lnL w="12700" cap="flat" cmpd="sng" algn="ctr">
+                      <a:solidFill>
+                        <a:srgbClr val="000000"/>
+                      </a:solidFill>
+                      <a:prstDash val="solid"/>
+                      <a:round/>
+                      <a:headEnd type="none" w="med" len="med"/>
+                      <a:tailEnd type="none" w="med" len="med"/>
+                    </a:lnL>
+                    <a:lnR w="12700" cap="flat" cmpd="sng" algn="ctr">
+                      <a:solidFill>
+                        <a:srgbClr val="000000"/>
+                      </a:solidFill>
+                      <a:prstDash val="solid"/>
+                      <a:round/>
+                      <a:headEnd type="none" w="med" len="med"/>
+                      <a:tailEnd type="none" w="med" len="med"/>
+                    </a:lnR>
+                    <a:lnT w="12700" cap="flat" cmpd="sng" algn="ctr">
+                      <a:solidFill>
+                        <a:srgbClr val="000000"/>
+                      </a:solidFill>
+                      <a:prstDash val="solid"/>
+                      <a:round/>
+                      <a:headEnd type="none" w="med" len="med"/>
+                      <a:tailEnd type="none" w="med" len="med"/>
+                    </a:lnT>
+                    <a:lnB w="12700" cap="flat" cmpd="sng" algn="ctr">
+                      <a:solidFill>
+                        <a:srgbClr val="000000"/>
+                      </a:solidFill>
+                      <a:prstDash val="solid"/>
+                      <a:round/>
+                      <a:headEnd type="none" w="med" len="med"/>
+                      <a:tailEnd type="none" w="med" len="med"/>
+                    </a:lnB>
+                    <a:solidFill>
+                      <a:schemeClr val="bg1"/>
+                    </a:solidFill>
+                  </a:tcPr>
+                </a:tc>
+                <a:tc>
+                  <a:txBody>
+                    <a:bodyPr/>
+                    <a:lstStyle/>
+                    <a:p>
+                      <a:pPr marL="0" marR="0" indent="0" algn="ctr" defTabSz="914400" rtl="0" eaLnBrk="1" fontAlgn="auto" latinLnBrk="0" hangingPunct="1">
+                        <a:lnSpc>
+                          <a:spcPct val="100000"/>
+                        </a:lnSpc>
+                        <a:spcBef>
+                          <a:spcPts val="0"/>
+                        </a:spcBef>
+                        <a:spcAft>
+                          <a:spcPts val="0"/>
+                        </a:spcAft>
+                        <a:buClrTx/>
+                        <a:buSzTx/>
+                        <a:buFontTx/>
+                        <a:buNone/>
+                        <a:tabLst/>
+                        <a:defRPr/>
+                      </a:pPr>
+                      <a:r>
+                        <a:rPr lang="en-US" altLang="zh-TW" sz="2400" kern="100" dirty="0" smtClean="0">
+                          <a:solidFill>
+                            <a:schemeClr val="tx1"/>
+                          </a:solidFill>
+                          <a:effectLst/>
+                          <a:latin typeface="Calibri" panose="020F0502020204030204" pitchFamily="34" charset="0"/>
+                          <a:ea typeface="+mn-ea"/>
+                          <a:cs typeface="Times New Roman" panose="02020603050405020304" pitchFamily="18" charset="0"/>
+                        </a:rPr>
+                        <a:t>?</a:t>
+                      </a:r>
+                      <a:endParaRPr lang="zh-TW" sz="2400" kern="100" dirty="0">
+                        <a:solidFill>
+                          <a:schemeClr val="tx1"/>
+                        </a:solidFill>
+                        <a:effectLst/>
+                        <a:latin typeface="Calibri" panose="020F0502020204030204" pitchFamily="34" charset="0"/>
+                        <a:ea typeface="+mn-ea"/>
+                        <a:cs typeface="Times New Roman" panose="02020603050405020304" pitchFamily="18" charset="0"/>
+                      </a:endParaRPr>
+                    </a:p>
+                  </a:txBody>
+                  <a:tcPr marL="68580" marR="68580" marT="0" marB="0">
+                    <a:lnL w="12700" cap="flat" cmpd="sng" algn="ctr">
+                      <a:solidFill>
+                        <a:srgbClr val="000000"/>
+                      </a:solidFill>
+                      <a:prstDash val="solid"/>
+                      <a:round/>
+                      <a:headEnd type="none" w="med" len="med"/>
+                      <a:tailEnd type="none" w="med" len="med"/>
+                    </a:lnL>
+                    <a:lnR w="12700" cap="flat" cmpd="sng" algn="ctr">
+                      <a:solidFill>
+                        <a:srgbClr val="000000"/>
+                      </a:solidFill>
+                      <a:prstDash val="solid"/>
+                      <a:round/>
+                      <a:headEnd type="none" w="med" len="med"/>
+                      <a:tailEnd type="none" w="med" len="med"/>
+                    </a:lnR>
+                    <a:lnT w="12700" cap="flat" cmpd="sng" algn="ctr">
+                      <a:solidFill>
+                        <a:srgbClr val="000000"/>
+                      </a:solidFill>
+                      <a:prstDash val="solid"/>
+                      <a:round/>
+                      <a:headEnd type="none" w="med" len="med"/>
+                      <a:tailEnd type="none" w="med" len="med"/>
+                    </a:lnT>
+                    <a:lnB w="12700" cap="flat" cmpd="sng" algn="ctr">
+                      <a:solidFill>
+                        <a:srgbClr val="000000"/>
+                      </a:solidFill>
+                      <a:prstDash val="solid"/>
+                      <a:round/>
+                      <a:headEnd type="none" w="med" len="med"/>
+                      <a:tailEnd type="none" w="med" len="med"/>
+                    </a:lnB>
+                    <a:solidFill>
+                      <a:schemeClr val="bg1">
+                        <a:lumMod val="85000"/>
+                      </a:schemeClr>
+                    </a:solidFill>
+                  </a:tcPr>
+                </a:tc>
+                <a:tc>
+                  <a:txBody>
+                    <a:bodyPr/>
+                    <a:lstStyle/>
+                    <a:p>
+                      <a:pPr>
+                        <a:spcAft>
+                          <a:spcPts val="0"/>
+                        </a:spcAft>
+                      </a:pPr>
+                      <a:r>
+                        <a:rPr lang="en-US" altLang="zh-TW" sz="2400" kern="100" dirty="0" smtClean="0">
+                          <a:solidFill>
+                            <a:schemeClr val="tx1"/>
+                          </a:solidFill>
+                          <a:effectLst/>
+                          <a:latin typeface="Calibri" panose="020F0502020204030204" pitchFamily="34" charset="0"/>
+                          <a:ea typeface="+mn-ea"/>
+                          <a:cs typeface="Times New Roman" panose="02020603050405020304" pitchFamily="18" charset="0"/>
+                        </a:rPr>
+                        <a:t>Other test</a:t>
+                      </a:r>
+                      <a:endParaRPr lang="zh-TW" sz="2400" kern="100" dirty="0">
+                        <a:solidFill>
+                          <a:schemeClr val="tx1"/>
+                        </a:solidFill>
+                        <a:effectLst/>
+                        <a:latin typeface="Calibri" panose="020F0502020204030204" pitchFamily="34" charset="0"/>
+                        <a:ea typeface="+mn-ea"/>
+                        <a:cs typeface="Times New Roman" panose="02020603050405020304" pitchFamily="18" charset="0"/>
+                      </a:endParaRPr>
+                    </a:p>
+                  </a:txBody>
+                  <a:tcPr marL="68580" marR="68580" marT="0" marB="0">
+                    <a:lnL w="12700" cap="flat" cmpd="sng" algn="ctr">
+                      <a:solidFill>
+                        <a:srgbClr val="000000"/>
+                      </a:solidFill>
+                      <a:prstDash val="solid"/>
+                      <a:round/>
+                      <a:headEnd type="none" w="med" len="med"/>
+                      <a:tailEnd type="none" w="med" len="med"/>
+                    </a:lnL>
+                    <a:lnR w="12700" cap="flat" cmpd="sng" algn="ctr">
+                      <a:solidFill>
+                        <a:srgbClr val="000000"/>
+                      </a:solidFill>
+                      <a:prstDash val="solid"/>
+                      <a:round/>
+                      <a:headEnd type="none" w="med" len="med"/>
+                      <a:tailEnd type="none" w="med" len="med"/>
+                    </a:lnR>
+                    <a:lnT w="12700" cap="flat" cmpd="sng" algn="ctr">
+                      <a:solidFill>
+                        <a:srgbClr val="000000"/>
+                      </a:solidFill>
+                      <a:prstDash val="solid"/>
+                      <a:round/>
+                      <a:headEnd type="none" w="med" len="med"/>
+                      <a:tailEnd type="none" w="med" len="med"/>
+                    </a:lnT>
+                    <a:lnB w="12700" cap="flat" cmpd="sng" algn="ctr">
+                      <a:solidFill>
+                        <a:srgbClr val="000000"/>
+                      </a:solidFill>
+                      <a:prstDash val="solid"/>
+                      <a:round/>
+                      <a:headEnd type="none" w="med" len="med"/>
+                      <a:tailEnd type="none" w="med" len="med"/>
+                    </a:lnB>
+                    <a:solidFill>
+                      <a:schemeClr val="bg1"/>
+                    </a:solidFill>
+                  </a:tcPr>
+                </a:tc>
+                <a:extLst>
+                  <a:ext uri="{0D108BD9-81ED-4DB2-BD59-A6C34878D82A}">
+                    <a16:rowId xmlns:a16="http://schemas.microsoft.com/office/drawing/2014/main" val="165184121"/>
+                  </a:ext>
+                </a:extLst>
+              </a:tr>
+            </a:tbl>
+          </a:graphicData>
+        </a:graphic>
+      </p:graphicFrame>
+    </p:spTree>
+    <p:extLst>
+      <p:ext uri="{BB962C8B-B14F-4D97-AF65-F5344CB8AC3E}">
+        <p14:creationId xmlns:p14="http://schemas.microsoft.com/office/powerpoint/2010/main" val="4195615254"/>
+      </p:ext>
+    </p:extLst>
+  </p:cSld>
+  <p:clrMapOvr>
+    <a:masterClrMapping/>
+  </p:clrMapOvr>
+</p:sld>
+</file>
+
+<file path=ppt/slides/slide2.xml><?xml version="1.0" encoding="utf-8"?>
+<p:sld xmlns:a="http://schemas.openxmlformats.org/drawingml/2006/main" xmlns:r="http://schemas.openxmlformats.org/officeDocument/2006/relationships" xmlns:p="http://schemas.openxmlformats.org/presentationml/2006/main">
+  <p:cSld>
+    <p:spTree>
+      <p:nvGrpSpPr>
+        <p:cNvPr id="1" name=""/>
+        <p:cNvGrpSpPr/>
+        <p:nvPr/>
+      </p:nvGrpSpPr>
+      <p:grpSpPr>
+        <a:xfrm>
+          <a:off x="0" y="0"/>
+          <a:ext cx="0" cy="0"/>
+          <a:chOff x="0" y="0"/>
+          <a:chExt cx="0" cy="0"/>
+        </a:xfrm>
+      </p:grpSpPr>
+      <p:graphicFrame>
+        <p:nvGraphicFramePr>
+          <p:cNvPr id="5" name="表格 4"/>
+          <p:cNvGraphicFramePr>
+            <a:graphicFrameLocks noGrp="1"/>
+          </p:cNvGraphicFramePr>
+          <p:nvPr>
+            <p:extLst>
+              <p:ext uri="{D42A27DB-BD31-4B8C-83A1-F6EECF244321}">
+                <p14:modId xmlns:p14="http://schemas.microsoft.com/office/powerpoint/2010/main" val="4053156027"/>
+              </p:ext>
+            </p:extLst>
+          </p:nvPr>
+        </p:nvGraphicFramePr>
+        <p:xfrm>
+          <a:off x="1487054" y="1570181"/>
+          <a:ext cx="3491346" cy="1463040"/>
+        </p:xfrm>
+        <a:graphic>
+          <a:graphicData uri="http://schemas.openxmlformats.org/drawingml/2006/table">
+            <a:tbl>
+              <a:tblPr firstRow="1" firstCol="1" bandRow="1"/>
+              <a:tblGrid>
+                <a:gridCol w="360000">
+                  <a:extLst>
+                    <a:ext uri="{9D8B030D-6E8A-4147-A177-3AD203B41FA5}">
+                      <a16:colId xmlns:a16="http://schemas.microsoft.com/office/drawing/2014/main" val="686092669"/>
+                    </a:ext>
+                  </a:extLst>
+                </a:gridCol>
+                <a:gridCol w="3131346">
+                  <a:extLst>
+                    <a:ext uri="{9D8B030D-6E8A-4147-A177-3AD203B41FA5}">
+                      <a16:colId xmlns:a16="http://schemas.microsoft.com/office/drawing/2014/main" val="842655834"/>
+                    </a:ext>
+                  </a:extLst>
+                </a:gridCol>
+              </a:tblGrid>
+              <a:tr h="197777">
+                <a:tc>
+                  <a:txBody>
+                    <a:bodyPr/>
+                    <a:lstStyle/>
+                    <a:p>
+                      <a:pPr algn="ctr">
+                        <a:spcAft>
+                          <a:spcPts val="0"/>
+                        </a:spcAft>
+                      </a:pPr>
+                      <a:r>
+                        <a:rPr lang="en-US" altLang="zh-TW" sz="2400" kern="100" dirty="0" smtClean="0">
+                          <a:effectLst/>
+                          <a:latin typeface="Calibri" panose="020F0502020204030204" pitchFamily="34" charset="0"/>
+                          <a:ea typeface="新細明體" panose="02020500000000000000" pitchFamily="18" charset="-120"/>
+                          <a:cs typeface="Times New Roman" panose="02020603050405020304" pitchFamily="18" charset="0"/>
+                        </a:rPr>
+                        <a:t>A</a:t>
+                      </a:r>
+                      <a:endParaRPr lang="zh-TW" sz="2400" kern="100" dirty="0">
+                        <a:effectLst/>
+                        <a:latin typeface="Calibri" panose="020F0502020204030204" pitchFamily="34" charset="0"/>
+                        <a:ea typeface="新細明體" panose="02020500000000000000" pitchFamily="18" charset="-120"/>
+                        <a:cs typeface="Times New Roman" panose="02020603050405020304" pitchFamily="18" charset="0"/>
+                      </a:endParaRPr>
+                    </a:p>
+                  </a:txBody>
+                  <a:tcPr marL="68580" marR="68580" marT="0" marB="0">
+                    <a:lnL w="12700" cap="flat" cmpd="sng" algn="ctr">
+                      <a:solidFill>
+                        <a:srgbClr val="000000"/>
+                      </a:solidFill>
+                      <a:prstDash val="solid"/>
+                      <a:round/>
+                      <a:headEnd type="none" w="med" len="med"/>
+                      <a:tailEnd type="none" w="med" len="med"/>
+                    </a:lnL>
+                    <a:lnR w="12700" cap="flat" cmpd="sng" algn="ctr">
+                      <a:solidFill>
+                        <a:srgbClr val="000000"/>
+                      </a:solidFill>
+                      <a:prstDash val="solid"/>
+                      <a:round/>
+                      <a:headEnd type="none" w="med" len="med"/>
+                      <a:tailEnd type="none" w="med" len="med"/>
+                    </a:lnR>
+                    <a:lnT w="12700" cap="flat" cmpd="sng" algn="ctr">
+                      <a:solidFill>
+                        <a:srgbClr val="000000"/>
+                      </a:solidFill>
+                      <a:prstDash val="solid"/>
+                      <a:round/>
+                      <a:headEnd type="none" w="med" len="med"/>
+                      <a:tailEnd type="none" w="med" len="med"/>
+                    </a:lnT>
+                    <a:lnB w="12700" cap="flat" cmpd="sng" algn="ctr">
+                      <a:solidFill>
+                        <a:srgbClr val="000000"/>
+                      </a:solidFill>
+                      <a:prstDash val="solid"/>
+                      <a:round/>
+                      <a:headEnd type="none" w="med" len="med"/>
+                      <a:tailEnd type="none" w="med" len="med"/>
+                    </a:lnB>
+                    <a:solidFill>
+                      <a:schemeClr val="bg1">
+                        <a:lumMod val="85000"/>
+                      </a:schemeClr>
+                    </a:solidFill>
+                  </a:tcPr>
+                </a:tc>
+                <a:tc>
+                  <a:txBody>
+                    <a:bodyPr/>
+                    <a:lstStyle/>
+                    <a:p>
+                      <a:pPr>
+                        <a:spcAft>
+                          <a:spcPts val="0"/>
+                        </a:spcAft>
+                      </a:pPr>
+                      <a:r>
+                        <a:rPr lang="en-US" sz="2400" kern="100" dirty="0" smtClean="0">
+                          <a:effectLst/>
+                          <a:latin typeface="Calibri" panose="020F0502020204030204" pitchFamily="34" charset="0"/>
+                          <a:ea typeface="新細明體" panose="02020500000000000000" pitchFamily="18" charset="-120"/>
+                          <a:cs typeface="Times New Roman" panose="02020603050405020304" pitchFamily="18" charset="0"/>
+                        </a:rPr>
+                        <a:t>Urine routine</a:t>
+                      </a:r>
+                      <a:endParaRPr lang="zh-TW" sz="2400" kern="100" dirty="0">
+                        <a:effectLst/>
+                        <a:latin typeface="Calibri" panose="020F0502020204030204" pitchFamily="34" charset="0"/>
+                        <a:ea typeface="新細明體" panose="02020500000000000000" pitchFamily="18" charset="-120"/>
+                        <a:cs typeface="Times New Roman" panose="02020603050405020304" pitchFamily="18" charset="0"/>
+                      </a:endParaRPr>
+                    </a:p>
+                  </a:txBody>
+                  <a:tcPr marL="68580" marR="68580" marT="0" marB="0">
+                    <a:lnL w="12700" cap="flat" cmpd="sng" algn="ctr">
+                      <a:solidFill>
+                        <a:srgbClr val="000000"/>
+                      </a:solidFill>
+                      <a:prstDash val="solid"/>
+                      <a:round/>
+                      <a:headEnd type="none" w="med" len="med"/>
+                      <a:tailEnd type="none" w="med" len="med"/>
+                    </a:lnL>
+                    <a:lnR w="12700" cap="flat" cmpd="sng" algn="ctr">
+                      <a:solidFill>
+                        <a:srgbClr val="000000"/>
+                      </a:solidFill>
+                      <a:prstDash val="solid"/>
+                      <a:round/>
+                      <a:headEnd type="none" w="med" len="med"/>
+                      <a:tailEnd type="none" w="med" len="med"/>
+                    </a:lnR>
+                    <a:lnT w="12700" cap="flat" cmpd="sng" algn="ctr">
+                      <a:solidFill>
+                        <a:srgbClr val="000000"/>
+                      </a:solidFill>
+                      <a:prstDash val="solid"/>
+                      <a:round/>
+                      <a:headEnd type="none" w="med" len="med"/>
+                      <a:tailEnd type="none" w="med" len="med"/>
+                    </a:lnT>
+                    <a:lnB w="12700" cap="flat" cmpd="sng" algn="ctr">
+                      <a:solidFill>
+                        <a:srgbClr val="000000"/>
+                      </a:solidFill>
+                      <a:prstDash val="solid"/>
+                      <a:round/>
+                      <a:headEnd type="none" w="med" len="med"/>
+                      <a:tailEnd type="none" w="med" len="med"/>
+                    </a:lnB>
+                    <a:solidFill>
+                      <a:schemeClr val="bg1"/>
+                    </a:solidFill>
+                  </a:tcPr>
+                </a:tc>
+                <a:extLst>
+                  <a:ext uri="{0D108BD9-81ED-4DB2-BD59-A6C34878D82A}">
+                    <a16:rowId xmlns:a16="http://schemas.microsoft.com/office/drawing/2014/main" val="599559811"/>
+                  </a:ext>
+                </a:extLst>
+              </a:tr>
+              <a:tr h="197777">
+                <a:tc>
+                  <a:txBody>
+                    <a:bodyPr/>
+                    <a:lstStyle/>
+                    <a:p>
+                      <a:pPr algn="ctr">
+                        <a:spcAft>
+                          <a:spcPts val="0"/>
+                        </a:spcAft>
+                      </a:pPr>
+                      <a:r>
+                        <a:rPr lang="en-US" altLang="zh-TW" sz="2400" kern="100" dirty="0" smtClean="0">
+                          <a:effectLst/>
+                          <a:latin typeface="Calibri" panose="020F0502020204030204" pitchFamily="34" charset="0"/>
+                          <a:ea typeface="新細明體" panose="02020500000000000000" pitchFamily="18" charset="-120"/>
+                          <a:cs typeface="Times New Roman" panose="02020603050405020304" pitchFamily="18" charset="0"/>
+                        </a:rPr>
+                        <a:t>B</a:t>
+                      </a:r>
+                      <a:endParaRPr lang="zh-TW" sz="2400" kern="100" dirty="0">
+                        <a:effectLst/>
+                        <a:latin typeface="Calibri" panose="020F0502020204030204" pitchFamily="34" charset="0"/>
+                        <a:ea typeface="新細明體" panose="02020500000000000000" pitchFamily="18" charset="-120"/>
+                        <a:cs typeface="Times New Roman" panose="02020603050405020304" pitchFamily="18" charset="0"/>
+                      </a:endParaRPr>
+                    </a:p>
+                  </a:txBody>
+                  <a:tcPr marL="68580" marR="68580" marT="0" marB="0">
+                    <a:lnL w="12700" cap="flat" cmpd="sng" algn="ctr">
+                      <a:solidFill>
+                        <a:srgbClr val="000000"/>
+                      </a:solidFill>
+                      <a:prstDash val="solid"/>
+                      <a:round/>
+                      <a:headEnd type="none" w="med" len="med"/>
+                      <a:tailEnd type="none" w="med" len="med"/>
+                    </a:lnL>
+                    <a:lnR w="12700" cap="flat" cmpd="sng" algn="ctr">
+                      <a:solidFill>
+                        <a:srgbClr val="000000"/>
+                      </a:solidFill>
+                      <a:prstDash val="solid"/>
+                      <a:round/>
+                      <a:headEnd type="none" w="med" len="med"/>
+                      <a:tailEnd type="none" w="med" len="med"/>
+                    </a:lnR>
+                    <a:lnT w="12700" cap="flat" cmpd="sng" algn="ctr">
+                      <a:solidFill>
+                        <a:srgbClr val="000000"/>
+                      </a:solidFill>
+                      <a:prstDash val="solid"/>
+                      <a:round/>
+                      <a:headEnd type="none" w="med" len="med"/>
+                      <a:tailEnd type="none" w="med" len="med"/>
+                    </a:lnT>
+                    <a:lnB w="12700" cap="flat" cmpd="sng" algn="ctr">
+                      <a:solidFill>
+                        <a:srgbClr val="000000"/>
+                      </a:solidFill>
+                      <a:prstDash val="solid"/>
+                      <a:round/>
+                      <a:headEnd type="none" w="med" len="med"/>
+                      <a:tailEnd type="none" w="med" len="med"/>
+                    </a:lnB>
+                    <a:solidFill>
+                      <a:schemeClr val="bg1">
+                        <a:lumMod val="85000"/>
+                      </a:schemeClr>
+                    </a:solidFill>
+                  </a:tcPr>
+                </a:tc>
+                <a:tc>
+                  <a:txBody>
+                    <a:bodyPr/>
+                    <a:lstStyle/>
+                    <a:p>
+                      <a:pPr>
+                        <a:spcAft>
+                          <a:spcPts val="0"/>
+                        </a:spcAft>
+                      </a:pPr>
+                      <a:r>
+                        <a:rPr lang="en-US" sz="2400" kern="100" dirty="0" smtClean="0">
+                          <a:effectLst/>
+                          <a:latin typeface="Calibri" panose="020F0502020204030204" pitchFamily="34" charset="0"/>
+                          <a:ea typeface="新細明體" panose="02020500000000000000" pitchFamily="18" charset="-120"/>
+                          <a:cs typeface="Times New Roman" panose="02020603050405020304" pitchFamily="18" charset="0"/>
+                        </a:rPr>
+                        <a:t>Protein/Creatinine ratio</a:t>
+                      </a:r>
+                      <a:endParaRPr lang="zh-TW" sz="2400" kern="100" dirty="0">
+                        <a:effectLst/>
+                        <a:latin typeface="Calibri" panose="020F0502020204030204" pitchFamily="34" charset="0"/>
+                        <a:ea typeface="新細明體" panose="02020500000000000000" pitchFamily="18" charset="-120"/>
+                        <a:cs typeface="Times New Roman" panose="02020603050405020304" pitchFamily="18" charset="0"/>
+                      </a:endParaRPr>
+                    </a:p>
+                  </a:txBody>
+                  <a:tcPr marL="68580" marR="68580" marT="0" marB="0">
+                    <a:lnL w="12700" cap="flat" cmpd="sng" algn="ctr">
+                      <a:solidFill>
+                        <a:srgbClr val="000000"/>
+                      </a:solidFill>
+                      <a:prstDash val="solid"/>
+                      <a:round/>
+                      <a:headEnd type="none" w="med" len="med"/>
+                      <a:tailEnd type="none" w="med" len="med"/>
+                    </a:lnL>
+                    <a:lnR w="12700" cap="flat" cmpd="sng" algn="ctr">
+                      <a:solidFill>
+                        <a:srgbClr val="000000"/>
+                      </a:solidFill>
+                      <a:prstDash val="solid"/>
+                      <a:round/>
+                      <a:headEnd type="none" w="med" len="med"/>
+                      <a:tailEnd type="none" w="med" len="med"/>
+                    </a:lnR>
+                    <a:lnT w="12700" cap="flat" cmpd="sng" algn="ctr">
+                      <a:solidFill>
+                        <a:srgbClr val="000000"/>
+                      </a:solidFill>
+                      <a:prstDash val="solid"/>
+                      <a:round/>
+                      <a:headEnd type="none" w="med" len="med"/>
+                      <a:tailEnd type="none" w="med" len="med"/>
+                    </a:lnT>
+                    <a:lnB w="12700" cap="flat" cmpd="sng" algn="ctr">
+                      <a:solidFill>
+                        <a:srgbClr val="000000"/>
+                      </a:solidFill>
+                      <a:prstDash val="solid"/>
+                      <a:round/>
+                      <a:headEnd type="none" w="med" len="med"/>
+                      <a:tailEnd type="none" w="med" len="med"/>
+                    </a:lnB>
+                    <a:solidFill>
+                      <a:schemeClr val="bg1"/>
+                    </a:solidFill>
+                  </a:tcPr>
+                </a:tc>
+                <a:extLst>
+                  <a:ext uri="{0D108BD9-81ED-4DB2-BD59-A6C34878D82A}">
+                    <a16:rowId xmlns:a16="http://schemas.microsoft.com/office/drawing/2014/main" val="2152279126"/>
+                  </a:ext>
+                </a:extLst>
+              </a:tr>
+              <a:tr h="197777">
+                <a:tc>
+                  <a:txBody>
+                    <a:bodyPr/>
+                    <a:lstStyle/>
+                    <a:p>
+                      <a:pPr algn="ctr">
+                        <a:spcAft>
+                          <a:spcPts val="0"/>
+                        </a:spcAft>
+                      </a:pPr>
+                      <a:r>
+                        <a:rPr lang="en-US" altLang="zh-TW" sz="2400" kern="100" dirty="0" smtClean="0">
+                          <a:effectLst/>
+                          <a:latin typeface="Calibri" panose="020F0502020204030204" pitchFamily="34" charset="0"/>
+                          <a:ea typeface="新細明體" panose="02020500000000000000" pitchFamily="18" charset="-120"/>
+                          <a:cs typeface="Times New Roman" panose="02020603050405020304" pitchFamily="18" charset="0"/>
+                        </a:rPr>
+                        <a:t>C</a:t>
+                      </a:r>
+                      <a:endParaRPr lang="zh-TW" sz="2400" kern="100" dirty="0">
+                        <a:effectLst/>
+                        <a:latin typeface="Calibri" panose="020F0502020204030204" pitchFamily="34" charset="0"/>
+                        <a:ea typeface="新細明體" panose="02020500000000000000" pitchFamily="18" charset="-120"/>
+                        <a:cs typeface="Times New Roman" panose="02020603050405020304" pitchFamily="18" charset="0"/>
+                      </a:endParaRPr>
+                    </a:p>
+                  </a:txBody>
+                  <a:tcPr marL="68580" marR="68580" marT="0" marB="0">
+                    <a:lnL w="12700" cap="flat" cmpd="sng" algn="ctr">
+                      <a:solidFill>
+                        <a:srgbClr val="000000"/>
+                      </a:solidFill>
+                      <a:prstDash val="solid"/>
+                      <a:round/>
+                      <a:headEnd type="none" w="med" len="med"/>
+                      <a:tailEnd type="none" w="med" len="med"/>
+                    </a:lnL>
+                    <a:lnR w="12700" cap="flat" cmpd="sng" algn="ctr">
+                      <a:solidFill>
+                        <a:srgbClr val="000000"/>
+                      </a:solidFill>
+                      <a:prstDash val="solid"/>
+                      <a:round/>
+                      <a:headEnd type="none" w="med" len="med"/>
+                      <a:tailEnd type="none" w="med" len="med"/>
+                    </a:lnR>
+                    <a:lnT w="12700" cap="flat" cmpd="sng" algn="ctr">
+                      <a:solidFill>
+                        <a:srgbClr val="000000"/>
+                      </a:solidFill>
+                      <a:prstDash val="solid"/>
+                      <a:round/>
+                      <a:headEnd type="none" w="med" len="med"/>
+                      <a:tailEnd type="none" w="med" len="med"/>
+                    </a:lnT>
+                    <a:lnB w="12700" cap="flat" cmpd="sng" algn="ctr">
+                      <a:solidFill>
+                        <a:srgbClr val="000000"/>
+                      </a:solidFill>
+                      <a:prstDash val="solid"/>
+                      <a:round/>
+                      <a:headEnd type="none" w="med" len="med"/>
+                      <a:tailEnd type="none" w="med" len="med"/>
+                    </a:lnB>
+                    <a:solidFill>
+                      <a:schemeClr val="bg1">
+                        <a:lumMod val="85000"/>
+                      </a:schemeClr>
+                    </a:solidFill>
+                  </a:tcPr>
+                </a:tc>
+                <a:tc>
+                  <a:txBody>
+                    <a:bodyPr/>
+                    <a:lstStyle/>
+                    <a:p>
+                      <a:pPr>
+                        <a:spcAft>
+                          <a:spcPts val="0"/>
+                        </a:spcAft>
+                      </a:pPr>
+                      <a:r>
+                        <a:rPr lang="en-US" altLang="zh-TW" sz="2400" kern="100" dirty="0" smtClean="0">
+                          <a:effectLst/>
+                          <a:latin typeface="Calibri" panose="020F0502020204030204" pitchFamily="34" charset="0"/>
+                          <a:ea typeface="新細明體" panose="02020500000000000000" pitchFamily="18" charset="-120"/>
+                          <a:cs typeface="Times New Roman" panose="02020603050405020304" pitchFamily="18" charset="0"/>
+                        </a:rPr>
+                        <a:t>Urine</a:t>
+                      </a:r>
+                      <a:r>
+                        <a:rPr lang="en-US" altLang="zh-TW" sz="2400" kern="100" baseline="0" dirty="0" smtClean="0">
+                          <a:effectLst/>
+                          <a:latin typeface="Calibri" panose="020F0502020204030204" pitchFamily="34" charset="0"/>
+                          <a:ea typeface="新細明體" panose="02020500000000000000" pitchFamily="18" charset="-120"/>
+                          <a:cs typeface="Times New Roman" panose="02020603050405020304" pitchFamily="18" charset="0"/>
+                        </a:rPr>
+                        <a:t> culture</a:t>
+                      </a:r>
+                      <a:endParaRPr lang="zh-TW" sz="2400" kern="100" dirty="0">
+                        <a:effectLst/>
+                        <a:latin typeface="Calibri" panose="020F0502020204030204" pitchFamily="34" charset="0"/>
+                        <a:ea typeface="新細明體" panose="02020500000000000000" pitchFamily="18" charset="-120"/>
+                        <a:cs typeface="Times New Roman" panose="02020603050405020304" pitchFamily="18" charset="0"/>
+                      </a:endParaRPr>
+                    </a:p>
+                  </a:txBody>
+                  <a:tcPr marL="68580" marR="68580" marT="0" marB="0">
+                    <a:lnL w="12700" cap="flat" cmpd="sng" algn="ctr">
+                      <a:solidFill>
+                        <a:srgbClr val="000000"/>
+                      </a:solidFill>
+                      <a:prstDash val="solid"/>
+                      <a:round/>
+                      <a:headEnd type="none" w="med" len="med"/>
+                      <a:tailEnd type="none" w="med" len="med"/>
+                    </a:lnL>
+                    <a:lnR w="12700" cap="flat" cmpd="sng" algn="ctr">
+                      <a:solidFill>
+                        <a:srgbClr val="000000"/>
+                      </a:solidFill>
+                      <a:prstDash val="solid"/>
+                      <a:round/>
+                      <a:headEnd type="none" w="med" len="med"/>
+                      <a:tailEnd type="none" w="med" len="med"/>
+                    </a:lnR>
+                    <a:lnT w="12700" cap="flat" cmpd="sng" algn="ctr">
+                      <a:solidFill>
+                        <a:srgbClr val="000000"/>
+                      </a:solidFill>
+                      <a:prstDash val="solid"/>
+                      <a:round/>
+                      <a:headEnd type="none" w="med" len="med"/>
+                      <a:tailEnd type="none" w="med" len="med"/>
+                    </a:lnT>
+                    <a:lnB w="12700" cap="flat" cmpd="sng" algn="ctr">
+                      <a:solidFill>
+                        <a:srgbClr val="000000"/>
+                      </a:solidFill>
+                      <a:prstDash val="solid"/>
+                      <a:round/>
+                      <a:headEnd type="none" w="med" len="med"/>
+                      <a:tailEnd type="none" w="med" len="med"/>
+                    </a:lnB>
+                    <a:solidFill>
+                      <a:schemeClr val="bg1"/>
+                    </a:solidFill>
+                  </a:tcPr>
+                </a:tc>
+                <a:extLst>
+                  <a:ext uri="{0D108BD9-81ED-4DB2-BD59-A6C34878D82A}">
+                    <a16:rowId xmlns:a16="http://schemas.microsoft.com/office/drawing/2014/main" val="2608185473"/>
+                  </a:ext>
+                </a:extLst>
+              </a:tr>
+              <a:tr h="197777">
+                <a:tc>
+                  <a:txBody>
+                    <a:bodyPr/>
+                    <a:lstStyle/>
+                    <a:p>
+                      <a:pPr marL="0" marR="0" indent="0" algn="ctr" defTabSz="914400" rtl="0" eaLnBrk="1" fontAlgn="auto" latinLnBrk="0" hangingPunct="1">
+                        <a:lnSpc>
+                          <a:spcPct val="100000"/>
+                        </a:lnSpc>
+                        <a:spcBef>
+                          <a:spcPts val="0"/>
+                        </a:spcBef>
+                        <a:spcAft>
+                          <a:spcPts val="0"/>
+                        </a:spcAft>
+                        <a:buClrTx/>
+                        <a:buSzTx/>
+                        <a:buFontTx/>
+                        <a:buNone/>
+                        <a:tabLst/>
+                        <a:defRPr/>
+                      </a:pPr>
+                      <a:r>
+                        <a:rPr lang="en-US" altLang="zh-TW" sz="2400" kern="100" dirty="0" smtClean="0">
+                          <a:solidFill>
+                            <a:schemeClr val="tx1"/>
+                          </a:solidFill>
+                          <a:effectLst/>
+                          <a:latin typeface="Calibri" panose="020F0502020204030204" pitchFamily="34" charset="0"/>
+                          <a:ea typeface="+mn-ea"/>
+                          <a:cs typeface="Times New Roman" panose="02020603050405020304" pitchFamily="18" charset="0"/>
+                        </a:rPr>
+                        <a:t>?</a:t>
+                      </a:r>
+                      <a:endParaRPr lang="zh-TW" sz="2400" kern="100" dirty="0">
+                        <a:solidFill>
+                          <a:schemeClr val="tx1"/>
+                        </a:solidFill>
+                        <a:effectLst/>
+                        <a:latin typeface="Calibri" panose="020F0502020204030204" pitchFamily="34" charset="0"/>
+                        <a:ea typeface="+mn-ea"/>
+                        <a:cs typeface="Times New Roman" panose="02020603050405020304" pitchFamily="18" charset="0"/>
+                      </a:endParaRPr>
+                    </a:p>
+                  </a:txBody>
+                  <a:tcPr marL="68580" marR="68580" marT="0" marB="0">
+                    <a:lnL w="12700" cap="flat" cmpd="sng" algn="ctr">
+                      <a:solidFill>
+                        <a:srgbClr val="000000"/>
+                      </a:solidFill>
+                      <a:prstDash val="solid"/>
+                      <a:round/>
+                      <a:headEnd type="none" w="med" len="med"/>
+                      <a:tailEnd type="none" w="med" len="med"/>
+                    </a:lnL>
+                    <a:lnR w="12700" cap="flat" cmpd="sng" algn="ctr">
+                      <a:solidFill>
+                        <a:srgbClr val="000000"/>
+                      </a:solidFill>
+                      <a:prstDash val="solid"/>
+                      <a:round/>
+                      <a:headEnd type="none" w="med" len="med"/>
+                      <a:tailEnd type="none" w="med" len="med"/>
+                    </a:lnR>
+                    <a:lnT w="12700" cap="flat" cmpd="sng" algn="ctr">
+                      <a:solidFill>
+                        <a:srgbClr val="000000"/>
+                      </a:solidFill>
+                      <a:prstDash val="solid"/>
+                      <a:round/>
+                      <a:headEnd type="none" w="med" len="med"/>
+                      <a:tailEnd type="none" w="med" len="med"/>
+                    </a:lnT>
+                    <a:lnB w="12700" cap="flat" cmpd="sng" algn="ctr">
+                      <a:solidFill>
+                        <a:srgbClr val="000000"/>
+                      </a:solidFill>
+                      <a:prstDash val="solid"/>
+                      <a:round/>
+                      <a:headEnd type="none" w="med" len="med"/>
+                      <a:tailEnd type="none" w="med" len="med"/>
+                    </a:lnB>
+                    <a:solidFill>
+                      <a:schemeClr val="bg1">
+                        <a:lumMod val="85000"/>
+                      </a:schemeClr>
+                    </a:solidFill>
+                  </a:tcPr>
+                </a:tc>
+                <a:tc>
+                  <a:txBody>
+                    <a:bodyPr/>
+                    <a:lstStyle/>
+                    <a:p>
+                      <a:pPr>
+                        <a:spcAft>
+                          <a:spcPts val="0"/>
+                        </a:spcAft>
+                      </a:pPr>
+                      <a:r>
+                        <a:rPr lang="en-US" altLang="zh-TW" sz="2400" kern="100" dirty="0" smtClean="0">
+                          <a:solidFill>
+                            <a:schemeClr val="tx1"/>
+                          </a:solidFill>
+                          <a:effectLst/>
+                          <a:latin typeface="Calibri" panose="020F0502020204030204" pitchFamily="34" charset="0"/>
+                          <a:ea typeface="+mn-ea"/>
+                          <a:cs typeface="Times New Roman" panose="02020603050405020304" pitchFamily="18" charset="0"/>
+                        </a:rPr>
+                        <a:t>Other test</a:t>
+                      </a:r>
+                      <a:endParaRPr lang="zh-TW" sz="2400" kern="100" dirty="0">
+                        <a:solidFill>
+                          <a:schemeClr val="tx1"/>
+                        </a:solidFill>
+                        <a:effectLst/>
+                        <a:latin typeface="Calibri" panose="020F0502020204030204" pitchFamily="34" charset="0"/>
+                        <a:ea typeface="+mn-ea"/>
+                        <a:cs typeface="Times New Roman" panose="02020603050405020304" pitchFamily="18" charset="0"/>
+                      </a:endParaRPr>
+                    </a:p>
+                  </a:txBody>
+                  <a:tcPr marL="68580" marR="68580" marT="0" marB="0">
+                    <a:lnL w="12700" cap="flat" cmpd="sng" algn="ctr">
+                      <a:solidFill>
+                        <a:srgbClr val="000000"/>
+                      </a:solidFill>
+                      <a:prstDash val="solid"/>
+                      <a:round/>
+                      <a:headEnd type="none" w="med" len="med"/>
+                      <a:tailEnd type="none" w="med" len="med"/>
+                    </a:lnL>
+                    <a:lnR w="12700" cap="flat" cmpd="sng" algn="ctr">
+                      <a:solidFill>
+                        <a:srgbClr val="000000"/>
+                      </a:solidFill>
+                      <a:prstDash val="solid"/>
+                      <a:round/>
+                      <a:headEnd type="none" w="med" len="med"/>
+                      <a:tailEnd type="none" w="med" len="med"/>
+                    </a:lnR>
+                    <a:lnT w="12700" cap="flat" cmpd="sng" algn="ctr">
+                      <a:solidFill>
+                        <a:srgbClr val="000000"/>
+                      </a:solidFill>
+                      <a:prstDash val="solid"/>
+                      <a:round/>
+                      <a:headEnd type="none" w="med" len="med"/>
+                      <a:tailEnd type="none" w="med" len="med"/>
+                    </a:lnT>
+                    <a:lnB w="12700" cap="flat" cmpd="sng" algn="ctr">
+                      <a:solidFill>
+                        <a:srgbClr val="000000"/>
+                      </a:solidFill>
+                      <a:prstDash val="solid"/>
+                      <a:round/>
+                      <a:headEnd type="none" w="med" len="med"/>
+                      <a:tailEnd type="none" w="med" len="med"/>
+                    </a:lnB>
+                    <a:solidFill>
+                      <a:schemeClr val="bg1"/>
+                    </a:solidFill>
+                  </a:tcPr>
+                </a:tc>
+                <a:extLst>
+                  <a:ext uri="{0D108BD9-81ED-4DB2-BD59-A6C34878D82A}">
+                    <a16:rowId xmlns:a16="http://schemas.microsoft.com/office/drawing/2014/main" val="2799494879"/>
+                  </a:ext>
+                </a:extLst>
+              </a:tr>
+            </a:tbl>
+          </a:graphicData>
+        </a:graphic>
+      </p:graphicFrame>
+      <p:graphicFrame>
+        <p:nvGraphicFramePr>
+          <p:cNvPr id="3" name="表格 2"/>
+          <p:cNvGraphicFramePr>
+            <a:graphicFrameLocks noGrp="1"/>
+          </p:cNvGraphicFramePr>
+          <p:nvPr>
+            <p:extLst>
+              <p:ext uri="{D42A27DB-BD31-4B8C-83A1-F6EECF244321}">
+                <p14:modId xmlns:p14="http://schemas.microsoft.com/office/powerpoint/2010/main" val="387520653"/>
+              </p:ext>
+            </p:extLst>
+          </p:nvPr>
+        </p:nvGraphicFramePr>
+        <p:xfrm>
+          <a:off x="3140363" y="3186545"/>
+          <a:ext cx="2160000" cy="2560320"/>
+        </p:xfrm>
+        <a:graphic>
+          <a:graphicData uri="http://schemas.openxmlformats.org/drawingml/2006/table">
+            <a:tbl>
+              <a:tblPr firstRow="1" firstCol="1" bandRow="1"/>
+              <a:tblGrid>
+                <a:gridCol w="360000">
+                  <a:extLst>
+                    <a:ext uri="{9D8B030D-6E8A-4147-A177-3AD203B41FA5}">
+                      <a16:colId xmlns:a16="http://schemas.microsoft.com/office/drawing/2014/main" val="686092669"/>
+                    </a:ext>
+                  </a:extLst>
+                </a:gridCol>
+                <a:gridCol w="1800000">
+                  <a:extLst>
+                    <a:ext uri="{9D8B030D-6E8A-4147-A177-3AD203B41FA5}">
+                      <a16:colId xmlns:a16="http://schemas.microsoft.com/office/drawing/2014/main" val="842655834"/>
+                    </a:ext>
+                  </a:extLst>
+                </a:gridCol>
+              </a:tblGrid>
+              <a:tr h="197777">
+                <a:tc>
+                  <a:txBody>
+                    <a:bodyPr/>
+                    <a:lstStyle/>
+                    <a:p>
+                      <a:pPr algn="ctr">
+                        <a:spcAft>
+                          <a:spcPts val="0"/>
+                        </a:spcAft>
+                      </a:pPr>
+                      <a:r>
+                        <a:rPr lang="en-US" altLang="zh-TW" sz="2400" kern="100" dirty="0" smtClean="0">
+                          <a:effectLst/>
+                          <a:latin typeface="Calibri" panose="020F0502020204030204" pitchFamily="34" charset="0"/>
+                          <a:ea typeface="新細明體" panose="02020500000000000000" pitchFamily="18" charset="-120"/>
+                          <a:cs typeface="Times New Roman" panose="02020603050405020304" pitchFamily="18" charset="0"/>
+                        </a:rPr>
+                        <a:t>A</a:t>
+                      </a:r>
+                      <a:endParaRPr lang="zh-TW" sz="2400" kern="100" dirty="0">
+                        <a:effectLst/>
+                        <a:latin typeface="Calibri" panose="020F0502020204030204" pitchFamily="34" charset="0"/>
+                        <a:ea typeface="新細明體" panose="02020500000000000000" pitchFamily="18" charset="-120"/>
+                        <a:cs typeface="Times New Roman" panose="02020603050405020304" pitchFamily="18" charset="0"/>
+                      </a:endParaRPr>
+                    </a:p>
+                  </a:txBody>
+                  <a:tcPr marL="68580" marR="68580" marT="0" marB="0">
+                    <a:lnL w="12700" cap="flat" cmpd="sng" algn="ctr">
+                      <a:solidFill>
+                        <a:srgbClr val="000000"/>
+                      </a:solidFill>
+                      <a:prstDash val="solid"/>
+                      <a:round/>
+                      <a:headEnd type="none" w="med" len="med"/>
+                      <a:tailEnd type="none" w="med" len="med"/>
+                    </a:lnL>
+                    <a:lnR w="12700" cap="flat" cmpd="sng" algn="ctr">
+                      <a:solidFill>
+                        <a:srgbClr val="000000"/>
+                      </a:solidFill>
+                      <a:prstDash val="solid"/>
+                      <a:round/>
+                      <a:headEnd type="none" w="med" len="med"/>
+                      <a:tailEnd type="none" w="med" len="med"/>
+                    </a:lnR>
+                    <a:lnT w="12700" cap="flat" cmpd="sng" algn="ctr">
+                      <a:solidFill>
+                        <a:srgbClr val="000000"/>
+                      </a:solidFill>
+                      <a:prstDash val="solid"/>
+                      <a:round/>
+                      <a:headEnd type="none" w="med" len="med"/>
+                      <a:tailEnd type="none" w="med" len="med"/>
+                    </a:lnT>
+                    <a:lnB w="12700" cap="flat" cmpd="sng" algn="ctr">
+                      <a:solidFill>
+                        <a:srgbClr val="000000"/>
+                      </a:solidFill>
+                      <a:prstDash val="solid"/>
+                      <a:round/>
+                      <a:headEnd type="none" w="med" len="med"/>
+                      <a:tailEnd type="none" w="med" len="med"/>
+                    </a:lnB>
+                    <a:solidFill>
+                      <a:schemeClr val="bg1">
+                        <a:lumMod val="85000"/>
+                      </a:schemeClr>
+                    </a:solidFill>
+                  </a:tcPr>
+                </a:tc>
+                <a:tc>
+                  <a:txBody>
+                    <a:bodyPr/>
+                    <a:lstStyle/>
+                    <a:p>
+                      <a:pPr>
+                        <a:spcAft>
+                          <a:spcPts val="0"/>
+                        </a:spcAft>
+                      </a:pPr>
+                      <a:r>
+                        <a:rPr lang="en-US" sz="2400" kern="100" dirty="0" smtClean="0">
+                          <a:effectLst/>
+                          <a:latin typeface="Calibri" panose="020F0502020204030204" pitchFamily="34" charset="0"/>
+                          <a:ea typeface="新細明體" panose="02020500000000000000" pitchFamily="18" charset="-120"/>
+                          <a:cs typeface="Times New Roman" panose="02020603050405020304" pitchFamily="18" charset="0"/>
+                        </a:rPr>
+                        <a:t>CXR</a:t>
+                      </a:r>
+                      <a:endParaRPr lang="zh-TW" sz="2400" kern="100" dirty="0">
+                        <a:effectLst/>
+                        <a:latin typeface="Calibri" panose="020F0502020204030204" pitchFamily="34" charset="0"/>
+                        <a:ea typeface="新細明體" panose="02020500000000000000" pitchFamily="18" charset="-120"/>
+                        <a:cs typeface="Times New Roman" panose="02020603050405020304" pitchFamily="18" charset="0"/>
+                      </a:endParaRPr>
+                    </a:p>
+                  </a:txBody>
+                  <a:tcPr marL="68580" marR="68580" marT="0" marB="0">
+                    <a:lnL w="12700" cap="flat" cmpd="sng" algn="ctr">
+                      <a:solidFill>
+                        <a:srgbClr val="000000"/>
+                      </a:solidFill>
+                      <a:prstDash val="solid"/>
+                      <a:round/>
+                      <a:headEnd type="none" w="med" len="med"/>
+                      <a:tailEnd type="none" w="med" len="med"/>
+                    </a:lnL>
+                    <a:lnR w="12700" cap="flat" cmpd="sng" algn="ctr">
+                      <a:solidFill>
+                        <a:srgbClr val="000000"/>
+                      </a:solidFill>
+                      <a:prstDash val="solid"/>
+                      <a:round/>
+                      <a:headEnd type="none" w="med" len="med"/>
+                      <a:tailEnd type="none" w="med" len="med"/>
+                    </a:lnR>
+                    <a:lnT w="12700" cap="flat" cmpd="sng" algn="ctr">
+                      <a:solidFill>
+                        <a:srgbClr val="000000"/>
+                      </a:solidFill>
+                      <a:prstDash val="solid"/>
+                      <a:round/>
+                      <a:headEnd type="none" w="med" len="med"/>
+                      <a:tailEnd type="none" w="med" len="med"/>
+                    </a:lnT>
+                    <a:lnB w="12700" cap="flat" cmpd="sng" algn="ctr">
+                      <a:solidFill>
+                        <a:srgbClr val="000000"/>
+                      </a:solidFill>
+                      <a:prstDash val="solid"/>
+                      <a:round/>
+                      <a:headEnd type="none" w="med" len="med"/>
+                      <a:tailEnd type="none" w="med" len="med"/>
+                    </a:lnB>
+                    <a:solidFill>
+                      <a:schemeClr val="bg1"/>
+                    </a:solidFill>
+                  </a:tcPr>
+                </a:tc>
+                <a:extLst>
+                  <a:ext uri="{0D108BD9-81ED-4DB2-BD59-A6C34878D82A}">
+                    <a16:rowId xmlns:a16="http://schemas.microsoft.com/office/drawing/2014/main" val="599559811"/>
+                  </a:ext>
+                </a:extLst>
+              </a:tr>
+              <a:tr h="197777">
+                <a:tc>
+                  <a:txBody>
+                    <a:bodyPr/>
+                    <a:lstStyle/>
+                    <a:p>
+                      <a:pPr algn="ctr">
+                        <a:spcAft>
+                          <a:spcPts val="0"/>
+                        </a:spcAft>
+                      </a:pPr>
+                      <a:r>
+                        <a:rPr lang="en-US" altLang="zh-TW" sz="2400" kern="100" dirty="0" smtClean="0">
+                          <a:effectLst/>
+                          <a:latin typeface="Calibri" panose="020F0502020204030204" pitchFamily="34" charset="0"/>
+                          <a:ea typeface="新細明體" panose="02020500000000000000" pitchFamily="18" charset="-120"/>
+                          <a:cs typeface="Times New Roman" panose="02020603050405020304" pitchFamily="18" charset="0"/>
+                        </a:rPr>
+                        <a:t>B</a:t>
+                      </a:r>
+                      <a:endParaRPr lang="zh-TW" sz="2400" kern="100" dirty="0">
+                        <a:effectLst/>
+                        <a:latin typeface="Calibri" panose="020F0502020204030204" pitchFamily="34" charset="0"/>
+                        <a:ea typeface="新細明體" panose="02020500000000000000" pitchFamily="18" charset="-120"/>
+                        <a:cs typeface="Times New Roman" panose="02020603050405020304" pitchFamily="18" charset="0"/>
+                      </a:endParaRPr>
+                    </a:p>
+                  </a:txBody>
+                  <a:tcPr marL="68580" marR="68580" marT="0" marB="0">
+                    <a:lnL w="12700" cap="flat" cmpd="sng" algn="ctr">
+                      <a:solidFill>
+                        <a:srgbClr val="000000"/>
+                      </a:solidFill>
+                      <a:prstDash val="solid"/>
+                      <a:round/>
+                      <a:headEnd type="none" w="med" len="med"/>
+                      <a:tailEnd type="none" w="med" len="med"/>
+                    </a:lnL>
+                    <a:lnR w="12700" cap="flat" cmpd="sng" algn="ctr">
+                      <a:solidFill>
+                        <a:srgbClr val="000000"/>
+                      </a:solidFill>
+                      <a:prstDash val="solid"/>
+                      <a:round/>
+                      <a:headEnd type="none" w="med" len="med"/>
+                      <a:tailEnd type="none" w="med" len="med"/>
+                    </a:lnR>
+                    <a:lnT w="12700" cap="flat" cmpd="sng" algn="ctr">
+                      <a:solidFill>
+                        <a:srgbClr val="000000"/>
+                      </a:solidFill>
+                      <a:prstDash val="solid"/>
+                      <a:round/>
+                      <a:headEnd type="none" w="med" len="med"/>
+                      <a:tailEnd type="none" w="med" len="med"/>
+                    </a:lnT>
+                    <a:lnB w="12700" cap="flat" cmpd="sng" algn="ctr">
+                      <a:solidFill>
+                        <a:srgbClr val="000000"/>
+                      </a:solidFill>
+                      <a:prstDash val="solid"/>
+                      <a:round/>
+                      <a:headEnd type="none" w="med" len="med"/>
+                      <a:tailEnd type="none" w="med" len="med"/>
+                    </a:lnB>
+                    <a:solidFill>
+                      <a:schemeClr val="bg1">
+                        <a:lumMod val="85000"/>
+                      </a:schemeClr>
+                    </a:solidFill>
+                  </a:tcPr>
+                </a:tc>
+                <a:tc>
+                  <a:txBody>
+                    <a:bodyPr/>
+                    <a:lstStyle/>
+                    <a:p>
+                      <a:pPr>
+                        <a:spcAft>
+                          <a:spcPts val="0"/>
+                        </a:spcAft>
+                      </a:pPr>
+                      <a:r>
+                        <a:rPr lang="en-US" sz="2400" kern="100" dirty="0" smtClean="0">
+                          <a:effectLst/>
+                          <a:latin typeface="Calibri" panose="020F0502020204030204" pitchFamily="34" charset="0"/>
+                          <a:ea typeface="新細明體" panose="02020500000000000000" pitchFamily="18" charset="-120"/>
+                          <a:cs typeface="Times New Roman" panose="02020603050405020304" pitchFamily="18" charset="0"/>
+                        </a:rPr>
+                        <a:t>KUB</a:t>
+                      </a:r>
+                      <a:endParaRPr lang="zh-TW" sz="2400" kern="100" dirty="0">
+                        <a:effectLst/>
+                        <a:latin typeface="Calibri" panose="020F0502020204030204" pitchFamily="34" charset="0"/>
+                        <a:ea typeface="新細明體" panose="02020500000000000000" pitchFamily="18" charset="-120"/>
+                        <a:cs typeface="Times New Roman" panose="02020603050405020304" pitchFamily="18" charset="0"/>
+                      </a:endParaRPr>
+                    </a:p>
+                  </a:txBody>
+                  <a:tcPr marL="68580" marR="68580" marT="0" marB="0">
+                    <a:lnL w="12700" cap="flat" cmpd="sng" algn="ctr">
+                      <a:solidFill>
+                        <a:srgbClr val="000000"/>
+                      </a:solidFill>
+                      <a:prstDash val="solid"/>
+                      <a:round/>
+                      <a:headEnd type="none" w="med" len="med"/>
+                      <a:tailEnd type="none" w="med" len="med"/>
+                    </a:lnL>
+                    <a:lnR w="12700" cap="flat" cmpd="sng" algn="ctr">
+                      <a:solidFill>
+                        <a:srgbClr val="000000"/>
+                      </a:solidFill>
+                      <a:prstDash val="solid"/>
+                      <a:round/>
+                      <a:headEnd type="none" w="med" len="med"/>
+                      <a:tailEnd type="none" w="med" len="med"/>
+                    </a:lnR>
+                    <a:lnT w="12700" cap="flat" cmpd="sng" algn="ctr">
+                      <a:solidFill>
+                        <a:srgbClr val="000000"/>
+                      </a:solidFill>
+                      <a:prstDash val="solid"/>
+                      <a:round/>
+                      <a:headEnd type="none" w="med" len="med"/>
+                      <a:tailEnd type="none" w="med" len="med"/>
+                    </a:lnT>
+                    <a:lnB w="12700" cap="flat" cmpd="sng" algn="ctr">
+                      <a:solidFill>
+                        <a:srgbClr val="000000"/>
+                      </a:solidFill>
+                      <a:prstDash val="solid"/>
+                      <a:round/>
+                      <a:headEnd type="none" w="med" len="med"/>
+                      <a:tailEnd type="none" w="med" len="med"/>
+                    </a:lnB>
+                    <a:solidFill>
+                      <a:schemeClr val="bg1"/>
+                    </a:solidFill>
+                  </a:tcPr>
+                </a:tc>
+                <a:extLst>
+                  <a:ext uri="{0D108BD9-81ED-4DB2-BD59-A6C34878D82A}">
+                    <a16:rowId xmlns:a16="http://schemas.microsoft.com/office/drawing/2014/main" val="2152279126"/>
+                  </a:ext>
+                </a:extLst>
+              </a:tr>
+              <a:tr h="197777">
+                <a:tc>
+                  <a:txBody>
+                    <a:bodyPr/>
+                    <a:lstStyle/>
+                    <a:p>
+                      <a:pPr algn="ctr">
+                        <a:spcAft>
+                          <a:spcPts val="0"/>
+                        </a:spcAft>
+                      </a:pPr>
+                      <a:r>
+                        <a:rPr lang="en-US" altLang="zh-TW" sz="2400" kern="100" dirty="0" smtClean="0">
+                          <a:effectLst/>
+                          <a:latin typeface="Calibri" panose="020F0502020204030204" pitchFamily="34" charset="0"/>
+                          <a:ea typeface="新細明體" panose="02020500000000000000" pitchFamily="18" charset="-120"/>
+                          <a:cs typeface="Times New Roman" panose="02020603050405020304" pitchFamily="18" charset="0"/>
+                        </a:rPr>
+                        <a:t>C</a:t>
+                      </a:r>
+                      <a:endParaRPr lang="zh-TW" sz="2400" kern="100" dirty="0">
+                        <a:effectLst/>
+                        <a:latin typeface="Calibri" panose="020F0502020204030204" pitchFamily="34" charset="0"/>
+                        <a:ea typeface="新細明體" panose="02020500000000000000" pitchFamily="18" charset="-120"/>
+                        <a:cs typeface="Times New Roman" panose="02020603050405020304" pitchFamily="18" charset="0"/>
+                      </a:endParaRPr>
+                    </a:p>
+                  </a:txBody>
+                  <a:tcPr marL="68580" marR="68580" marT="0" marB="0">
+                    <a:lnL w="12700" cap="flat" cmpd="sng" algn="ctr">
+                      <a:solidFill>
+                        <a:srgbClr val="000000"/>
+                      </a:solidFill>
+                      <a:prstDash val="solid"/>
+                      <a:round/>
+                      <a:headEnd type="none" w="med" len="med"/>
+                      <a:tailEnd type="none" w="med" len="med"/>
+                    </a:lnL>
+                    <a:lnR w="12700" cap="flat" cmpd="sng" algn="ctr">
+                      <a:solidFill>
+                        <a:srgbClr val="000000"/>
+                      </a:solidFill>
+                      <a:prstDash val="solid"/>
+                      <a:round/>
+                      <a:headEnd type="none" w="med" len="med"/>
+                      <a:tailEnd type="none" w="med" len="med"/>
+                    </a:lnR>
+                    <a:lnT w="12700" cap="flat" cmpd="sng" algn="ctr">
+                      <a:solidFill>
+                        <a:srgbClr val="000000"/>
+                      </a:solidFill>
+                      <a:prstDash val="solid"/>
+                      <a:round/>
+                      <a:headEnd type="none" w="med" len="med"/>
+                      <a:tailEnd type="none" w="med" len="med"/>
+                    </a:lnT>
+                    <a:lnB w="12700" cap="flat" cmpd="sng" algn="ctr">
+                      <a:solidFill>
+                        <a:srgbClr val="000000"/>
+                      </a:solidFill>
+                      <a:prstDash val="solid"/>
+                      <a:round/>
+                      <a:headEnd type="none" w="med" len="med"/>
+                      <a:tailEnd type="none" w="med" len="med"/>
+                    </a:lnB>
+                    <a:solidFill>
+                      <a:schemeClr val="bg1">
+                        <a:lumMod val="85000"/>
+                      </a:schemeClr>
+                    </a:solidFill>
+                  </a:tcPr>
+                </a:tc>
+                <a:tc>
+                  <a:txBody>
+                    <a:bodyPr/>
+                    <a:lstStyle/>
+                    <a:p>
+                      <a:pPr>
+                        <a:spcAft>
+                          <a:spcPts val="0"/>
+                        </a:spcAft>
+                      </a:pPr>
+                      <a:r>
+                        <a:rPr lang="en-US" altLang="zh-TW" sz="2400" kern="100" dirty="0" err="1" smtClean="0">
+                          <a:effectLst/>
+                          <a:latin typeface="Calibri" panose="020F0502020204030204" pitchFamily="34" charset="0"/>
+                          <a:ea typeface="新細明體" panose="02020500000000000000" pitchFamily="18" charset="-120"/>
+                          <a:cs typeface="Times New Roman" panose="02020603050405020304" pitchFamily="18" charset="0"/>
+                        </a:rPr>
+                        <a:t>sono</a:t>
+                      </a:r>
+                      <a:endParaRPr lang="zh-TW" sz="2400" kern="100" dirty="0">
+                        <a:effectLst/>
+                        <a:latin typeface="Calibri" panose="020F0502020204030204" pitchFamily="34" charset="0"/>
+                        <a:ea typeface="新細明體" panose="02020500000000000000" pitchFamily="18" charset="-120"/>
+                        <a:cs typeface="Times New Roman" panose="02020603050405020304" pitchFamily="18" charset="0"/>
+                      </a:endParaRPr>
+                    </a:p>
+                  </a:txBody>
+                  <a:tcPr marL="68580" marR="68580" marT="0" marB="0">
+                    <a:lnL w="12700" cap="flat" cmpd="sng" algn="ctr">
+                      <a:solidFill>
+                        <a:srgbClr val="000000"/>
+                      </a:solidFill>
+                      <a:prstDash val="solid"/>
+                      <a:round/>
+                      <a:headEnd type="none" w="med" len="med"/>
+                      <a:tailEnd type="none" w="med" len="med"/>
+                    </a:lnL>
+                    <a:lnR w="12700" cap="flat" cmpd="sng" algn="ctr">
+                      <a:solidFill>
+                        <a:srgbClr val="000000"/>
+                      </a:solidFill>
+                      <a:prstDash val="solid"/>
+                      <a:round/>
+                      <a:headEnd type="none" w="med" len="med"/>
+                      <a:tailEnd type="none" w="med" len="med"/>
+                    </a:lnR>
+                    <a:lnT w="12700" cap="flat" cmpd="sng" algn="ctr">
+                      <a:solidFill>
+                        <a:srgbClr val="000000"/>
+                      </a:solidFill>
+                      <a:prstDash val="solid"/>
+                      <a:round/>
+                      <a:headEnd type="none" w="med" len="med"/>
+                      <a:tailEnd type="none" w="med" len="med"/>
+                    </a:lnT>
+                    <a:lnB w="12700" cap="flat" cmpd="sng" algn="ctr">
+                      <a:solidFill>
+                        <a:srgbClr val="000000"/>
+                      </a:solidFill>
+                      <a:prstDash val="solid"/>
+                      <a:round/>
+                      <a:headEnd type="none" w="med" len="med"/>
+                      <a:tailEnd type="none" w="med" len="med"/>
+                    </a:lnB>
+                    <a:solidFill>
+                      <a:schemeClr val="bg1"/>
+                    </a:solidFill>
+                  </a:tcPr>
+                </a:tc>
+                <a:extLst>
+                  <a:ext uri="{0D108BD9-81ED-4DB2-BD59-A6C34878D82A}">
+                    <a16:rowId xmlns:a16="http://schemas.microsoft.com/office/drawing/2014/main" val="2608185473"/>
+                  </a:ext>
+                </a:extLst>
+              </a:tr>
+              <a:tr h="197777">
+                <a:tc>
+                  <a:txBody>
+                    <a:bodyPr/>
+                    <a:lstStyle/>
+                    <a:p>
+                      <a:pPr algn="ctr">
+                        <a:spcAft>
+                          <a:spcPts val="0"/>
+                        </a:spcAft>
+                      </a:pPr>
+                      <a:r>
+                        <a:rPr lang="en-US" altLang="zh-TW" sz="2400" kern="100" dirty="0" smtClean="0">
+                          <a:effectLst/>
+                          <a:latin typeface="Calibri" panose="020F0502020204030204" pitchFamily="34" charset="0"/>
+                          <a:ea typeface="新細明體" panose="02020500000000000000" pitchFamily="18" charset="-120"/>
+                          <a:cs typeface="Times New Roman" panose="02020603050405020304" pitchFamily="18" charset="0"/>
+                        </a:rPr>
+                        <a:t>D</a:t>
+                      </a:r>
+                      <a:endParaRPr lang="zh-TW" sz="2400" kern="100" dirty="0">
+                        <a:effectLst/>
+                        <a:latin typeface="Calibri" panose="020F0502020204030204" pitchFamily="34" charset="0"/>
+                        <a:ea typeface="新細明體" panose="02020500000000000000" pitchFamily="18" charset="-120"/>
+                        <a:cs typeface="Times New Roman" panose="02020603050405020304" pitchFamily="18" charset="0"/>
+                      </a:endParaRPr>
+                    </a:p>
+                  </a:txBody>
+                  <a:tcPr marL="68580" marR="68580" marT="0" marB="0">
+                    <a:lnL w="12700" cap="flat" cmpd="sng" algn="ctr">
+                      <a:solidFill>
+                        <a:srgbClr val="000000"/>
+                      </a:solidFill>
+                      <a:prstDash val="solid"/>
+                      <a:round/>
+                      <a:headEnd type="none" w="med" len="med"/>
+                      <a:tailEnd type="none" w="med" len="med"/>
+                    </a:lnL>
+                    <a:lnR w="12700" cap="flat" cmpd="sng" algn="ctr">
+                      <a:solidFill>
+                        <a:srgbClr val="000000"/>
+                      </a:solidFill>
+                      <a:prstDash val="solid"/>
+                      <a:round/>
+                      <a:headEnd type="none" w="med" len="med"/>
+                      <a:tailEnd type="none" w="med" len="med"/>
+                    </a:lnR>
+                    <a:lnT w="12700" cap="flat" cmpd="sng" algn="ctr">
+                      <a:solidFill>
+                        <a:srgbClr val="000000"/>
+                      </a:solidFill>
+                      <a:prstDash val="solid"/>
+                      <a:round/>
+                      <a:headEnd type="none" w="med" len="med"/>
+                      <a:tailEnd type="none" w="med" len="med"/>
+                    </a:lnT>
+                    <a:lnB w="12700" cap="flat" cmpd="sng" algn="ctr">
+                      <a:solidFill>
+                        <a:srgbClr val="000000"/>
+                      </a:solidFill>
+                      <a:prstDash val="solid"/>
+                      <a:round/>
+                      <a:headEnd type="none" w="med" len="med"/>
+                      <a:tailEnd type="none" w="med" len="med"/>
+                    </a:lnB>
+                    <a:solidFill>
+                      <a:schemeClr val="bg1">
+                        <a:lumMod val="85000"/>
+                      </a:schemeClr>
+                    </a:solidFill>
+                  </a:tcPr>
+                </a:tc>
+                <a:tc>
+                  <a:txBody>
+                    <a:bodyPr/>
+                    <a:lstStyle/>
+                    <a:p>
+                      <a:pPr>
+                        <a:spcAft>
+                          <a:spcPts val="0"/>
+                        </a:spcAft>
+                      </a:pPr>
+                      <a:r>
+                        <a:rPr lang="en-US" altLang="zh-TW" sz="2400" kern="100" dirty="0" smtClean="0">
+                          <a:effectLst/>
+                          <a:latin typeface="Calibri" panose="020F0502020204030204" pitchFamily="34" charset="0"/>
+                          <a:ea typeface="新細明體" panose="02020500000000000000" pitchFamily="18" charset="-120"/>
+                          <a:cs typeface="Times New Roman" panose="02020603050405020304" pitchFamily="18" charset="0"/>
+                        </a:rPr>
+                        <a:t>ECG</a:t>
+                      </a:r>
+                      <a:endParaRPr lang="zh-TW" sz="2400" kern="100" dirty="0">
+                        <a:effectLst/>
+                        <a:latin typeface="Calibri" panose="020F0502020204030204" pitchFamily="34" charset="0"/>
+                        <a:ea typeface="新細明體" panose="02020500000000000000" pitchFamily="18" charset="-120"/>
+                        <a:cs typeface="Times New Roman" panose="02020603050405020304" pitchFamily="18" charset="0"/>
+                      </a:endParaRPr>
+                    </a:p>
+                  </a:txBody>
+                  <a:tcPr marL="68580" marR="68580" marT="0" marB="0">
+                    <a:lnL w="12700" cap="flat" cmpd="sng" algn="ctr">
+                      <a:solidFill>
+                        <a:srgbClr val="000000"/>
+                      </a:solidFill>
+                      <a:prstDash val="solid"/>
+                      <a:round/>
+                      <a:headEnd type="none" w="med" len="med"/>
+                      <a:tailEnd type="none" w="med" len="med"/>
+                    </a:lnL>
+                    <a:lnR w="12700" cap="flat" cmpd="sng" algn="ctr">
+                      <a:solidFill>
+                        <a:srgbClr val="000000"/>
+                      </a:solidFill>
+                      <a:prstDash val="solid"/>
+                      <a:round/>
+                      <a:headEnd type="none" w="med" len="med"/>
+                      <a:tailEnd type="none" w="med" len="med"/>
+                    </a:lnR>
+                    <a:lnT w="12700" cap="flat" cmpd="sng" algn="ctr">
+                      <a:solidFill>
+                        <a:srgbClr val="000000"/>
+                      </a:solidFill>
+                      <a:prstDash val="solid"/>
+                      <a:round/>
+                      <a:headEnd type="none" w="med" len="med"/>
+                      <a:tailEnd type="none" w="med" len="med"/>
+                    </a:lnT>
+                    <a:lnB w="12700" cap="flat" cmpd="sng" algn="ctr">
+                      <a:solidFill>
+                        <a:srgbClr val="000000"/>
+                      </a:solidFill>
+                      <a:prstDash val="solid"/>
+                      <a:round/>
+                      <a:headEnd type="none" w="med" len="med"/>
+                      <a:tailEnd type="none" w="med" len="med"/>
+                    </a:lnB>
+                    <a:solidFill>
+                      <a:schemeClr val="bg1"/>
+                    </a:solidFill>
+                  </a:tcPr>
+                </a:tc>
+                <a:extLst>
+                  <a:ext uri="{0D108BD9-81ED-4DB2-BD59-A6C34878D82A}">
+                    <a16:rowId xmlns:a16="http://schemas.microsoft.com/office/drawing/2014/main" val="2669485481"/>
+                  </a:ext>
+                </a:extLst>
+              </a:tr>
+              <a:tr h="197777">
+                <a:tc>
+                  <a:txBody>
+                    <a:bodyPr/>
+                    <a:lstStyle/>
+                    <a:p>
+                      <a:pPr algn="ctr">
+                        <a:spcAft>
+                          <a:spcPts val="0"/>
+                        </a:spcAft>
+                      </a:pPr>
+                      <a:r>
+                        <a:rPr lang="en-US" altLang="zh-TW" sz="2400" kern="100" dirty="0" smtClean="0">
+                          <a:effectLst/>
+                          <a:latin typeface="Calibri" panose="020F0502020204030204" pitchFamily="34" charset="0"/>
+                          <a:ea typeface="新細明體" panose="02020500000000000000" pitchFamily="18" charset="-120"/>
+                          <a:cs typeface="Times New Roman" panose="02020603050405020304" pitchFamily="18" charset="0"/>
+                        </a:rPr>
+                        <a:t>E</a:t>
+                      </a:r>
+                      <a:endParaRPr lang="zh-TW" sz="2400" kern="100" dirty="0">
+                        <a:effectLst/>
+                        <a:latin typeface="Calibri" panose="020F0502020204030204" pitchFamily="34" charset="0"/>
+                        <a:ea typeface="新細明體" panose="02020500000000000000" pitchFamily="18" charset="-120"/>
+                        <a:cs typeface="Times New Roman" panose="02020603050405020304" pitchFamily="18" charset="0"/>
+                      </a:endParaRPr>
+                    </a:p>
+                  </a:txBody>
+                  <a:tcPr marL="68580" marR="68580" marT="0" marB="0">
+                    <a:lnL w="12700" cap="flat" cmpd="sng" algn="ctr">
+                      <a:solidFill>
+                        <a:srgbClr val="000000"/>
+                      </a:solidFill>
+                      <a:prstDash val="solid"/>
+                      <a:round/>
+                      <a:headEnd type="none" w="med" len="med"/>
+                      <a:tailEnd type="none" w="med" len="med"/>
+                    </a:lnL>
+                    <a:lnR w="12700" cap="flat" cmpd="sng" algn="ctr">
+                      <a:solidFill>
+                        <a:srgbClr val="000000"/>
+                      </a:solidFill>
+                      <a:prstDash val="solid"/>
+                      <a:round/>
+                      <a:headEnd type="none" w="med" len="med"/>
+                      <a:tailEnd type="none" w="med" len="med"/>
+                    </a:lnR>
+                    <a:lnT w="12700" cap="flat" cmpd="sng" algn="ctr">
+                      <a:solidFill>
+                        <a:srgbClr val="000000"/>
+                      </a:solidFill>
+                      <a:prstDash val="solid"/>
+                      <a:round/>
+                      <a:headEnd type="none" w="med" len="med"/>
+                      <a:tailEnd type="none" w="med" len="med"/>
+                    </a:lnT>
+                    <a:lnB w="12700" cap="flat" cmpd="sng" algn="ctr">
+                      <a:solidFill>
+                        <a:srgbClr val="000000"/>
+                      </a:solidFill>
+                      <a:prstDash val="solid"/>
+                      <a:round/>
+                      <a:headEnd type="none" w="med" len="med"/>
+                      <a:tailEnd type="none" w="med" len="med"/>
+                    </a:lnB>
+                    <a:solidFill>
+                      <a:schemeClr val="bg1">
+                        <a:lumMod val="85000"/>
+                      </a:schemeClr>
+                    </a:solidFill>
+                  </a:tcPr>
+                </a:tc>
+                <a:tc>
+                  <a:txBody>
+                    <a:bodyPr/>
+                    <a:lstStyle/>
+                    <a:p>
+                      <a:pPr>
+                        <a:spcAft>
+                          <a:spcPts val="0"/>
+                        </a:spcAft>
+                      </a:pPr>
+                      <a:r>
+                        <a:rPr lang="en-US" sz="2400" kern="100" dirty="0" smtClean="0">
+                          <a:effectLst/>
+                          <a:latin typeface="Calibri" panose="020F0502020204030204" pitchFamily="34" charset="0"/>
+                          <a:ea typeface="新細明體" panose="02020500000000000000" pitchFamily="18" charset="-120"/>
+                          <a:cs typeface="Times New Roman" panose="02020603050405020304" pitchFamily="18" charset="0"/>
+                        </a:rPr>
+                        <a:t>CT</a:t>
+                      </a:r>
+                      <a:endParaRPr lang="zh-TW" sz="2400" kern="100" dirty="0">
+                        <a:effectLst/>
+                        <a:latin typeface="Calibri" panose="020F0502020204030204" pitchFamily="34" charset="0"/>
+                        <a:ea typeface="新細明體" panose="02020500000000000000" pitchFamily="18" charset="-120"/>
+                        <a:cs typeface="Times New Roman" panose="02020603050405020304" pitchFamily="18" charset="0"/>
+                      </a:endParaRPr>
+                    </a:p>
+                  </a:txBody>
+                  <a:tcPr marL="68580" marR="68580" marT="0" marB="0">
+                    <a:lnL w="12700" cap="flat" cmpd="sng" algn="ctr">
+                      <a:solidFill>
+                        <a:srgbClr val="000000"/>
+                      </a:solidFill>
+                      <a:prstDash val="solid"/>
+                      <a:round/>
+                      <a:headEnd type="none" w="med" len="med"/>
+                      <a:tailEnd type="none" w="med" len="med"/>
+                    </a:lnL>
+                    <a:lnR w="12700" cap="flat" cmpd="sng" algn="ctr">
+                      <a:solidFill>
+                        <a:srgbClr val="000000"/>
+                      </a:solidFill>
+                      <a:prstDash val="solid"/>
+                      <a:round/>
+                      <a:headEnd type="none" w="med" len="med"/>
+                      <a:tailEnd type="none" w="med" len="med"/>
+                    </a:lnR>
+                    <a:lnT w="12700" cap="flat" cmpd="sng" algn="ctr">
+                      <a:solidFill>
+                        <a:srgbClr val="000000"/>
+                      </a:solidFill>
+                      <a:prstDash val="solid"/>
+                      <a:round/>
+                      <a:headEnd type="none" w="med" len="med"/>
+                      <a:tailEnd type="none" w="med" len="med"/>
+                    </a:lnT>
+                    <a:lnB w="12700" cap="flat" cmpd="sng" algn="ctr">
+                      <a:solidFill>
+                        <a:srgbClr val="000000"/>
+                      </a:solidFill>
+                      <a:prstDash val="solid"/>
+                      <a:round/>
+                      <a:headEnd type="none" w="med" len="med"/>
+                      <a:tailEnd type="none" w="med" len="med"/>
+                    </a:lnB>
+                    <a:solidFill>
+                      <a:schemeClr val="bg1"/>
+                    </a:solidFill>
+                  </a:tcPr>
+                </a:tc>
+                <a:extLst>
+                  <a:ext uri="{0D108BD9-81ED-4DB2-BD59-A6C34878D82A}">
+                    <a16:rowId xmlns:a16="http://schemas.microsoft.com/office/drawing/2014/main" val="1245346435"/>
+                  </a:ext>
+                </a:extLst>
+              </a:tr>
+              <a:tr h="197777">
+                <a:tc>
+                  <a:txBody>
+                    <a:bodyPr/>
+                    <a:lstStyle/>
+                    <a:p>
+                      <a:pPr algn="ctr">
+                        <a:spcAft>
+                          <a:spcPts val="0"/>
+                        </a:spcAft>
+                      </a:pPr>
+                      <a:r>
+                        <a:rPr lang="en-US" altLang="zh-TW" sz="2400" kern="100" smtClean="0">
+                          <a:effectLst/>
+                          <a:latin typeface="Calibri" panose="020F0502020204030204" pitchFamily="34" charset="0"/>
+                          <a:ea typeface="新細明體" panose="02020500000000000000" pitchFamily="18" charset="-120"/>
+                          <a:cs typeface="Times New Roman" panose="02020603050405020304" pitchFamily="18" charset="0"/>
+                        </a:rPr>
+                        <a:t>F</a:t>
+                      </a:r>
+                      <a:endParaRPr lang="zh-TW" sz="2400" kern="100" dirty="0">
+                        <a:effectLst/>
+                        <a:latin typeface="Calibri" panose="020F0502020204030204" pitchFamily="34" charset="0"/>
+                        <a:ea typeface="新細明體" panose="02020500000000000000" pitchFamily="18" charset="-120"/>
+                        <a:cs typeface="Times New Roman" panose="02020603050405020304" pitchFamily="18" charset="0"/>
+                      </a:endParaRPr>
+                    </a:p>
+                  </a:txBody>
+                  <a:tcPr marL="68580" marR="68580" marT="0" marB="0">
+                    <a:lnL w="12700" cap="flat" cmpd="sng" algn="ctr">
+                      <a:solidFill>
+                        <a:srgbClr val="000000"/>
+                      </a:solidFill>
+                      <a:prstDash val="solid"/>
+                      <a:round/>
+                      <a:headEnd type="none" w="med" len="med"/>
+                      <a:tailEnd type="none" w="med" len="med"/>
+                    </a:lnL>
+                    <a:lnR w="12700" cap="flat" cmpd="sng" algn="ctr">
+                      <a:solidFill>
+                        <a:srgbClr val="000000"/>
+                      </a:solidFill>
+                      <a:prstDash val="solid"/>
+                      <a:round/>
+                      <a:headEnd type="none" w="med" len="med"/>
+                      <a:tailEnd type="none" w="med" len="med"/>
+                    </a:lnR>
+                    <a:lnT w="12700" cap="flat" cmpd="sng" algn="ctr">
+                      <a:solidFill>
+                        <a:srgbClr val="000000"/>
+                      </a:solidFill>
+                      <a:prstDash val="solid"/>
+                      <a:round/>
+                      <a:headEnd type="none" w="med" len="med"/>
+                      <a:tailEnd type="none" w="med" len="med"/>
+                    </a:lnT>
+                    <a:lnB w="12700" cap="flat" cmpd="sng" algn="ctr">
+                      <a:solidFill>
+                        <a:srgbClr val="000000"/>
+                      </a:solidFill>
+                      <a:prstDash val="solid"/>
+                      <a:round/>
+                      <a:headEnd type="none" w="med" len="med"/>
+                      <a:tailEnd type="none" w="med" len="med"/>
+                    </a:lnB>
+                    <a:solidFill>
+                      <a:schemeClr val="bg1">
+                        <a:lumMod val="85000"/>
+                      </a:schemeClr>
+                    </a:solidFill>
+                  </a:tcPr>
+                </a:tc>
+                <a:tc>
+                  <a:txBody>
+                    <a:bodyPr/>
+                    <a:lstStyle/>
+                    <a:p>
+                      <a:pPr>
+                        <a:spcAft>
+                          <a:spcPts val="0"/>
+                        </a:spcAft>
+                      </a:pPr>
+                      <a:r>
+                        <a:rPr lang="en-US" altLang="zh-TW" sz="2400" kern="100" dirty="0" smtClean="0">
+                          <a:effectLst/>
+                          <a:latin typeface="Calibri" panose="020F0502020204030204" pitchFamily="34" charset="0"/>
+                          <a:ea typeface="新細明體" panose="02020500000000000000" pitchFamily="18" charset="-120"/>
+                          <a:cs typeface="Times New Roman" panose="02020603050405020304" pitchFamily="18" charset="0"/>
+                        </a:rPr>
+                        <a:t>MRI</a:t>
+                      </a:r>
+                      <a:endParaRPr lang="zh-TW" sz="2400" kern="100" dirty="0">
+                        <a:effectLst/>
+                        <a:latin typeface="Calibri" panose="020F0502020204030204" pitchFamily="34" charset="0"/>
+                        <a:ea typeface="新細明體" panose="02020500000000000000" pitchFamily="18" charset="-120"/>
+                        <a:cs typeface="Times New Roman" panose="02020603050405020304" pitchFamily="18" charset="0"/>
+                      </a:endParaRPr>
+                    </a:p>
+                  </a:txBody>
+                  <a:tcPr marL="68580" marR="68580" marT="0" marB="0">
+                    <a:lnL w="12700" cap="flat" cmpd="sng" algn="ctr">
+                      <a:solidFill>
+                        <a:srgbClr val="000000"/>
+                      </a:solidFill>
+                      <a:prstDash val="solid"/>
+                      <a:round/>
+                      <a:headEnd type="none" w="med" len="med"/>
+                      <a:tailEnd type="none" w="med" len="med"/>
+                    </a:lnL>
+                    <a:lnR w="12700" cap="flat" cmpd="sng" algn="ctr">
+                      <a:solidFill>
+                        <a:srgbClr val="000000"/>
+                      </a:solidFill>
+                      <a:prstDash val="solid"/>
+                      <a:round/>
+                      <a:headEnd type="none" w="med" len="med"/>
+                      <a:tailEnd type="none" w="med" len="med"/>
+                    </a:lnR>
+                    <a:lnT w="12700" cap="flat" cmpd="sng" algn="ctr">
+                      <a:solidFill>
+                        <a:srgbClr val="000000"/>
+                      </a:solidFill>
+                      <a:prstDash val="solid"/>
+                      <a:round/>
+                      <a:headEnd type="none" w="med" len="med"/>
+                      <a:tailEnd type="none" w="med" len="med"/>
+                    </a:lnT>
+                    <a:lnB w="12700" cap="flat" cmpd="sng" algn="ctr">
+                      <a:solidFill>
+                        <a:srgbClr val="000000"/>
+                      </a:solidFill>
+                      <a:prstDash val="solid"/>
+                      <a:round/>
+                      <a:headEnd type="none" w="med" len="med"/>
+                      <a:tailEnd type="none" w="med" len="med"/>
+                    </a:lnB>
+                    <a:solidFill>
+                      <a:schemeClr val="bg1"/>
+                    </a:solidFill>
+                  </a:tcPr>
+                </a:tc>
+                <a:extLst>
+                  <a:ext uri="{0D108BD9-81ED-4DB2-BD59-A6C34878D82A}">
+                    <a16:rowId xmlns:a16="http://schemas.microsoft.com/office/drawing/2014/main" val="2790474490"/>
+                  </a:ext>
+                </a:extLst>
+              </a:tr>
+              <a:tr h="197777">
+                <a:tc>
+                  <a:txBody>
+                    <a:bodyPr/>
+                    <a:lstStyle/>
+                    <a:p>
+                      <a:pPr algn="ctr">
+                        <a:spcAft>
+                          <a:spcPts val="0"/>
+                        </a:spcAft>
+                      </a:pPr>
+                      <a:r>
+                        <a:rPr lang="en-US" altLang="zh-TW" sz="2400" kern="100" dirty="0" smtClean="0">
+                          <a:effectLst/>
+                          <a:latin typeface="Calibri" panose="020F0502020204030204" pitchFamily="34" charset="0"/>
+                          <a:ea typeface="新細明體" panose="02020500000000000000" pitchFamily="18" charset="-120"/>
+                          <a:cs typeface="Times New Roman" panose="02020603050405020304" pitchFamily="18" charset="0"/>
+                        </a:rPr>
+                        <a:t>?</a:t>
+                      </a:r>
+                      <a:endParaRPr lang="zh-TW" sz="2400" kern="100" dirty="0">
+                        <a:effectLst/>
+                        <a:latin typeface="Calibri" panose="020F0502020204030204" pitchFamily="34" charset="0"/>
+                        <a:ea typeface="新細明體" panose="02020500000000000000" pitchFamily="18" charset="-120"/>
+                        <a:cs typeface="Times New Roman" panose="02020603050405020304" pitchFamily="18" charset="0"/>
+                      </a:endParaRPr>
+                    </a:p>
+                  </a:txBody>
+                  <a:tcPr marL="68580" marR="68580" marT="0" marB="0">
+                    <a:lnL w="12700" cap="flat" cmpd="sng" algn="ctr">
+                      <a:solidFill>
+                        <a:srgbClr val="000000"/>
+                      </a:solidFill>
+                      <a:prstDash val="solid"/>
+                      <a:round/>
+                      <a:headEnd type="none" w="med" len="med"/>
+                      <a:tailEnd type="none" w="med" len="med"/>
+                    </a:lnL>
+                    <a:lnR w="12700" cap="flat" cmpd="sng" algn="ctr">
+                      <a:solidFill>
+                        <a:srgbClr val="000000"/>
+                      </a:solidFill>
+                      <a:prstDash val="solid"/>
+                      <a:round/>
+                      <a:headEnd type="none" w="med" len="med"/>
+                      <a:tailEnd type="none" w="med" len="med"/>
+                    </a:lnR>
+                    <a:lnT w="12700" cap="flat" cmpd="sng" algn="ctr">
+                      <a:solidFill>
+                        <a:srgbClr val="000000"/>
+                      </a:solidFill>
+                      <a:prstDash val="solid"/>
+                      <a:round/>
+                      <a:headEnd type="none" w="med" len="med"/>
+                      <a:tailEnd type="none" w="med" len="med"/>
+                    </a:lnT>
+                    <a:lnB w="12700" cap="flat" cmpd="sng" algn="ctr">
+                      <a:solidFill>
+                        <a:srgbClr val="000000"/>
+                      </a:solidFill>
+                      <a:prstDash val="solid"/>
+                      <a:round/>
+                      <a:headEnd type="none" w="med" len="med"/>
+                      <a:tailEnd type="none" w="med" len="med"/>
+                    </a:lnB>
+                    <a:solidFill>
+                      <a:schemeClr val="bg1">
+                        <a:lumMod val="85000"/>
+                      </a:schemeClr>
+                    </a:solidFill>
+                  </a:tcPr>
+                </a:tc>
+                <a:tc>
+                  <a:txBody>
+                    <a:bodyPr/>
+                    <a:lstStyle/>
+                    <a:p>
+                      <a:pPr>
+                        <a:spcAft>
+                          <a:spcPts val="0"/>
+                        </a:spcAft>
+                      </a:pPr>
+                      <a:r>
+                        <a:rPr lang="en-US" altLang="zh-TW" sz="2400" kern="100" dirty="0" smtClean="0">
+                          <a:solidFill>
+                            <a:schemeClr val="tx1"/>
+                          </a:solidFill>
+                          <a:effectLst/>
+                          <a:latin typeface="Calibri" panose="020F0502020204030204" pitchFamily="34" charset="0"/>
+                          <a:ea typeface="+mn-ea"/>
+                          <a:cs typeface="Times New Roman" panose="02020603050405020304" pitchFamily="18" charset="0"/>
+                        </a:rPr>
+                        <a:t>Other test</a:t>
+                      </a:r>
+                      <a:endParaRPr lang="zh-TW" altLang="zh-TW" sz="2400" kern="100" dirty="0">
+                        <a:solidFill>
+                          <a:schemeClr val="tx1"/>
+                        </a:solidFill>
+                        <a:effectLst/>
+                        <a:latin typeface="Calibri" panose="020F0502020204030204" pitchFamily="34" charset="0"/>
+                        <a:ea typeface="+mn-ea"/>
+                        <a:cs typeface="Times New Roman" panose="02020603050405020304" pitchFamily="18" charset="0"/>
+                      </a:endParaRPr>
+                    </a:p>
+                  </a:txBody>
+                  <a:tcPr marL="68580" marR="68580" marT="0" marB="0">
+                    <a:lnL w="12700" cap="flat" cmpd="sng" algn="ctr">
+                      <a:solidFill>
+                        <a:srgbClr val="000000"/>
+                      </a:solidFill>
+                      <a:prstDash val="solid"/>
+                      <a:round/>
+                      <a:headEnd type="none" w="med" len="med"/>
+                      <a:tailEnd type="none" w="med" len="med"/>
+                    </a:lnL>
+                    <a:lnR w="12700" cap="flat" cmpd="sng" algn="ctr">
+                      <a:solidFill>
+                        <a:srgbClr val="000000"/>
+                      </a:solidFill>
+                      <a:prstDash val="solid"/>
+                      <a:round/>
+                      <a:headEnd type="none" w="med" len="med"/>
+                      <a:tailEnd type="none" w="med" len="med"/>
+                    </a:lnR>
+                    <a:lnT w="12700" cap="flat" cmpd="sng" algn="ctr">
+                      <a:solidFill>
+                        <a:srgbClr val="000000"/>
+                      </a:solidFill>
+                      <a:prstDash val="solid"/>
+                      <a:round/>
+                      <a:headEnd type="none" w="med" len="med"/>
+                      <a:tailEnd type="none" w="med" len="med"/>
+                    </a:lnT>
+                    <a:lnB w="12700" cap="flat" cmpd="sng" algn="ctr">
+                      <a:solidFill>
+                        <a:srgbClr val="000000"/>
+                      </a:solidFill>
+                      <a:prstDash val="solid"/>
+                      <a:round/>
+                      <a:headEnd type="none" w="med" len="med"/>
+                      <a:tailEnd type="none" w="med" len="med"/>
+                    </a:lnB>
+                    <a:solidFill>
+                      <a:schemeClr val="bg1"/>
+                    </a:solidFill>
+                  </a:tcPr>
+                </a:tc>
+                <a:extLst>
+                  <a:ext uri="{0D108BD9-81ED-4DB2-BD59-A6C34878D82A}">
+                    <a16:rowId xmlns:a16="http://schemas.microsoft.com/office/drawing/2014/main" val="3269846984"/>
+                  </a:ext>
+                </a:extLst>
+              </a:tr>
+            </a:tbl>
+          </a:graphicData>
+        </a:graphic>
+      </p:graphicFrame>
+    </p:spTree>
+    <p:extLst>
+      <p:ext uri="{BB962C8B-B14F-4D97-AF65-F5344CB8AC3E}">
+        <p14:creationId xmlns:p14="http://schemas.microsoft.com/office/powerpoint/2010/main" val="2757036966"/>
+      </p:ext>
+    </p:extLst>
+  </p:cSld>
+  <p:clrMapOvr>
+    <a:masterClrMapping/>
+  </p:clrMapOvr>
+</p:sld>
+</file>
+
+<file path=ppt/slides/slide3.xml><?xml version="1.0" encoding="utf-8"?>
+<p:sld xmlns:a="http://schemas.openxmlformats.org/drawingml/2006/main" xmlns:r="http://schemas.openxmlformats.org/officeDocument/2006/relationships" xmlns:p="http://schemas.openxmlformats.org/presentationml/2006/main">
+  <p:cSld>
+    <p:spTree>
+      <p:nvGrpSpPr>
+        <p:cNvPr id="1" name=""/>
+        <p:cNvGrpSpPr/>
+        <p:nvPr/>
+      </p:nvGrpSpPr>
+      <p:grpSpPr>
+        <a:xfrm>
+          <a:off x="0" y="0"/>
+          <a:ext cx="0" cy="0"/>
+          <a:chOff x="0" y="0"/>
+          <a:chExt cx="0" cy="0"/>
+        </a:xfrm>
+      </p:grpSpPr>
+      <p:graphicFrame>
+        <p:nvGraphicFramePr>
+          <p:cNvPr id="5" name="表格 4"/>
+          <p:cNvGraphicFramePr>
+            <a:graphicFrameLocks noGrp="1"/>
+          </p:cNvGraphicFramePr>
+          <p:nvPr>
+            <p:extLst>
+              <p:ext uri="{D42A27DB-BD31-4B8C-83A1-F6EECF244321}">
                 <p14:modId xmlns:p14="http://schemas.microsoft.com/office/powerpoint/2010/main" val="459529540"/>
               </p:ext>
             </p:extLst>
@@ -3936,7 +10163,7 @@
 </p:sld>
 </file>
 
-<file path=ppt/slides/slide2.xml><?xml version="1.0" encoding="utf-8"?>
+<file path=ppt/slides/slide4.xml><?xml version="1.0" encoding="utf-8"?>
 <p:sld xmlns:a="http://schemas.openxmlformats.org/drawingml/2006/main" xmlns:r="http://schemas.openxmlformats.org/officeDocument/2006/relationships" xmlns:p="http://schemas.openxmlformats.org/presentationml/2006/main">
   <p:cSld>
     <p:spTree>

--- a/原始資料/簡報1.pptx
+++ b/原始資料/簡報1.pptx
@@ -9,6 +9,8 @@
     <p:sldId id="259" r:id="rId3"/>
     <p:sldId id="256" r:id="rId4"/>
     <p:sldId id="257" r:id="rId5"/>
+    <p:sldId id="260" r:id="rId6"/>
+    <p:sldId id="261" r:id="rId7"/>
   </p:sldIdLst>
   <p:sldSz cx="12192000" cy="6858000"/>
   <p:notesSz cx="6858000" cy="9144000"/>
@@ -257,7 +259,7 @@
           <a:p>
             <a:fld id="{154A73B6-E730-478A-B69F-24EBF19525C2}" type="datetimeFigureOut">
               <a:rPr lang="zh-TW" altLang="en-US" smtClean="0"/>
-              <a:t>2017/10/8</a:t>
+              <a:t>2017/10/21</a:t>
             </a:fld>
             <a:endParaRPr lang="zh-TW" altLang="en-US"/>
           </a:p>
@@ -427,7 +429,7 @@
           <a:p>
             <a:fld id="{154A73B6-E730-478A-B69F-24EBF19525C2}" type="datetimeFigureOut">
               <a:rPr lang="zh-TW" altLang="en-US" smtClean="0"/>
-              <a:t>2017/10/8</a:t>
+              <a:t>2017/10/21</a:t>
             </a:fld>
             <a:endParaRPr lang="zh-TW" altLang="en-US"/>
           </a:p>
@@ -607,7 +609,7 @@
           <a:p>
             <a:fld id="{154A73B6-E730-478A-B69F-24EBF19525C2}" type="datetimeFigureOut">
               <a:rPr lang="zh-TW" altLang="en-US" smtClean="0"/>
-              <a:t>2017/10/8</a:t>
+              <a:t>2017/10/21</a:t>
             </a:fld>
             <a:endParaRPr lang="zh-TW" altLang="en-US"/>
           </a:p>
@@ -777,7 +779,7 @@
           <a:p>
             <a:fld id="{154A73B6-E730-478A-B69F-24EBF19525C2}" type="datetimeFigureOut">
               <a:rPr lang="zh-TW" altLang="en-US" smtClean="0"/>
-              <a:t>2017/10/8</a:t>
+              <a:t>2017/10/21</a:t>
             </a:fld>
             <a:endParaRPr lang="zh-TW" altLang="en-US"/>
           </a:p>
@@ -1023,7 +1025,7 @@
           <a:p>
             <a:fld id="{154A73B6-E730-478A-B69F-24EBF19525C2}" type="datetimeFigureOut">
               <a:rPr lang="zh-TW" altLang="en-US" smtClean="0"/>
-              <a:t>2017/10/8</a:t>
+              <a:t>2017/10/21</a:t>
             </a:fld>
             <a:endParaRPr lang="zh-TW" altLang="en-US"/>
           </a:p>
@@ -1255,7 +1257,7 @@
           <a:p>
             <a:fld id="{154A73B6-E730-478A-B69F-24EBF19525C2}" type="datetimeFigureOut">
               <a:rPr lang="zh-TW" altLang="en-US" smtClean="0"/>
-              <a:t>2017/10/8</a:t>
+              <a:t>2017/10/21</a:t>
             </a:fld>
             <a:endParaRPr lang="zh-TW" altLang="en-US"/>
           </a:p>
@@ -1622,7 +1624,7 @@
           <a:p>
             <a:fld id="{154A73B6-E730-478A-B69F-24EBF19525C2}" type="datetimeFigureOut">
               <a:rPr lang="zh-TW" altLang="en-US" smtClean="0"/>
-              <a:t>2017/10/8</a:t>
+              <a:t>2017/10/21</a:t>
             </a:fld>
             <a:endParaRPr lang="zh-TW" altLang="en-US"/>
           </a:p>
@@ -1740,7 +1742,7 @@
           <a:p>
             <a:fld id="{154A73B6-E730-478A-B69F-24EBF19525C2}" type="datetimeFigureOut">
               <a:rPr lang="zh-TW" altLang="en-US" smtClean="0"/>
-              <a:t>2017/10/8</a:t>
+              <a:t>2017/10/21</a:t>
             </a:fld>
             <a:endParaRPr lang="zh-TW" altLang="en-US"/>
           </a:p>
@@ -1835,7 +1837,7 @@
           <a:p>
             <a:fld id="{154A73B6-E730-478A-B69F-24EBF19525C2}" type="datetimeFigureOut">
               <a:rPr lang="zh-TW" altLang="en-US" smtClean="0"/>
-              <a:t>2017/10/8</a:t>
+              <a:t>2017/10/21</a:t>
             </a:fld>
             <a:endParaRPr lang="zh-TW" altLang="en-US"/>
           </a:p>
@@ -2112,7 +2114,7 @@
           <a:p>
             <a:fld id="{154A73B6-E730-478A-B69F-24EBF19525C2}" type="datetimeFigureOut">
               <a:rPr lang="zh-TW" altLang="en-US" smtClean="0"/>
-              <a:t>2017/10/8</a:t>
+              <a:t>2017/10/21</a:t>
             </a:fld>
             <a:endParaRPr lang="zh-TW" altLang="en-US"/>
           </a:p>
@@ -2365,7 +2367,7 @@
           <a:p>
             <a:fld id="{154A73B6-E730-478A-B69F-24EBF19525C2}" type="datetimeFigureOut">
               <a:rPr lang="zh-TW" altLang="en-US" smtClean="0"/>
-              <a:t>2017/10/8</a:t>
+              <a:t>2017/10/21</a:t>
             </a:fld>
             <a:endParaRPr lang="zh-TW" altLang="en-US"/>
           </a:p>
@@ -2578,7 +2580,7 @@
           <a:p>
             <a:fld id="{154A73B6-E730-478A-B69F-24EBF19525C2}" type="datetimeFigureOut">
               <a:rPr lang="zh-TW" altLang="en-US" smtClean="0"/>
-              <a:t>2017/10/8</a:t>
+              <a:t>2017/10/21</a:t>
             </a:fld>
             <a:endParaRPr lang="zh-TW" altLang="en-US"/>
           </a:p>
@@ -10189,7 +10191,7 @@
           <p:nvPr>
             <p:extLst>
               <p:ext uri="{D42A27DB-BD31-4B8C-83A1-F6EECF244321}">
-                <p14:modId xmlns:p14="http://schemas.microsoft.com/office/powerpoint/2010/main" val="2114326335"/>
+                <p14:modId xmlns:p14="http://schemas.microsoft.com/office/powerpoint/2010/main" val="393307439"/>
               </p:ext>
             </p:extLst>
           </p:nvPr>
@@ -11288,6 +11290,1869 @@
     <p:extLst>
       <p:ext uri="{BB962C8B-B14F-4D97-AF65-F5344CB8AC3E}">
         <p14:creationId xmlns:p14="http://schemas.microsoft.com/office/powerpoint/2010/main" val="672751760"/>
+      </p:ext>
+    </p:extLst>
+  </p:cSld>
+  <p:clrMapOvr>
+    <a:masterClrMapping/>
+  </p:clrMapOvr>
+</p:sld>
+</file>
+
+<file path=ppt/slides/slide5.xml><?xml version="1.0" encoding="utf-8"?>
+<p:sld xmlns:a="http://schemas.openxmlformats.org/drawingml/2006/main" xmlns:r="http://schemas.openxmlformats.org/officeDocument/2006/relationships" xmlns:p="http://schemas.openxmlformats.org/presentationml/2006/main">
+  <p:cSld>
+    <p:spTree>
+      <p:nvGrpSpPr>
+        <p:cNvPr id="1" name=""/>
+        <p:cNvGrpSpPr/>
+        <p:nvPr/>
+      </p:nvGrpSpPr>
+      <p:grpSpPr>
+        <a:xfrm>
+          <a:off x="0" y="0"/>
+          <a:ext cx="0" cy="0"/>
+          <a:chOff x="0" y="0"/>
+          <a:chExt cx="0" cy="0"/>
+        </a:xfrm>
+      </p:grpSpPr>
+      <p:graphicFrame>
+        <p:nvGraphicFramePr>
+          <p:cNvPr id="5" name="表格 4"/>
+          <p:cNvGraphicFramePr>
+            <a:graphicFrameLocks noGrp="1"/>
+          </p:cNvGraphicFramePr>
+          <p:nvPr>
+            <p:extLst>
+              <p:ext uri="{D42A27DB-BD31-4B8C-83A1-F6EECF244321}">
+                <p14:modId xmlns:p14="http://schemas.microsoft.com/office/powerpoint/2010/main" val="280975427"/>
+              </p:ext>
+            </p:extLst>
+          </p:nvPr>
+        </p:nvGraphicFramePr>
+        <p:xfrm>
+          <a:off x="517233" y="577706"/>
+          <a:ext cx="10594112" cy="3199967"/>
+        </p:xfrm>
+        <a:graphic>
+          <a:graphicData uri="http://schemas.openxmlformats.org/drawingml/2006/table">
+            <a:tbl>
+              <a:tblPr firstRow="1" firstCol="1" bandRow="1"/>
+              <a:tblGrid>
+                <a:gridCol w="5297056">
+                  <a:extLst>
+                    <a:ext uri="{9D8B030D-6E8A-4147-A177-3AD203B41FA5}">
+                      <a16:colId xmlns:a16="http://schemas.microsoft.com/office/drawing/2014/main" val="1797296467"/>
+                    </a:ext>
+                  </a:extLst>
+                </a:gridCol>
+                <a:gridCol w="5297056">
+                  <a:extLst>
+                    <a:ext uri="{9D8B030D-6E8A-4147-A177-3AD203B41FA5}">
+                      <a16:colId xmlns:a16="http://schemas.microsoft.com/office/drawing/2014/main" val="679649989"/>
+                    </a:ext>
+                  </a:extLst>
+                </a:gridCol>
+              </a:tblGrid>
+              <a:tr h="456767">
+                <a:tc>
+                  <a:txBody>
+                    <a:bodyPr/>
+                    <a:lstStyle/>
+                    <a:p>
+                      <a:pPr algn="ctr">
+                        <a:spcAft>
+                          <a:spcPts val="0"/>
+                        </a:spcAft>
+                      </a:pPr>
+                      <a:r>
+                        <a:rPr lang="zh-TW" sz="2800" b="1" kern="100" dirty="0">
+                          <a:solidFill>
+                            <a:schemeClr val="tx1"/>
+                          </a:solidFill>
+                          <a:effectLst/>
+                          <a:latin typeface="微軟正黑體" panose="020B0604030504040204" pitchFamily="34" charset="-120"/>
+                          <a:ea typeface="微軟正黑體" panose="020B0604030504040204" pitchFamily="34" charset="-120"/>
+                          <a:cs typeface="Times New Roman" panose="02020603050405020304" pitchFamily="18" charset="0"/>
+                        </a:rPr>
+                        <a:t>基本問診</a:t>
+                      </a:r>
+                    </a:p>
+                  </a:txBody>
+                  <a:tcPr marL="68580" marR="68580" marT="0" marB="0">
+                    <a:lnL w="12700" cap="flat" cmpd="sng" algn="ctr">
+                      <a:solidFill>
+                        <a:srgbClr val="000000"/>
+                      </a:solidFill>
+                      <a:prstDash val="solid"/>
+                      <a:round/>
+                      <a:headEnd type="none" w="med" len="med"/>
+                      <a:tailEnd type="none" w="med" len="med"/>
+                    </a:lnL>
+                    <a:lnR w="12700" cap="flat" cmpd="sng" algn="ctr">
+                      <a:solidFill>
+                        <a:srgbClr val="000000"/>
+                      </a:solidFill>
+                      <a:prstDash val="solid"/>
+                      <a:round/>
+                      <a:headEnd type="none" w="med" len="med"/>
+                      <a:tailEnd type="none" w="med" len="med"/>
+                    </a:lnR>
+                    <a:lnT w="12700" cap="flat" cmpd="sng" algn="ctr">
+                      <a:solidFill>
+                        <a:srgbClr val="000000"/>
+                      </a:solidFill>
+                      <a:prstDash val="solid"/>
+                      <a:round/>
+                      <a:headEnd type="none" w="med" len="med"/>
+                      <a:tailEnd type="none" w="med" len="med"/>
+                    </a:lnT>
+                    <a:lnB w="12700" cap="flat" cmpd="sng" algn="ctr">
+                      <a:solidFill>
+                        <a:srgbClr val="000000"/>
+                      </a:solidFill>
+                      <a:prstDash val="solid"/>
+                      <a:round/>
+                      <a:headEnd type="none" w="med" len="med"/>
+                      <a:tailEnd type="none" w="med" len="med"/>
+                    </a:lnB>
+                    <a:solidFill>
+                      <a:schemeClr val="bg1">
+                        <a:lumMod val="75000"/>
+                      </a:schemeClr>
+                    </a:solidFill>
+                  </a:tcPr>
+                </a:tc>
+                <a:tc>
+                  <a:txBody>
+                    <a:bodyPr/>
+                    <a:lstStyle/>
+                    <a:p>
+                      <a:pPr algn="ctr">
+                        <a:spcAft>
+                          <a:spcPts val="0"/>
+                        </a:spcAft>
+                      </a:pPr>
+                      <a:r>
+                        <a:rPr lang="zh-TW" sz="2800" b="1" kern="100" dirty="0">
+                          <a:solidFill>
+                            <a:schemeClr val="tx1"/>
+                          </a:solidFill>
+                          <a:effectLst/>
+                          <a:latin typeface="微軟正黑體" panose="020B0604030504040204" pitchFamily="34" charset="-120"/>
+                          <a:ea typeface="微軟正黑體" panose="020B0604030504040204" pitchFamily="34" charset="-120"/>
+                          <a:cs typeface="Times New Roman" panose="02020603050405020304" pitchFamily="18" charset="0"/>
+                        </a:rPr>
+                        <a:t>個人史</a:t>
+                      </a:r>
+                      <a:r>
+                        <a:rPr lang="en-US" sz="2800" b="1" kern="100" dirty="0">
+                          <a:solidFill>
+                            <a:schemeClr val="tx1"/>
+                          </a:solidFill>
+                          <a:effectLst/>
+                          <a:latin typeface="微軟正黑體" panose="020B0604030504040204" pitchFamily="34" charset="-120"/>
+                          <a:ea typeface="微軟正黑體" panose="020B0604030504040204" pitchFamily="34" charset="-120"/>
+                          <a:cs typeface="Times New Roman" panose="02020603050405020304" pitchFamily="18" charset="0"/>
+                        </a:rPr>
+                        <a:t>/</a:t>
+                      </a:r>
+                      <a:r>
+                        <a:rPr lang="zh-TW" sz="2800" b="1" kern="100" dirty="0">
+                          <a:solidFill>
+                            <a:schemeClr val="tx1"/>
+                          </a:solidFill>
+                          <a:effectLst/>
+                          <a:latin typeface="微軟正黑體" panose="020B0604030504040204" pitchFamily="34" charset="-120"/>
+                          <a:ea typeface="微軟正黑體" panose="020B0604030504040204" pitchFamily="34" charset="-120"/>
+                          <a:cs typeface="Times New Roman" panose="02020603050405020304" pitchFamily="18" charset="0"/>
+                        </a:rPr>
+                        <a:t>家族史</a:t>
+                      </a:r>
+                    </a:p>
+                  </a:txBody>
+                  <a:tcPr marL="68580" marR="68580" marT="0" marB="0">
+                    <a:lnL w="12700" cap="flat" cmpd="sng" algn="ctr">
+                      <a:solidFill>
+                        <a:srgbClr val="000000"/>
+                      </a:solidFill>
+                      <a:prstDash val="solid"/>
+                      <a:round/>
+                      <a:headEnd type="none" w="med" len="med"/>
+                      <a:tailEnd type="none" w="med" len="med"/>
+                    </a:lnL>
+                    <a:lnR w="12700" cap="flat" cmpd="sng" algn="ctr">
+                      <a:solidFill>
+                        <a:srgbClr val="000000"/>
+                      </a:solidFill>
+                      <a:prstDash val="solid"/>
+                      <a:round/>
+                      <a:headEnd type="none" w="med" len="med"/>
+                      <a:tailEnd type="none" w="med" len="med"/>
+                    </a:lnR>
+                    <a:lnT w="12700" cap="flat" cmpd="sng" algn="ctr">
+                      <a:solidFill>
+                        <a:srgbClr val="000000"/>
+                      </a:solidFill>
+                      <a:prstDash val="solid"/>
+                      <a:round/>
+                      <a:headEnd type="none" w="med" len="med"/>
+                      <a:tailEnd type="none" w="med" len="med"/>
+                    </a:lnT>
+                    <a:lnB w="12700" cap="flat" cmpd="sng" algn="ctr">
+                      <a:solidFill>
+                        <a:srgbClr val="000000"/>
+                      </a:solidFill>
+                      <a:prstDash val="solid"/>
+                      <a:round/>
+                      <a:headEnd type="none" w="med" len="med"/>
+                      <a:tailEnd type="none" w="med" len="med"/>
+                    </a:lnB>
+                    <a:solidFill>
+                      <a:schemeClr val="bg1">
+                        <a:lumMod val="75000"/>
+                      </a:schemeClr>
+                    </a:solidFill>
+                  </a:tcPr>
+                </a:tc>
+                <a:extLst>
+                  <a:ext uri="{0D108BD9-81ED-4DB2-BD59-A6C34878D82A}">
+                    <a16:rowId xmlns:a16="http://schemas.microsoft.com/office/drawing/2014/main" val="2911348349"/>
+                  </a:ext>
+                </a:extLst>
+              </a:tr>
+              <a:tr h="0">
+                <a:tc>
+                  <a:txBody>
+                    <a:bodyPr/>
+                    <a:lstStyle/>
+                    <a:p>
+                      <a:pPr>
+                        <a:spcAft>
+                          <a:spcPts val="0"/>
+                        </a:spcAft>
+                      </a:pPr>
+                      <a:r>
+                        <a:rPr lang="en-US" sz="2000" b="0" kern="100" dirty="0">
+                          <a:solidFill>
+                            <a:schemeClr val="tx1"/>
+                          </a:solidFill>
+                          <a:effectLst/>
+                          <a:latin typeface="微軟正黑體" panose="020B0604030504040204" pitchFamily="34" charset="-120"/>
+                          <a:ea typeface="微軟正黑體" panose="020B0604030504040204" pitchFamily="34" charset="-120"/>
+                          <a:cs typeface="Times New Roman" panose="02020603050405020304" pitchFamily="18" charset="0"/>
+                        </a:rPr>
+                        <a:t>L</a:t>
+                      </a:r>
+                      <a:r>
+                        <a:rPr lang="zh-TW" sz="2000" b="0" kern="100" dirty="0">
+                          <a:solidFill>
+                            <a:schemeClr val="tx1"/>
+                          </a:solidFill>
+                          <a:effectLst/>
+                          <a:latin typeface="微軟正黑體" panose="020B0604030504040204" pitchFamily="34" charset="-120"/>
+                          <a:ea typeface="微軟正黑體" panose="020B0604030504040204" pitchFamily="34" charset="-120"/>
+                          <a:cs typeface="Times New Roman" panose="02020603050405020304" pitchFamily="18" charset="0"/>
+                        </a:rPr>
+                        <a:t>：右上腹痛</a:t>
+                      </a:r>
+                    </a:p>
+                    <a:p>
+                      <a:pPr>
+                        <a:spcAft>
+                          <a:spcPts val="0"/>
+                        </a:spcAft>
+                      </a:pPr>
+                      <a:r>
+                        <a:rPr lang="en-US" sz="2000" b="0" kern="100" dirty="0">
+                          <a:solidFill>
+                            <a:schemeClr val="tx1"/>
+                          </a:solidFill>
+                          <a:effectLst/>
+                          <a:latin typeface="微軟正黑體" panose="020B0604030504040204" pitchFamily="34" charset="-120"/>
+                          <a:ea typeface="微軟正黑體" panose="020B0604030504040204" pitchFamily="34" charset="-120"/>
+                          <a:cs typeface="Times New Roman" panose="02020603050405020304" pitchFamily="18" charset="0"/>
+                        </a:rPr>
+                        <a:t>Q</a:t>
+                      </a:r>
+                      <a:r>
+                        <a:rPr lang="zh-TW" sz="2000" b="0" kern="100" dirty="0">
+                          <a:solidFill>
+                            <a:schemeClr val="tx1"/>
+                          </a:solidFill>
+                          <a:effectLst/>
+                          <a:latin typeface="微軟正黑體" panose="020B0604030504040204" pitchFamily="34" charset="-120"/>
+                          <a:ea typeface="微軟正黑體" panose="020B0604030504040204" pitchFamily="34" charset="-120"/>
+                          <a:cs typeface="Times New Roman" panose="02020603050405020304" pitchFamily="18" charset="0"/>
+                        </a:rPr>
+                        <a:t>：陣發性的絞痛</a:t>
+                      </a:r>
+                    </a:p>
+                    <a:p>
+                      <a:pPr>
+                        <a:spcAft>
+                          <a:spcPts val="0"/>
+                        </a:spcAft>
+                      </a:pPr>
+                      <a:r>
+                        <a:rPr lang="en-US" sz="2000" b="0" kern="100" dirty="0">
+                          <a:solidFill>
+                            <a:schemeClr val="tx1"/>
+                          </a:solidFill>
+                          <a:effectLst/>
+                          <a:latin typeface="微軟正黑體" panose="020B0604030504040204" pitchFamily="34" charset="-120"/>
+                          <a:ea typeface="微軟正黑體" panose="020B0604030504040204" pitchFamily="34" charset="-120"/>
+                          <a:cs typeface="Times New Roman" panose="02020603050405020304" pitchFamily="18" charset="0"/>
+                        </a:rPr>
+                        <a:t>Q</a:t>
+                      </a:r>
+                      <a:r>
+                        <a:rPr lang="zh-TW" sz="2000" b="0" kern="100" dirty="0">
+                          <a:solidFill>
+                            <a:schemeClr val="tx1"/>
+                          </a:solidFill>
+                          <a:effectLst/>
+                          <a:latin typeface="微軟正黑體" panose="020B0604030504040204" pitchFamily="34" charset="-120"/>
+                          <a:ea typeface="微軟正黑體" panose="020B0604030504040204" pitchFamily="34" charset="-120"/>
+                          <a:cs typeface="Times New Roman" panose="02020603050405020304" pitchFamily="18" charset="0"/>
+                        </a:rPr>
+                        <a:t>：疼痛分數約</a:t>
+                      </a:r>
+                      <a:r>
+                        <a:rPr lang="en-US" sz="2000" b="0" kern="100" dirty="0">
+                          <a:solidFill>
+                            <a:schemeClr val="tx1"/>
+                          </a:solidFill>
+                          <a:effectLst/>
+                          <a:latin typeface="微軟正黑體" panose="020B0604030504040204" pitchFamily="34" charset="-120"/>
+                          <a:ea typeface="微軟正黑體" panose="020B0604030504040204" pitchFamily="34" charset="-120"/>
+                          <a:cs typeface="Times New Roman" panose="02020603050405020304" pitchFamily="18" charset="0"/>
+                        </a:rPr>
+                        <a:t>7</a:t>
+                      </a:r>
+                      <a:r>
+                        <a:rPr lang="zh-TW" sz="2000" b="0" kern="100" dirty="0" smtClean="0">
+                          <a:solidFill>
+                            <a:schemeClr val="tx1"/>
+                          </a:solidFill>
+                          <a:effectLst/>
+                          <a:latin typeface="微軟正黑體" panose="020B0604030504040204" pitchFamily="34" charset="-120"/>
+                          <a:ea typeface="微軟正黑體" panose="020B0604030504040204" pitchFamily="34" charset="-120"/>
+                          <a:cs typeface="Times New Roman" panose="02020603050405020304" pitchFamily="18" charset="0"/>
+                        </a:rPr>
+                        <a:t>分</a:t>
+                      </a:r>
+                      <a:r>
+                        <a:rPr lang="zh-TW" altLang="en-US" sz="2000" b="0" kern="100" dirty="0" smtClean="0">
+                          <a:solidFill>
+                            <a:schemeClr val="tx1"/>
+                          </a:solidFill>
+                          <a:effectLst/>
+                          <a:latin typeface="微軟正黑體" panose="020B0604030504040204" pitchFamily="34" charset="-120"/>
+                          <a:ea typeface="微軟正黑體" panose="020B0604030504040204" pitchFamily="34" charset="-120"/>
+                          <a:cs typeface="Times New Roman" panose="02020603050405020304" pitchFamily="18" charset="0"/>
+                        </a:rPr>
+                        <a:t>（</a:t>
+                      </a:r>
+                      <a:r>
+                        <a:rPr lang="zh-TW" altLang="zh-TW" sz="2000" b="0" kern="100" dirty="0" smtClean="0">
+                          <a:solidFill>
+                            <a:schemeClr val="tx1"/>
+                          </a:solidFill>
+                          <a:effectLst/>
+                          <a:latin typeface="微軟正黑體" panose="020B0604030504040204" pitchFamily="34" charset="-120"/>
+                          <a:ea typeface="微軟正黑體" panose="020B0604030504040204" pitchFamily="34" charset="-120"/>
+                          <a:cs typeface="Times New Roman" panose="02020603050405020304" pitchFamily="18" charset="0"/>
+                        </a:rPr>
+                        <a:t>最痛</a:t>
+                      </a:r>
+                      <a:r>
+                        <a:rPr lang="en-US" altLang="zh-TW" sz="2000" b="0" kern="100" dirty="0" smtClean="0">
+                          <a:solidFill>
+                            <a:schemeClr val="tx1"/>
+                          </a:solidFill>
+                          <a:effectLst/>
+                          <a:latin typeface="微軟正黑體" panose="020B0604030504040204" pitchFamily="34" charset="-120"/>
+                          <a:ea typeface="微軟正黑體" panose="020B0604030504040204" pitchFamily="34" charset="-120"/>
+                          <a:cs typeface="Times New Roman" panose="02020603050405020304" pitchFamily="18" charset="0"/>
+                        </a:rPr>
+                        <a:t>10</a:t>
+                      </a:r>
+                      <a:r>
+                        <a:rPr lang="zh-TW" altLang="zh-TW" sz="2000" b="0" kern="100" dirty="0" smtClean="0">
+                          <a:solidFill>
+                            <a:schemeClr val="tx1"/>
+                          </a:solidFill>
+                          <a:effectLst/>
+                          <a:latin typeface="微軟正黑體" panose="020B0604030504040204" pitchFamily="34" charset="-120"/>
+                          <a:ea typeface="微軟正黑體" panose="020B0604030504040204" pitchFamily="34" charset="-120"/>
+                          <a:cs typeface="Times New Roman" panose="02020603050405020304" pitchFamily="18" charset="0"/>
+                        </a:rPr>
+                        <a:t>分</a:t>
+                      </a:r>
+                      <a:r>
+                        <a:rPr lang="zh-TW" altLang="en-US" sz="2000" b="0" kern="100" dirty="0" smtClean="0">
+                          <a:solidFill>
+                            <a:schemeClr val="tx1"/>
+                          </a:solidFill>
+                          <a:effectLst/>
+                          <a:latin typeface="微軟正黑體" panose="020B0604030504040204" pitchFamily="34" charset="-120"/>
+                          <a:ea typeface="微軟正黑體" panose="020B0604030504040204" pitchFamily="34" charset="-120"/>
+                          <a:cs typeface="Times New Roman" panose="02020603050405020304" pitchFamily="18" charset="0"/>
+                        </a:rPr>
+                        <a:t>）</a:t>
+                      </a:r>
+                      <a:endParaRPr lang="en-US" altLang="zh-TW" sz="2000" b="0" kern="100" dirty="0" smtClean="0">
+                        <a:solidFill>
+                          <a:schemeClr val="tx1"/>
+                        </a:solidFill>
+                        <a:effectLst/>
+                        <a:latin typeface="微軟正黑體" panose="020B0604030504040204" pitchFamily="34" charset="-120"/>
+                        <a:ea typeface="微軟正黑體" panose="020B0604030504040204" pitchFamily="34" charset="-120"/>
+                        <a:cs typeface="Times New Roman" panose="02020603050405020304" pitchFamily="18" charset="0"/>
+                      </a:endParaRPr>
+                    </a:p>
+                    <a:p>
+                      <a:pPr>
+                        <a:spcAft>
+                          <a:spcPts val="0"/>
+                        </a:spcAft>
+                      </a:pPr>
+                      <a:r>
+                        <a:rPr lang="en-US" sz="2000" b="0" kern="100" dirty="0" smtClean="0">
+                          <a:solidFill>
+                            <a:schemeClr val="tx1"/>
+                          </a:solidFill>
+                          <a:effectLst/>
+                          <a:latin typeface="微軟正黑體" panose="020B0604030504040204" pitchFamily="34" charset="-120"/>
+                          <a:ea typeface="微軟正黑體" panose="020B0604030504040204" pitchFamily="34" charset="-120"/>
+                          <a:cs typeface="Times New Roman" panose="02020603050405020304" pitchFamily="18" charset="0"/>
+                        </a:rPr>
+                        <a:t>O</a:t>
+                      </a:r>
+                      <a:r>
+                        <a:rPr lang="zh-TW" sz="2000" b="0" kern="100" dirty="0" smtClean="0">
+                          <a:solidFill>
+                            <a:schemeClr val="tx1"/>
+                          </a:solidFill>
+                          <a:effectLst/>
+                          <a:latin typeface="微軟正黑體" panose="020B0604030504040204" pitchFamily="34" charset="-120"/>
+                          <a:ea typeface="微軟正黑體" panose="020B0604030504040204" pitchFamily="34" charset="-120"/>
+                          <a:cs typeface="Times New Roman" panose="02020603050405020304" pitchFamily="18" charset="0"/>
+                        </a:rPr>
+                        <a:t>：半夜</a:t>
+                      </a:r>
+                      <a:r>
+                        <a:rPr lang="zh-TW" sz="2000" b="0" kern="100" dirty="0">
+                          <a:solidFill>
+                            <a:schemeClr val="tx1"/>
+                          </a:solidFill>
+                          <a:effectLst/>
+                          <a:latin typeface="微軟正黑體" panose="020B0604030504040204" pitchFamily="34" charset="-120"/>
+                          <a:ea typeface="微軟正黑體" panose="020B0604030504040204" pitchFamily="34" charset="-120"/>
+                          <a:cs typeface="Times New Roman" panose="02020603050405020304" pitchFamily="18" charset="0"/>
+                        </a:rPr>
+                        <a:t>時突然</a:t>
+                      </a:r>
+                      <a:r>
+                        <a:rPr lang="zh-TW" sz="2000" b="0" kern="100" dirty="0" smtClean="0">
+                          <a:solidFill>
+                            <a:schemeClr val="tx1"/>
+                          </a:solidFill>
+                          <a:effectLst/>
+                          <a:latin typeface="微軟正黑體" panose="020B0604030504040204" pitchFamily="34" charset="-120"/>
+                          <a:ea typeface="微軟正黑體" panose="020B0604030504040204" pitchFamily="34" charset="-120"/>
+                          <a:cs typeface="Times New Roman" panose="02020603050405020304" pitchFamily="18" charset="0"/>
+                        </a:rPr>
+                        <a:t>產生</a:t>
+                      </a:r>
+                      <a:r>
+                        <a:rPr lang="zh-TW" altLang="en-US" sz="2000" b="0" kern="100" dirty="0" smtClean="0">
+                          <a:solidFill>
+                            <a:schemeClr val="tx1"/>
+                          </a:solidFill>
+                          <a:effectLst/>
+                          <a:latin typeface="微軟正黑體" panose="020B0604030504040204" pitchFamily="34" charset="-120"/>
+                          <a:ea typeface="微軟正黑體" panose="020B0604030504040204" pitchFamily="34" charset="-120"/>
+                          <a:cs typeface="Times New Roman" panose="02020603050405020304" pitchFamily="18" charset="0"/>
+                        </a:rPr>
+                        <a:t>、</a:t>
+                      </a:r>
+                      <a:r>
+                        <a:rPr lang="zh-TW" sz="2000" b="0" kern="100" dirty="0" smtClean="0">
+                          <a:solidFill>
+                            <a:schemeClr val="tx1"/>
+                          </a:solidFill>
+                          <a:effectLst/>
+                          <a:latin typeface="微軟正黑體" panose="020B0604030504040204" pitchFamily="34" charset="-120"/>
+                          <a:ea typeface="微軟正黑體" panose="020B0604030504040204" pitchFamily="34" charset="-120"/>
+                          <a:cs typeface="Times New Roman" panose="02020603050405020304" pitchFamily="18" charset="0"/>
+                        </a:rPr>
+                        <a:t>過去沒有這樣</a:t>
+                      </a:r>
+                      <a:r>
+                        <a:rPr lang="zh-TW" sz="2000" b="0" kern="100" dirty="0">
+                          <a:solidFill>
+                            <a:schemeClr val="tx1"/>
+                          </a:solidFill>
+                          <a:effectLst/>
+                          <a:latin typeface="微軟正黑體" panose="020B0604030504040204" pitchFamily="34" charset="-120"/>
+                          <a:ea typeface="微軟正黑體" panose="020B0604030504040204" pitchFamily="34" charset="-120"/>
+                          <a:cs typeface="Times New Roman" panose="02020603050405020304" pitchFamily="18" charset="0"/>
+                        </a:rPr>
+                        <a:t>的症狀</a:t>
+                      </a:r>
+                    </a:p>
+                    <a:p>
+                      <a:pPr>
+                        <a:spcAft>
+                          <a:spcPts val="0"/>
+                        </a:spcAft>
+                      </a:pPr>
+                      <a:r>
+                        <a:rPr lang="en-US" sz="2000" b="0" kern="100" dirty="0">
+                          <a:solidFill>
+                            <a:schemeClr val="tx1"/>
+                          </a:solidFill>
+                          <a:effectLst/>
+                          <a:latin typeface="微軟正黑體" panose="020B0604030504040204" pitchFamily="34" charset="-120"/>
+                          <a:ea typeface="微軟正黑體" panose="020B0604030504040204" pitchFamily="34" charset="-120"/>
+                          <a:cs typeface="Times New Roman" panose="02020603050405020304" pitchFamily="18" charset="0"/>
+                        </a:rPr>
+                        <a:t>P</a:t>
+                      </a:r>
+                      <a:r>
+                        <a:rPr lang="zh-TW" sz="2000" b="0" kern="100" dirty="0">
+                          <a:solidFill>
+                            <a:schemeClr val="tx1"/>
+                          </a:solidFill>
+                          <a:effectLst/>
+                          <a:latin typeface="微軟正黑體" panose="020B0604030504040204" pitchFamily="34" charset="-120"/>
+                          <a:ea typeface="微軟正黑體" panose="020B0604030504040204" pitchFamily="34" charset="-120"/>
+                          <a:cs typeface="Times New Roman" panose="02020603050405020304" pitchFamily="18" charset="0"/>
+                        </a:rPr>
+                        <a:t>：患者表示無明顯的誘發因子</a:t>
+                      </a:r>
+                    </a:p>
+                    <a:p>
+                      <a:pPr>
+                        <a:spcAft>
+                          <a:spcPts val="0"/>
+                        </a:spcAft>
+                      </a:pPr>
+                      <a:r>
+                        <a:rPr lang="en-US" sz="2000" b="0" kern="100" dirty="0">
+                          <a:solidFill>
+                            <a:schemeClr val="tx1"/>
+                          </a:solidFill>
+                          <a:effectLst/>
+                          <a:latin typeface="微軟正黑體" panose="020B0604030504040204" pitchFamily="34" charset="-120"/>
+                          <a:ea typeface="微軟正黑體" panose="020B0604030504040204" pitchFamily="34" charset="-120"/>
+                          <a:cs typeface="Times New Roman" panose="02020603050405020304" pitchFamily="18" charset="0"/>
+                        </a:rPr>
+                        <a:t>E</a:t>
+                      </a:r>
+                      <a:r>
+                        <a:rPr lang="zh-TW" sz="2000" b="0" kern="100" dirty="0">
+                          <a:solidFill>
+                            <a:schemeClr val="tx1"/>
+                          </a:solidFill>
+                          <a:effectLst/>
+                          <a:latin typeface="微軟正黑體" panose="020B0604030504040204" pitchFamily="34" charset="-120"/>
+                          <a:ea typeface="微軟正黑體" panose="020B0604030504040204" pitchFamily="34" charset="-120"/>
+                          <a:cs typeface="Times New Roman" panose="02020603050405020304" pitchFamily="18" charset="0"/>
+                        </a:rPr>
+                        <a:t>：患者表示無明顯的惡化因子</a:t>
+                      </a:r>
+                    </a:p>
+                    <a:p>
+                      <a:pPr>
+                        <a:spcAft>
+                          <a:spcPts val="0"/>
+                        </a:spcAft>
+                      </a:pPr>
+                      <a:r>
+                        <a:rPr lang="en-US" sz="2000" b="0" kern="100" dirty="0">
+                          <a:solidFill>
+                            <a:schemeClr val="tx1"/>
+                          </a:solidFill>
+                          <a:effectLst/>
+                          <a:latin typeface="微軟正黑體" panose="020B0604030504040204" pitchFamily="34" charset="-120"/>
+                          <a:ea typeface="微軟正黑體" panose="020B0604030504040204" pitchFamily="34" charset="-120"/>
+                          <a:cs typeface="Times New Roman" panose="02020603050405020304" pitchFamily="18" charset="0"/>
+                        </a:rPr>
+                        <a:t>R</a:t>
+                      </a:r>
+                      <a:r>
+                        <a:rPr lang="zh-TW" sz="2000" b="0" kern="100" dirty="0">
+                          <a:solidFill>
+                            <a:schemeClr val="tx1"/>
+                          </a:solidFill>
+                          <a:effectLst/>
+                          <a:latin typeface="微軟正黑體" panose="020B0604030504040204" pitchFamily="34" charset="-120"/>
+                          <a:ea typeface="微軟正黑體" panose="020B0604030504040204" pitchFamily="34" charset="-120"/>
+                          <a:cs typeface="Times New Roman" panose="02020603050405020304" pitchFamily="18" charset="0"/>
+                        </a:rPr>
+                        <a:t>：稍微變換姿勢後，有比較舒服</a:t>
+                      </a:r>
+                    </a:p>
+                    <a:p>
+                      <a:pPr>
+                        <a:spcAft>
+                          <a:spcPts val="0"/>
+                        </a:spcAft>
+                      </a:pPr>
+                      <a:r>
+                        <a:rPr lang="en-US" sz="2000" b="0" kern="100" dirty="0">
+                          <a:solidFill>
+                            <a:schemeClr val="tx1"/>
+                          </a:solidFill>
+                          <a:effectLst/>
+                          <a:latin typeface="微軟正黑體" panose="020B0604030504040204" pitchFamily="34" charset="-120"/>
+                          <a:ea typeface="微軟正黑體" panose="020B0604030504040204" pitchFamily="34" charset="-120"/>
+                          <a:cs typeface="Times New Roman" panose="02020603050405020304" pitchFamily="18" charset="0"/>
+                        </a:rPr>
+                        <a:t>A</a:t>
+                      </a:r>
+                      <a:r>
+                        <a:rPr lang="zh-TW" sz="2000" b="0" kern="100" dirty="0">
+                          <a:solidFill>
+                            <a:schemeClr val="tx1"/>
+                          </a:solidFill>
+                          <a:effectLst/>
+                          <a:latin typeface="微軟正黑體" panose="020B0604030504040204" pitchFamily="34" charset="-120"/>
+                          <a:ea typeface="微軟正黑體" panose="020B0604030504040204" pitchFamily="34" charset="-120"/>
+                          <a:cs typeface="Times New Roman" panose="02020603050405020304" pitchFamily="18" charset="0"/>
+                        </a:rPr>
+                        <a:t>：合併有噁心、食慾不振、發燒</a:t>
+                      </a:r>
+                    </a:p>
+                    <a:p>
+                      <a:pPr>
+                        <a:spcAft>
+                          <a:spcPts val="0"/>
+                        </a:spcAft>
+                      </a:pPr>
+                      <a:r>
+                        <a:rPr lang="en-US" sz="2000" b="0" kern="100" dirty="0">
+                          <a:solidFill>
+                            <a:schemeClr val="tx1"/>
+                          </a:solidFill>
+                          <a:effectLst/>
+                          <a:latin typeface="微軟正黑體" panose="020B0604030504040204" pitchFamily="34" charset="-120"/>
+                          <a:ea typeface="微軟正黑體" panose="020B0604030504040204" pitchFamily="34" charset="-120"/>
+                          <a:cs typeface="Times New Roman" panose="02020603050405020304" pitchFamily="18" charset="0"/>
+                        </a:rPr>
+                        <a:t>   </a:t>
+                      </a:r>
+                      <a:r>
+                        <a:rPr lang="zh-TW" sz="2000" b="0" kern="100" dirty="0">
+                          <a:solidFill>
+                            <a:schemeClr val="tx1"/>
+                          </a:solidFill>
+                          <a:effectLst/>
+                          <a:latin typeface="微軟正黑體" panose="020B0604030504040204" pitchFamily="34" charset="-120"/>
+                          <a:ea typeface="微軟正黑體" panose="020B0604030504040204" pitchFamily="34" charset="-120"/>
+                          <a:cs typeface="Times New Roman" panose="02020603050405020304" pitchFamily="18" charset="0"/>
+                        </a:rPr>
+                        <a:t>右側的肩背疼痛</a:t>
+                      </a:r>
+                    </a:p>
+                  </a:txBody>
+                  <a:tcPr marL="68580" marR="68580" marT="0" marB="0">
+                    <a:lnL w="12700" cap="flat" cmpd="sng" algn="ctr">
+                      <a:solidFill>
+                        <a:srgbClr val="000000"/>
+                      </a:solidFill>
+                      <a:prstDash val="solid"/>
+                      <a:round/>
+                      <a:headEnd type="none" w="med" len="med"/>
+                      <a:tailEnd type="none" w="med" len="med"/>
+                    </a:lnL>
+                    <a:lnR w="12700" cap="flat" cmpd="sng" algn="ctr">
+                      <a:solidFill>
+                        <a:srgbClr val="000000"/>
+                      </a:solidFill>
+                      <a:prstDash val="solid"/>
+                      <a:round/>
+                      <a:headEnd type="none" w="med" len="med"/>
+                      <a:tailEnd type="none" w="med" len="med"/>
+                    </a:lnR>
+                    <a:lnT w="12700" cap="flat" cmpd="sng" algn="ctr">
+                      <a:solidFill>
+                        <a:srgbClr val="000000"/>
+                      </a:solidFill>
+                      <a:prstDash val="solid"/>
+                      <a:round/>
+                      <a:headEnd type="none" w="med" len="med"/>
+                      <a:tailEnd type="none" w="med" len="med"/>
+                    </a:lnT>
+                    <a:lnB w="12700" cap="flat" cmpd="sng" algn="ctr">
+                      <a:solidFill>
+                        <a:srgbClr val="000000"/>
+                      </a:solidFill>
+                      <a:prstDash val="solid"/>
+                      <a:round/>
+                      <a:headEnd type="none" w="med" len="med"/>
+                      <a:tailEnd type="none" w="med" len="med"/>
+                    </a:lnB>
+                    <a:solidFill>
+                      <a:schemeClr val="bg1"/>
+                    </a:solidFill>
+                  </a:tcPr>
+                </a:tc>
+                <a:tc>
+                  <a:txBody>
+                    <a:bodyPr/>
+                    <a:lstStyle/>
+                    <a:p>
+                      <a:pPr marL="0" marR="0" indent="0" algn="l" defTabSz="914400" rtl="0" eaLnBrk="1" fontAlgn="auto" latinLnBrk="0" hangingPunct="1">
+                        <a:lnSpc>
+                          <a:spcPct val="100000"/>
+                        </a:lnSpc>
+                        <a:spcBef>
+                          <a:spcPts val="0"/>
+                        </a:spcBef>
+                        <a:spcAft>
+                          <a:spcPts val="0"/>
+                        </a:spcAft>
+                        <a:buClrTx/>
+                        <a:buSzTx/>
+                        <a:buFontTx/>
+                        <a:buNone/>
+                        <a:tabLst/>
+                        <a:defRPr/>
+                      </a:pPr>
+                      <a:r>
+                        <a:rPr lang="zh-TW" altLang="zh-TW" sz="2000" b="1" kern="100" dirty="0" smtClean="0">
+                          <a:solidFill>
+                            <a:schemeClr val="tx1"/>
+                          </a:solidFill>
+                          <a:effectLst/>
+                          <a:latin typeface="微軟正黑體" panose="020B0604030504040204" pitchFamily="34" charset="-120"/>
+                          <a:ea typeface="微軟正黑體" panose="020B0604030504040204" pitchFamily="34" charset="-120"/>
+                          <a:cs typeface="Times New Roman" panose="02020603050405020304" pitchFamily="18" charset="0"/>
+                        </a:rPr>
+                        <a:t>家族</a:t>
+                      </a:r>
+                      <a:r>
+                        <a:rPr lang="zh-TW" altLang="en-US" sz="2000" b="1" kern="100" dirty="0" smtClean="0">
+                          <a:solidFill>
+                            <a:schemeClr val="tx1"/>
+                          </a:solidFill>
+                          <a:effectLst/>
+                          <a:latin typeface="微軟正黑體" panose="020B0604030504040204" pitchFamily="34" charset="-120"/>
+                          <a:ea typeface="微軟正黑體" panose="020B0604030504040204" pitchFamily="34" charset="-120"/>
+                          <a:cs typeface="Times New Roman" panose="02020603050405020304" pitchFamily="18" charset="0"/>
+                        </a:rPr>
+                        <a:t>病</a:t>
+                      </a:r>
+                      <a:r>
+                        <a:rPr lang="zh-TW" altLang="zh-TW" sz="2000" b="1" kern="100" dirty="0" smtClean="0">
+                          <a:solidFill>
+                            <a:schemeClr val="tx1"/>
+                          </a:solidFill>
+                          <a:effectLst/>
+                          <a:latin typeface="微軟正黑體" panose="020B0604030504040204" pitchFamily="34" charset="-120"/>
+                          <a:ea typeface="微軟正黑體" panose="020B0604030504040204" pitchFamily="34" charset="-120"/>
+                          <a:cs typeface="Times New Roman" panose="02020603050405020304" pitchFamily="18" charset="0"/>
+                        </a:rPr>
+                        <a:t>史</a:t>
+                      </a:r>
+                      <a:r>
+                        <a:rPr lang="zh-TW" altLang="en-US" sz="2000" b="0" kern="100" dirty="0" smtClean="0">
+                          <a:solidFill>
+                            <a:schemeClr val="tx1"/>
+                          </a:solidFill>
+                          <a:effectLst/>
+                          <a:latin typeface="微軟正黑體" panose="020B0604030504040204" pitchFamily="34" charset="-120"/>
+                          <a:ea typeface="微軟正黑體" panose="020B0604030504040204" pitchFamily="34" charset="-120"/>
+                          <a:cs typeface="Times New Roman" panose="02020603050405020304" pitchFamily="18" charset="0"/>
+                        </a:rPr>
+                        <a:t>：</a:t>
+                      </a:r>
+                      <a:r>
+                        <a:rPr lang="zh-TW" altLang="zh-TW" sz="2000" b="0" kern="100" dirty="0" smtClean="0">
+                          <a:solidFill>
+                            <a:schemeClr val="tx1"/>
+                          </a:solidFill>
+                          <a:effectLst/>
+                          <a:latin typeface="微軟正黑體" panose="020B0604030504040204" pitchFamily="34" charset="-120"/>
+                          <a:ea typeface="微軟正黑體" panose="020B0604030504040204" pitchFamily="34" charset="-120"/>
+                          <a:cs typeface="Times New Roman" panose="02020603050405020304" pitchFamily="18" charset="0"/>
+                        </a:rPr>
+                        <a:t>父母皆有糖尿病</a:t>
+                      </a:r>
+                      <a:endParaRPr lang="en-US" altLang="zh-TW" sz="2000" b="1" kern="100" dirty="0" smtClean="0">
+                        <a:solidFill>
+                          <a:schemeClr val="tx1"/>
+                        </a:solidFill>
+                        <a:effectLst/>
+                        <a:latin typeface="微軟正黑體" panose="020B0604030504040204" pitchFamily="34" charset="-120"/>
+                        <a:ea typeface="微軟正黑體" panose="020B0604030504040204" pitchFamily="34" charset="-120"/>
+                        <a:cs typeface="Times New Roman" panose="02020603050405020304" pitchFamily="18" charset="0"/>
+                      </a:endParaRPr>
+                    </a:p>
+                    <a:p>
+                      <a:pPr>
+                        <a:spcAft>
+                          <a:spcPts val="0"/>
+                        </a:spcAft>
+                      </a:pPr>
+                      <a:r>
+                        <a:rPr lang="zh-TW" sz="2000" b="1" kern="100" dirty="0" smtClean="0">
+                          <a:solidFill>
+                            <a:schemeClr val="tx1"/>
+                          </a:solidFill>
+                          <a:effectLst/>
+                          <a:latin typeface="微軟正黑體" panose="020B0604030504040204" pitchFamily="34" charset="-120"/>
+                          <a:ea typeface="微軟正黑體" panose="020B0604030504040204" pitchFamily="34" charset="-120"/>
+                          <a:cs typeface="Times New Roman" panose="02020603050405020304" pitchFamily="18" charset="0"/>
+                        </a:rPr>
+                        <a:t>個人史</a:t>
+                      </a:r>
+                      <a:r>
+                        <a:rPr lang="zh-TW" altLang="en-US" sz="2000" b="0" kern="100" dirty="0" smtClean="0">
+                          <a:solidFill>
+                            <a:schemeClr val="tx1"/>
+                          </a:solidFill>
+                          <a:effectLst/>
+                          <a:latin typeface="微軟正黑體" panose="020B0604030504040204" pitchFamily="34" charset="-120"/>
+                          <a:ea typeface="微軟正黑體" panose="020B0604030504040204" pitchFamily="34" charset="-120"/>
+                          <a:cs typeface="Times New Roman" panose="02020603050405020304" pitchFamily="18" charset="0"/>
+                        </a:rPr>
+                        <a:t>：</a:t>
+                      </a:r>
+                      <a:r>
+                        <a:rPr lang="zh-TW" sz="2000" b="0" kern="100" dirty="0" smtClean="0">
+                          <a:solidFill>
+                            <a:schemeClr val="tx1"/>
+                          </a:solidFill>
+                          <a:effectLst/>
+                          <a:latin typeface="微軟正黑體" panose="020B0604030504040204" pitchFamily="34" charset="-120"/>
+                          <a:ea typeface="微軟正黑體" panose="020B0604030504040204" pitchFamily="34" charset="-120"/>
+                          <a:cs typeface="Times New Roman" panose="02020603050405020304" pitchFamily="18" charset="0"/>
+                        </a:rPr>
+                        <a:t>有</a:t>
+                      </a:r>
+                      <a:r>
+                        <a:rPr lang="zh-TW" sz="2000" b="0" kern="100" dirty="0">
+                          <a:solidFill>
+                            <a:schemeClr val="tx1"/>
+                          </a:solidFill>
+                          <a:effectLst/>
+                          <a:latin typeface="微軟正黑體" panose="020B0604030504040204" pitchFamily="34" charset="-120"/>
+                          <a:ea typeface="微軟正黑體" panose="020B0604030504040204" pitchFamily="34" charset="-120"/>
+                          <a:cs typeface="Times New Roman" panose="02020603050405020304" pitchFamily="18" charset="0"/>
+                        </a:rPr>
+                        <a:t>糖尿病的病史、身材略顯肥胖</a:t>
+                      </a:r>
+                    </a:p>
+                    <a:p>
+                      <a:pPr marL="0" marR="0" indent="0" algn="l" defTabSz="914400" rtl="0" eaLnBrk="1" fontAlgn="auto" latinLnBrk="0" hangingPunct="1">
+                        <a:lnSpc>
+                          <a:spcPct val="100000"/>
+                        </a:lnSpc>
+                        <a:spcBef>
+                          <a:spcPts val="0"/>
+                        </a:spcBef>
+                        <a:spcAft>
+                          <a:spcPts val="0"/>
+                        </a:spcAft>
+                        <a:buClrTx/>
+                        <a:buSzTx/>
+                        <a:buFontTx/>
+                        <a:buNone/>
+                        <a:tabLst/>
+                        <a:defRPr/>
+                      </a:pPr>
+                      <a:r>
+                        <a:rPr lang="en-US" altLang="zh-TW" sz="2000" kern="100" dirty="0" smtClean="0">
+                          <a:effectLst/>
+                          <a:latin typeface="微軟正黑體" panose="020B0604030504040204" pitchFamily="34" charset="-120"/>
+                          <a:ea typeface="微軟正黑體" panose="020B0604030504040204" pitchFamily="34" charset="-120"/>
+                          <a:cs typeface="Times New Roman" panose="02020603050405020304" pitchFamily="18" charset="0"/>
+                        </a:rPr>
+                        <a:t>                </a:t>
+                      </a:r>
+                      <a:r>
+                        <a:rPr lang="zh-TW" altLang="zh-TW" sz="2000" kern="100" dirty="0" smtClean="0">
+                          <a:effectLst/>
+                          <a:latin typeface="微軟正黑體" panose="020B0604030504040204" pitchFamily="34" charset="-120"/>
+                          <a:ea typeface="微軟正黑體" panose="020B0604030504040204" pitchFamily="34" charset="-120"/>
+                          <a:cs typeface="Times New Roman" panose="02020603050405020304" pitchFamily="18" charset="0"/>
+                        </a:rPr>
+                        <a:t>無</a:t>
+                      </a:r>
+                      <a:r>
+                        <a:rPr lang="zh-TW" altLang="en-US" sz="2000" kern="100" dirty="0" smtClean="0">
+                          <a:effectLst/>
+                          <a:latin typeface="微軟正黑體" panose="020B0604030504040204" pitchFamily="34" charset="-120"/>
+                          <a:ea typeface="微軟正黑體" panose="020B0604030504040204" pitchFamily="34" charset="-120"/>
+                          <a:cs typeface="Times New Roman" panose="02020603050405020304" pitchFamily="18" charset="0"/>
+                        </a:rPr>
+                        <a:t>抽菸、嚼檳榔</a:t>
+                      </a:r>
+                      <a:endParaRPr lang="zh-TW" altLang="zh-TW" sz="2000" kern="100" dirty="0" smtClean="0">
+                        <a:effectLst/>
+                        <a:latin typeface="微軟正黑體" panose="020B0604030504040204" pitchFamily="34" charset="-120"/>
+                        <a:ea typeface="微軟正黑體" panose="020B0604030504040204" pitchFamily="34" charset="-120"/>
+                        <a:cs typeface="Times New Roman" panose="02020603050405020304" pitchFamily="18" charset="0"/>
+                      </a:endParaRPr>
+                    </a:p>
+                    <a:p>
+                      <a:pPr>
+                        <a:spcAft>
+                          <a:spcPts val="0"/>
+                        </a:spcAft>
+                      </a:pPr>
+                      <a:r>
+                        <a:rPr lang="en-US" altLang="zh-TW" sz="2000" b="0" kern="100" dirty="0" smtClean="0">
+                          <a:solidFill>
+                            <a:schemeClr val="tx1"/>
+                          </a:solidFill>
+                          <a:effectLst/>
+                          <a:latin typeface="微軟正黑體" panose="020B0604030504040204" pitchFamily="34" charset="-120"/>
+                          <a:ea typeface="微軟正黑體" panose="020B0604030504040204" pitchFamily="34" charset="-120"/>
+                          <a:cs typeface="Times New Roman" panose="02020603050405020304" pitchFamily="18" charset="0"/>
+                        </a:rPr>
+                        <a:t>                </a:t>
+                      </a:r>
+                      <a:r>
+                        <a:rPr lang="zh-TW" sz="2000" b="0" kern="100" dirty="0" smtClean="0">
+                          <a:solidFill>
+                            <a:schemeClr val="tx1"/>
+                          </a:solidFill>
+                          <a:effectLst/>
+                          <a:latin typeface="微軟正黑體" panose="020B0604030504040204" pitchFamily="34" charset="-120"/>
+                          <a:ea typeface="微軟正黑體" panose="020B0604030504040204" pitchFamily="34" charset="-120"/>
+                          <a:cs typeface="Times New Roman" panose="02020603050405020304" pitchFamily="18" charset="0"/>
+                        </a:rPr>
+                        <a:t>每天</a:t>
+                      </a:r>
+                      <a:r>
+                        <a:rPr lang="zh-TW" sz="2000" b="0" kern="100" dirty="0">
+                          <a:solidFill>
+                            <a:schemeClr val="tx1"/>
+                          </a:solidFill>
+                          <a:effectLst/>
+                          <a:latin typeface="微軟正黑體" panose="020B0604030504040204" pitchFamily="34" charset="-120"/>
+                          <a:ea typeface="微軟正黑體" panose="020B0604030504040204" pitchFamily="34" charset="-120"/>
+                          <a:cs typeface="Times New Roman" panose="02020603050405020304" pitchFamily="18" charset="0"/>
+                        </a:rPr>
+                        <a:t>一罐</a:t>
+                      </a:r>
+                      <a:r>
+                        <a:rPr lang="zh-TW" sz="2000" b="0" kern="100" dirty="0" smtClean="0">
+                          <a:solidFill>
+                            <a:schemeClr val="tx1"/>
+                          </a:solidFill>
+                          <a:effectLst/>
+                          <a:latin typeface="微軟正黑體" panose="020B0604030504040204" pitchFamily="34" charset="-120"/>
+                          <a:ea typeface="微軟正黑體" panose="020B0604030504040204" pitchFamily="34" charset="-120"/>
+                          <a:cs typeface="Times New Roman" panose="02020603050405020304" pitchFamily="18" charset="0"/>
+                        </a:rPr>
+                        <a:t>啤酒</a:t>
+                      </a:r>
+                      <a:r>
+                        <a:rPr lang="en-US" sz="2000" b="0" kern="100" dirty="0">
+                          <a:solidFill>
+                            <a:schemeClr val="tx1"/>
+                          </a:solidFill>
+                          <a:effectLst/>
+                          <a:latin typeface="微軟正黑體" panose="020B0604030504040204" pitchFamily="34" charset="-120"/>
+                          <a:ea typeface="微軟正黑體" panose="020B0604030504040204" pitchFamily="34" charset="-120"/>
+                          <a:cs typeface="Times New Roman" panose="02020603050405020304" pitchFamily="18" charset="0"/>
+                        </a:rPr>
+                        <a:t> </a:t>
+                      </a:r>
+                      <a:endParaRPr lang="zh-TW" sz="2000" b="0" kern="100" dirty="0">
+                        <a:solidFill>
+                          <a:schemeClr val="tx1"/>
+                        </a:solidFill>
+                        <a:effectLst/>
+                        <a:latin typeface="微軟正黑體" panose="020B0604030504040204" pitchFamily="34" charset="-120"/>
+                        <a:ea typeface="微軟正黑體" panose="020B0604030504040204" pitchFamily="34" charset="-120"/>
+                        <a:cs typeface="Times New Roman" panose="02020603050405020304" pitchFamily="18" charset="0"/>
+                      </a:endParaRPr>
+                    </a:p>
+                  </a:txBody>
+                  <a:tcPr marL="68580" marR="68580" marT="0" marB="0">
+                    <a:lnL w="12700" cap="flat" cmpd="sng" algn="ctr">
+                      <a:solidFill>
+                        <a:srgbClr val="000000"/>
+                      </a:solidFill>
+                      <a:prstDash val="solid"/>
+                      <a:round/>
+                      <a:headEnd type="none" w="med" len="med"/>
+                      <a:tailEnd type="none" w="med" len="med"/>
+                    </a:lnL>
+                    <a:lnR w="12700" cap="flat" cmpd="sng" algn="ctr">
+                      <a:solidFill>
+                        <a:srgbClr val="000000"/>
+                      </a:solidFill>
+                      <a:prstDash val="solid"/>
+                      <a:round/>
+                      <a:headEnd type="none" w="med" len="med"/>
+                      <a:tailEnd type="none" w="med" len="med"/>
+                    </a:lnR>
+                    <a:lnT w="12700" cap="flat" cmpd="sng" algn="ctr">
+                      <a:solidFill>
+                        <a:srgbClr val="000000"/>
+                      </a:solidFill>
+                      <a:prstDash val="solid"/>
+                      <a:round/>
+                      <a:headEnd type="none" w="med" len="med"/>
+                      <a:tailEnd type="none" w="med" len="med"/>
+                    </a:lnT>
+                    <a:lnB w="12700" cap="flat" cmpd="sng" algn="ctr">
+                      <a:solidFill>
+                        <a:srgbClr val="000000"/>
+                      </a:solidFill>
+                      <a:prstDash val="solid"/>
+                      <a:round/>
+                      <a:headEnd type="none" w="med" len="med"/>
+                      <a:tailEnd type="none" w="med" len="med"/>
+                    </a:lnB>
+                    <a:solidFill>
+                      <a:schemeClr val="bg1"/>
+                    </a:solidFill>
+                  </a:tcPr>
+                </a:tc>
+                <a:extLst>
+                  <a:ext uri="{0D108BD9-81ED-4DB2-BD59-A6C34878D82A}">
+                    <a16:rowId xmlns:a16="http://schemas.microsoft.com/office/drawing/2014/main" val="1597264651"/>
+                  </a:ext>
+                </a:extLst>
+              </a:tr>
+            </a:tbl>
+          </a:graphicData>
+        </a:graphic>
+      </p:graphicFrame>
+    </p:spTree>
+    <p:extLst>
+      <p:ext uri="{BB962C8B-B14F-4D97-AF65-F5344CB8AC3E}">
+        <p14:creationId xmlns:p14="http://schemas.microsoft.com/office/powerpoint/2010/main" val="3290813910"/>
+      </p:ext>
+    </p:extLst>
+  </p:cSld>
+  <p:clrMapOvr>
+    <a:masterClrMapping/>
+  </p:clrMapOvr>
+</p:sld>
+</file>
+
+<file path=ppt/slides/slide6.xml><?xml version="1.0" encoding="utf-8"?>
+<p:sld xmlns:a="http://schemas.openxmlformats.org/drawingml/2006/main" xmlns:r="http://schemas.openxmlformats.org/officeDocument/2006/relationships" xmlns:p="http://schemas.openxmlformats.org/presentationml/2006/main">
+  <p:cSld>
+    <p:spTree>
+      <p:nvGrpSpPr>
+        <p:cNvPr id="1" name=""/>
+        <p:cNvGrpSpPr/>
+        <p:nvPr/>
+      </p:nvGrpSpPr>
+      <p:grpSpPr>
+        <a:xfrm>
+          <a:off x="0" y="0"/>
+          <a:ext cx="0" cy="0"/>
+          <a:chOff x="0" y="0"/>
+          <a:chExt cx="0" cy="0"/>
+        </a:xfrm>
+      </p:grpSpPr>
+      <p:graphicFrame>
+        <p:nvGraphicFramePr>
+          <p:cNvPr id="5" name="表格 4"/>
+          <p:cNvGraphicFramePr>
+            <a:graphicFrameLocks noGrp="1"/>
+          </p:cNvGraphicFramePr>
+          <p:nvPr>
+            <p:extLst>
+              <p:ext uri="{D42A27DB-BD31-4B8C-83A1-F6EECF244321}">
+                <p14:modId xmlns:p14="http://schemas.microsoft.com/office/powerpoint/2010/main" val="1927390964"/>
+              </p:ext>
+            </p:extLst>
+          </p:nvPr>
+        </p:nvGraphicFramePr>
+        <p:xfrm>
+          <a:off x="517233" y="577706"/>
+          <a:ext cx="10594112" cy="2895167"/>
+        </p:xfrm>
+        <a:graphic>
+          <a:graphicData uri="http://schemas.openxmlformats.org/drawingml/2006/table">
+            <a:tbl>
+              <a:tblPr firstRow="1" firstCol="1" bandRow="1"/>
+              <a:tblGrid>
+                <a:gridCol w="5297056">
+                  <a:extLst>
+                    <a:ext uri="{9D8B030D-6E8A-4147-A177-3AD203B41FA5}">
+                      <a16:colId xmlns:a16="http://schemas.microsoft.com/office/drawing/2014/main" val="1797296467"/>
+                    </a:ext>
+                  </a:extLst>
+                </a:gridCol>
+                <a:gridCol w="5297056">
+                  <a:extLst>
+                    <a:ext uri="{9D8B030D-6E8A-4147-A177-3AD203B41FA5}">
+                      <a16:colId xmlns:a16="http://schemas.microsoft.com/office/drawing/2014/main" val="679649989"/>
+                    </a:ext>
+                  </a:extLst>
+                </a:gridCol>
+              </a:tblGrid>
+              <a:tr h="456767">
+                <a:tc>
+                  <a:txBody>
+                    <a:bodyPr/>
+                    <a:lstStyle/>
+                    <a:p>
+                      <a:pPr algn="ctr">
+                        <a:spcAft>
+                          <a:spcPts val="0"/>
+                        </a:spcAft>
+                      </a:pPr>
+                      <a:r>
+                        <a:rPr lang="zh-TW" sz="2800" b="1" kern="100" dirty="0">
+                          <a:solidFill>
+                            <a:schemeClr val="tx1"/>
+                          </a:solidFill>
+                          <a:effectLst/>
+                          <a:latin typeface="微軟正黑體" panose="020B0604030504040204" pitchFamily="34" charset="-120"/>
+                          <a:ea typeface="微軟正黑體" panose="020B0604030504040204" pitchFamily="34" charset="-120"/>
+                          <a:cs typeface="Times New Roman" panose="02020603050405020304" pitchFamily="18" charset="0"/>
+                        </a:rPr>
+                        <a:t>基本問診</a:t>
+                      </a:r>
+                    </a:p>
+                  </a:txBody>
+                  <a:tcPr marL="68580" marR="68580" marT="0" marB="0">
+                    <a:lnL w="12700" cap="flat" cmpd="sng" algn="ctr">
+                      <a:solidFill>
+                        <a:srgbClr val="000000"/>
+                      </a:solidFill>
+                      <a:prstDash val="solid"/>
+                      <a:round/>
+                      <a:headEnd type="none" w="med" len="med"/>
+                      <a:tailEnd type="none" w="med" len="med"/>
+                    </a:lnL>
+                    <a:lnR w="12700" cap="flat" cmpd="sng" algn="ctr">
+                      <a:solidFill>
+                        <a:srgbClr val="000000"/>
+                      </a:solidFill>
+                      <a:prstDash val="solid"/>
+                      <a:round/>
+                      <a:headEnd type="none" w="med" len="med"/>
+                      <a:tailEnd type="none" w="med" len="med"/>
+                    </a:lnR>
+                    <a:lnT w="12700" cap="flat" cmpd="sng" algn="ctr">
+                      <a:solidFill>
+                        <a:srgbClr val="000000"/>
+                      </a:solidFill>
+                      <a:prstDash val="solid"/>
+                      <a:round/>
+                      <a:headEnd type="none" w="med" len="med"/>
+                      <a:tailEnd type="none" w="med" len="med"/>
+                    </a:lnT>
+                    <a:lnB w="12700" cap="flat" cmpd="sng" algn="ctr">
+                      <a:solidFill>
+                        <a:srgbClr val="000000"/>
+                      </a:solidFill>
+                      <a:prstDash val="solid"/>
+                      <a:round/>
+                      <a:headEnd type="none" w="med" len="med"/>
+                      <a:tailEnd type="none" w="med" len="med"/>
+                    </a:lnB>
+                    <a:solidFill>
+                      <a:schemeClr val="bg1">
+                        <a:lumMod val="75000"/>
+                      </a:schemeClr>
+                    </a:solidFill>
+                  </a:tcPr>
+                </a:tc>
+                <a:tc>
+                  <a:txBody>
+                    <a:bodyPr/>
+                    <a:lstStyle/>
+                    <a:p>
+                      <a:pPr algn="ctr">
+                        <a:spcAft>
+                          <a:spcPts val="0"/>
+                        </a:spcAft>
+                      </a:pPr>
+                      <a:r>
+                        <a:rPr lang="zh-TW" sz="2800" b="1" kern="100" dirty="0">
+                          <a:solidFill>
+                            <a:schemeClr val="tx1"/>
+                          </a:solidFill>
+                          <a:effectLst/>
+                          <a:latin typeface="微軟正黑體" panose="020B0604030504040204" pitchFamily="34" charset="-120"/>
+                          <a:ea typeface="微軟正黑體" panose="020B0604030504040204" pitchFamily="34" charset="-120"/>
+                          <a:cs typeface="Times New Roman" panose="02020603050405020304" pitchFamily="18" charset="0"/>
+                        </a:rPr>
+                        <a:t>個人史</a:t>
+                      </a:r>
+                      <a:r>
+                        <a:rPr lang="en-US" sz="2800" b="1" kern="100" dirty="0">
+                          <a:solidFill>
+                            <a:schemeClr val="tx1"/>
+                          </a:solidFill>
+                          <a:effectLst/>
+                          <a:latin typeface="微軟正黑體" panose="020B0604030504040204" pitchFamily="34" charset="-120"/>
+                          <a:ea typeface="微軟正黑體" panose="020B0604030504040204" pitchFamily="34" charset="-120"/>
+                          <a:cs typeface="Times New Roman" panose="02020603050405020304" pitchFamily="18" charset="0"/>
+                        </a:rPr>
+                        <a:t>/</a:t>
+                      </a:r>
+                      <a:r>
+                        <a:rPr lang="zh-TW" sz="2800" b="1" kern="100" dirty="0">
+                          <a:solidFill>
+                            <a:schemeClr val="tx1"/>
+                          </a:solidFill>
+                          <a:effectLst/>
+                          <a:latin typeface="微軟正黑體" panose="020B0604030504040204" pitchFamily="34" charset="-120"/>
+                          <a:ea typeface="微軟正黑體" panose="020B0604030504040204" pitchFamily="34" charset="-120"/>
+                          <a:cs typeface="Times New Roman" panose="02020603050405020304" pitchFamily="18" charset="0"/>
+                        </a:rPr>
+                        <a:t>家族史</a:t>
+                      </a:r>
+                    </a:p>
+                  </a:txBody>
+                  <a:tcPr marL="68580" marR="68580" marT="0" marB="0">
+                    <a:lnL w="12700" cap="flat" cmpd="sng" algn="ctr">
+                      <a:solidFill>
+                        <a:srgbClr val="000000"/>
+                      </a:solidFill>
+                      <a:prstDash val="solid"/>
+                      <a:round/>
+                      <a:headEnd type="none" w="med" len="med"/>
+                      <a:tailEnd type="none" w="med" len="med"/>
+                    </a:lnL>
+                    <a:lnR w="12700" cap="flat" cmpd="sng" algn="ctr">
+                      <a:solidFill>
+                        <a:srgbClr val="000000"/>
+                      </a:solidFill>
+                      <a:prstDash val="solid"/>
+                      <a:round/>
+                      <a:headEnd type="none" w="med" len="med"/>
+                      <a:tailEnd type="none" w="med" len="med"/>
+                    </a:lnR>
+                    <a:lnT w="12700" cap="flat" cmpd="sng" algn="ctr">
+                      <a:solidFill>
+                        <a:srgbClr val="000000"/>
+                      </a:solidFill>
+                      <a:prstDash val="solid"/>
+                      <a:round/>
+                      <a:headEnd type="none" w="med" len="med"/>
+                      <a:tailEnd type="none" w="med" len="med"/>
+                    </a:lnT>
+                    <a:lnB w="12700" cap="flat" cmpd="sng" algn="ctr">
+                      <a:solidFill>
+                        <a:srgbClr val="000000"/>
+                      </a:solidFill>
+                      <a:prstDash val="solid"/>
+                      <a:round/>
+                      <a:headEnd type="none" w="med" len="med"/>
+                      <a:tailEnd type="none" w="med" len="med"/>
+                    </a:lnB>
+                    <a:solidFill>
+                      <a:schemeClr val="bg1">
+                        <a:lumMod val="75000"/>
+                      </a:schemeClr>
+                    </a:solidFill>
+                  </a:tcPr>
+                </a:tc>
+                <a:extLst>
+                  <a:ext uri="{0D108BD9-81ED-4DB2-BD59-A6C34878D82A}">
+                    <a16:rowId xmlns:a16="http://schemas.microsoft.com/office/drawing/2014/main" val="2911348349"/>
+                  </a:ext>
+                </a:extLst>
+              </a:tr>
+              <a:tr h="0">
+                <a:tc>
+                  <a:txBody>
+                    <a:bodyPr/>
+                    <a:lstStyle/>
+                    <a:p>
+                      <a:pPr>
+                        <a:spcAft>
+                          <a:spcPts val="0"/>
+                        </a:spcAft>
+                      </a:pPr>
+                      <a:r>
+                        <a:rPr lang="en-US" sz="2000" b="0" kern="100" dirty="0">
+                          <a:solidFill>
+                            <a:schemeClr val="tx1"/>
+                          </a:solidFill>
+                          <a:effectLst/>
+                          <a:latin typeface="微軟正黑體" panose="020B0604030504040204" pitchFamily="34" charset="-120"/>
+                          <a:ea typeface="微軟正黑體" panose="020B0604030504040204" pitchFamily="34" charset="-120"/>
+                          <a:cs typeface="Times New Roman" panose="02020603050405020304" pitchFamily="18" charset="0"/>
+                        </a:rPr>
+                        <a:t>L</a:t>
+                      </a:r>
+                      <a:r>
+                        <a:rPr lang="zh-TW" sz="2000" b="0" kern="100" dirty="0" smtClean="0">
+                          <a:solidFill>
+                            <a:schemeClr val="tx1"/>
+                          </a:solidFill>
+                          <a:effectLst/>
+                          <a:latin typeface="微軟正黑體" panose="020B0604030504040204" pitchFamily="34" charset="-120"/>
+                          <a:ea typeface="微軟正黑體" panose="020B0604030504040204" pitchFamily="34" charset="-120"/>
+                          <a:cs typeface="Times New Roman" panose="02020603050405020304" pitchFamily="18" charset="0"/>
+                        </a:rPr>
+                        <a:t>：</a:t>
+                      </a:r>
+                      <a:r>
+                        <a:rPr lang="zh-TW" altLang="en-US" sz="2000" b="0" kern="100" dirty="0" smtClean="0">
+                          <a:solidFill>
+                            <a:schemeClr val="tx1"/>
+                          </a:solidFill>
+                          <a:effectLst/>
+                          <a:latin typeface="微軟正黑體" panose="020B0604030504040204" pitchFamily="34" charset="-120"/>
+                          <a:ea typeface="微軟正黑體" panose="020B0604030504040204" pitchFamily="34" charset="-120"/>
+                          <a:cs typeface="Times New Roman" panose="02020603050405020304" pitchFamily="18" charset="0"/>
+                        </a:rPr>
+                        <a:t>略</a:t>
+                      </a:r>
+                      <a:endParaRPr lang="en-US" altLang="zh-TW" sz="2000" b="0" kern="100" dirty="0" smtClean="0">
+                        <a:solidFill>
+                          <a:schemeClr val="tx1"/>
+                        </a:solidFill>
+                        <a:effectLst/>
+                        <a:latin typeface="微軟正黑體" panose="020B0604030504040204" pitchFamily="34" charset="-120"/>
+                        <a:ea typeface="微軟正黑體" panose="020B0604030504040204" pitchFamily="34" charset="-120"/>
+                        <a:cs typeface="Times New Roman" panose="02020603050405020304" pitchFamily="18" charset="0"/>
+                      </a:endParaRPr>
+                    </a:p>
+                    <a:p>
+                      <a:pPr>
+                        <a:spcAft>
+                          <a:spcPts val="0"/>
+                        </a:spcAft>
+                      </a:pPr>
+                      <a:r>
+                        <a:rPr lang="en-US" sz="2000" b="0" kern="100" dirty="0" smtClean="0">
+                          <a:solidFill>
+                            <a:schemeClr val="tx1"/>
+                          </a:solidFill>
+                          <a:effectLst/>
+                          <a:latin typeface="微軟正黑體" panose="020B0604030504040204" pitchFamily="34" charset="-120"/>
+                          <a:ea typeface="微軟正黑體" panose="020B0604030504040204" pitchFamily="34" charset="-120"/>
+                          <a:cs typeface="Times New Roman" panose="02020603050405020304" pitchFamily="18" charset="0"/>
+                        </a:rPr>
+                        <a:t>Q</a:t>
+                      </a:r>
+                      <a:r>
+                        <a:rPr lang="zh-TW" sz="2000" b="0" kern="100" dirty="0" smtClean="0">
+                          <a:solidFill>
+                            <a:schemeClr val="tx1"/>
+                          </a:solidFill>
+                          <a:effectLst/>
+                          <a:latin typeface="微軟正黑體" panose="020B0604030504040204" pitchFamily="34" charset="-120"/>
+                          <a:ea typeface="微軟正黑體" panose="020B0604030504040204" pitchFamily="34" charset="-120"/>
+                          <a:cs typeface="Times New Roman" panose="02020603050405020304" pitchFamily="18" charset="0"/>
+                        </a:rPr>
+                        <a:t>：</a:t>
+                      </a:r>
+                      <a:r>
+                        <a:rPr lang="zh-TW" altLang="en-US" sz="2000" b="0" kern="100" dirty="0" smtClean="0">
+                          <a:solidFill>
+                            <a:schemeClr val="tx1"/>
+                          </a:solidFill>
+                          <a:effectLst/>
+                          <a:latin typeface="微軟正黑體" panose="020B0604030504040204" pitchFamily="34" charset="-120"/>
+                          <a:ea typeface="微軟正黑體" panose="020B0604030504040204" pitchFamily="34" charset="-120"/>
+                          <a:cs typeface="Times New Roman" panose="02020603050405020304" pitchFamily="18" charset="0"/>
+                        </a:rPr>
+                        <a:t>略</a:t>
+                      </a:r>
+                      <a:endParaRPr lang="zh-TW" sz="2000" b="0" kern="100" dirty="0">
+                        <a:solidFill>
+                          <a:schemeClr val="tx1"/>
+                        </a:solidFill>
+                        <a:effectLst/>
+                        <a:latin typeface="微軟正黑體" panose="020B0604030504040204" pitchFamily="34" charset="-120"/>
+                        <a:ea typeface="微軟正黑體" panose="020B0604030504040204" pitchFamily="34" charset="-120"/>
+                        <a:cs typeface="Times New Roman" panose="02020603050405020304" pitchFamily="18" charset="0"/>
+                      </a:endParaRPr>
+                    </a:p>
+                    <a:p>
+                      <a:pPr>
+                        <a:spcAft>
+                          <a:spcPts val="0"/>
+                        </a:spcAft>
+                      </a:pPr>
+                      <a:r>
+                        <a:rPr lang="en-US" sz="2000" b="0" kern="100" dirty="0">
+                          <a:solidFill>
+                            <a:schemeClr val="tx1"/>
+                          </a:solidFill>
+                          <a:effectLst/>
+                          <a:latin typeface="微軟正黑體" panose="020B0604030504040204" pitchFamily="34" charset="-120"/>
+                          <a:ea typeface="微軟正黑體" panose="020B0604030504040204" pitchFamily="34" charset="-120"/>
+                          <a:cs typeface="Times New Roman" panose="02020603050405020304" pitchFamily="18" charset="0"/>
+                        </a:rPr>
+                        <a:t>Q</a:t>
+                      </a:r>
+                      <a:r>
+                        <a:rPr lang="zh-TW" sz="2000" b="0" kern="100" dirty="0" smtClean="0">
+                          <a:solidFill>
+                            <a:schemeClr val="tx1"/>
+                          </a:solidFill>
+                          <a:effectLst/>
+                          <a:latin typeface="微軟正黑體" panose="020B0604030504040204" pitchFamily="34" charset="-120"/>
+                          <a:ea typeface="微軟正黑體" panose="020B0604030504040204" pitchFamily="34" charset="-120"/>
+                          <a:cs typeface="Times New Roman" panose="02020603050405020304" pitchFamily="18" charset="0"/>
+                        </a:rPr>
+                        <a:t>：</a:t>
+                      </a:r>
+                      <a:r>
+                        <a:rPr lang="zh-TW" altLang="en-US" sz="2000" b="0" kern="100" dirty="0" smtClean="0">
+                          <a:solidFill>
+                            <a:schemeClr val="tx1"/>
+                          </a:solidFill>
+                          <a:effectLst/>
+                          <a:latin typeface="微軟正黑體" panose="020B0604030504040204" pitchFamily="34" charset="-120"/>
+                          <a:ea typeface="微軟正黑體" panose="020B0604030504040204" pitchFamily="34" charset="-120"/>
+                          <a:cs typeface="Times New Roman" panose="02020603050405020304" pitchFamily="18" charset="0"/>
+                        </a:rPr>
+                        <a:t>略</a:t>
+                      </a:r>
+                      <a:endParaRPr lang="en-US" altLang="zh-TW" sz="2000" b="0" kern="100" dirty="0" smtClean="0">
+                        <a:solidFill>
+                          <a:schemeClr val="tx1"/>
+                        </a:solidFill>
+                        <a:effectLst/>
+                        <a:latin typeface="微軟正黑體" panose="020B0604030504040204" pitchFamily="34" charset="-120"/>
+                        <a:ea typeface="微軟正黑體" panose="020B0604030504040204" pitchFamily="34" charset="-120"/>
+                        <a:cs typeface="Times New Roman" panose="02020603050405020304" pitchFamily="18" charset="0"/>
+                      </a:endParaRPr>
+                    </a:p>
+                    <a:p>
+                      <a:pPr>
+                        <a:spcAft>
+                          <a:spcPts val="0"/>
+                        </a:spcAft>
+                      </a:pPr>
+                      <a:r>
+                        <a:rPr lang="en-US" sz="2000" b="0" kern="100" dirty="0" smtClean="0">
+                          <a:solidFill>
+                            <a:schemeClr val="tx1"/>
+                          </a:solidFill>
+                          <a:effectLst/>
+                          <a:latin typeface="微軟正黑體" panose="020B0604030504040204" pitchFamily="34" charset="-120"/>
+                          <a:ea typeface="微軟正黑體" panose="020B0604030504040204" pitchFamily="34" charset="-120"/>
+                          <a:cs typeface="Times New Roman" panose="02020603050405020304" pitchFamily="18" charset="0"/>
+                        </a:rPr>
+                        <a:t>O</a:t>
+                      </a:r>
+                      <a:r>
+                        <a:rPr lang="zh-TW" sz="2000" b="0" kern="100" dirty="0" smtClean="0">
+                          <a:solidFill>
+                            <a:schemeClr val="tx1"/>
+                          </a:solidFill>
+                          <a:effectLst/>
+                          <a:latin typeface="微軟正黑體" panose="020B0604030504040204" pitchFamily="34" charset="-120"/>
+                          <a:ea typeface="微軟正黑體" panose="020B0604030504040204" pitchFamily="34" charset="-120"/>
+                          <a:cs typeface="Times New Roman" panose="02020603050405020304" pitchFamily="18" charset="0"/>
+                        </a:rPr>
+                        <a:t>：</a:t>
+                      </a:r>
+                      <a:r>
+                        <a:rPr lang="zh-TW" altLang="en-US" sz="2000" b="0" kern="100" dirty="0" smtClean="0">
+                          <a:solidFill>
+                            <a:schemeClr val="tx1"/>
+                          </a:solidFill>
+                          <a:effectLst/>
+                          <a:latin typeface="微軟正黑體" panose="020B0604030504040204" pitchFamily="34" charset="-120"/>
+                          <a:ea typeface="微軟正黑體" panose="020B0604030504040204" pitchFamily="34" charset="-120"/>
+                          <a:cs typeface="Times New Roman" panose="02020603050405020304" pitchFamily="18" charset="0"/>
+                        </a:rPr>
+                        <a:t>略</a:t>
+                      </a:r>
+                      <a:endParaRPr lang="en-US" altLang="zh-TW" sz="2000" b="0" kern="100" dirty="0" smtClean="0">
+                        <a:solidFill>
+                          <a:schemeClr val="tx1"/>
+                        </a:solidFill>
+                        <a:effectLst/>
+                        <a:latin typeface="微軟正黑體" panose="020B0604030504040204" pitchFamily="34" charset="-120"/>
+                        <a:ea typeface="微軟正黑體" panose="020B0604030504040204" pitchFamily="34" charset="-120"/>
+                        <a:cs typeface="Times New Roman" panose="02020603050405020304" pitchFamily="18" charset="0"/>
+                      </a:endParaRPr>
+                    </a:p>
+                    <a:p>
+                      <a:pPr>
+                        <a:spcAft>
+                          <a:spcPts val="0"/>
+                        </a:spcAft>
+                      </a:pPr>
+                      <a:r>
+                        <a:rPr lang="en-US" sz="2000" b="0" kern="100" dirty="0" smtClean="0">
+                          <a:solidFill>
+                            <a:schemeClr val="tx1"/>
+                          </a:solidFill>
+                          <a:effectLst/>
+                          <a:latin typeface="微軟正黑體" panose="020B0604030504040204" pitchFamily="34" charset="-120"/>
+                          <a:ea typeface="微軟正黑體" panose="020B0604030504040204" pitchFamily="34" charset="-120"/>
+                          <a:cs typeface="Times New Roman" panose="02020603050405020304" pitchFamily="18" charset="0"/>
+                        </a:rPr>
+                        <a:t>P</a:t>
+                      </a:r>
+                      <a:r>
+                        <a:rPr lang="zh-TW" sz="2000" b="0" kern="100" dirty="0" smtClean="0">
+                          <a:solidFill>
+                            <a:schemeClr val="tx1"/>
+                          </a:solidFill>
+                          <a:effectLst/>
+                          <a:latin typeface="微軟正黑體" panose="020B0604030504040204" pitchFamily="34" charset="-120"/>
+                          <a:ea typeface="微軟正黑體" panose="020B0604030504040204" pitchFamily="34" charset="-120"/>
+                          <a:cs typeface="Times New Roman" panose="02020603050405020304" pitchFamily="18" charset="0"/>
+                        </a:rPr>
+                        <a:t>：</a:t>
+                      </a:r>
+                      <a:r>
+                        <a:rPr lang="zh-TW" altLang="en-US" sz="2000" b="0" kern="100" dirty="0" smtClean="0">
+                          <a:solidFill>
+                            <a:schemeClr val="tx1"/>
+                          </a:solidFill>
+                          <a:effectLst/>
+                          <a:latin typeface="微軟正黑體" panose="020B0604030504040204" pitchFamily="34" charset="-120"/>
+                          <a:ea typeface="微軟正黑體" panose="020B0604030504040204" pitchFamily="34" charset="-120"/>
+                          <a:cs typeface="Times New Roman" panose="02020603050405020304" pitchFamily="18" charset="0"/>
+                        </a:rPr>
+                        <a:t>略</a:t>
+                      </a:r>
+                      <a:endParaRPr lang="zh-TW" sz="2000" b="0" kern="100" dirty="0">
+                        <a:solidFill>
+                          <a:schemeClr val="tx1"/>
+                        </a:solidFill>
+                        <a:effectLst/>
+                        <a:latin typeface="微軟正黑體" panose="020B0604030504040204" pitchFamily="34" charset="-120"/>
+                        <a:ea typeface="微軟正黑體" panose="020B0604030504040204" pitchFamily="34" charset="-120"/>
+                        <a:cs typeface="Times New Roman" panose="02020603050405020304" pitchFamily="18" charset="0"/>
+                      </a:endParaRPr>
+                    </a:p>
+                    <a:p>
+                      <a:pPr>
+                        <a:spcAft>
+                          <a:spcPts val="0"/>
+                        </a:spcAft>
+                      </a:pPr>
+                      <a:r>
+                        <a:rPr lang="en-US" sz="2000" b="0" kern="100" dirty="0">
+                          <a:solidFill>
+                            <a:schemeClr val="tx1"/>
+                          </a:solidFill>
+                          <a:effectLst/>
+                          <a:latin typeface="微軟正黑體" panose="020B0604030504040204" pitchFamily="34" charset="-120"/>
+                          <a:ea typeface="微軟正黑體" panose="020B0604030504040204" pitchFamily="34" charset="-120"/>
+                          <a:cs typeface="Times New Roman" panose="02020603050405020304" pitchFamily="18" charset="0"/>
+                        </a:rPr>
+                        <a:t>E</a:t>
+                      </a:r>
+                      <a:r>
+                        <a:rPr lang="zh-TW" sz="2000" b="0" kern="100" dirty="0" smtClean="0">
+                          <a:solidFill>
+                            <a:schemeClr val="tx1"/>
+                          </a:solidFill>
+                          <a:effectLst/>
+                          <a:latin typeface="微軟正黑體" panose="020B0604030504040204" pitchFamily="34" charset="-120"/>
+                          <a:ea typeface="微軟正黑體" panose="020B0604030504040204" pitchFamily="34" charset="-120"/>
+                          <a:cs typeface="Times New Roman" panose="02020603050405020304" pitchFamily="18" charset="0"/>
+                        </a:rPr>
+                        <a:t>：</a:t>
+                      </a:r>
+                      <a:r>
+                        <a:rPr lang="zh-TW" altLang="en-US" sz="2000" b="0" kern="100" dirty="0" smtClean="0">
+                          <a:solidFill>
+                            <a:schemeClr val="tx1"/>
+                          </a:solidFill>
+                          <a:effectLst/>
+                          <a:latin typeface="微軟正黑體" panose="020B0604030504040204" pitchFamily="34" charset="-120"/>
+                          <a:ea typeface="微軟正黑體" panose="020B0604030504040204" pitchFamily="34" charset="-120"/>
+                          <a:cs typeface="Times New Roman" panose="02020603050405020304" pitchFamily="18" charset="0"/>
+                        </a:rPr>
+                        <a:t>略</a:t>
+                      </a:r>
+                      <a:endParaRPr lang="zh-TW" sz="2000" b="0" kern="100" dirty="0">
+                        <a:solidFill>
+                          <a:schemeClr val="tx1"/>
+                        </a:solidFill>
+                        <a:effectLst/>
+                        <a:latin typeface="微軟正黑體" panose="020B0604030504040204" pitchFamily="34" charset="-120"/>
+                        <a:ea typeface="微軟正黑體" panose="020B0604030504040204" pitchFamily="34" charset="-120"/>
+                        <a:cs typeface="Times New Roman" panose="02020603050405020304" pitchFamily="18" charset="0"/>
+                      </a:endParaRPr>
+                    </a:p>
+                    <a:p>
+                      <a:pPr>
+                        <a:spcAft>
+                          <a:spcPts val="0"/>
+                        </a:spcAft>
+                      </a:pPr>
+                      <a:r>
+                        <a:rPr lang="en-US" sz="2000" b="0" kern="100" dirty="0">
+                          <a:solidFill>
+                            <a:schemeClr val="tx1"/>
+                          </a:solidFill>
+                          <a:effectLst/>
+                          <a:latin typeface="微軟正黑體" panose="020B0604030504040204" pitchFamily="34" charset="-120"/>
+                          <a:ea typeface="微軟正黑體" panose="020B0604030504040204" pitchFamily="34" charset="-120"/>
+                          <a:cs typeface="Times New Roman" panose="02020603050405020304" pitchFamily="18" charset="0"/>
+                        </a:rPr>
+                        <a:t>R</a:t>
+                      </a:r>
+                      <a:r>
+                        <a:rPr lang="zh-TW" sz="2000" b="0" kern="100" dirty="0" smtClean="0">
+                          <a:solidFill>
+                            <a:schemeClr val="tx1"/>
+                          </a:solidFill>
+                          <a:effectLst/>
+                          <a:latin typeface="微軟正黑體" panose="020B0604030504040204" pitchFamily="34" charset="-120"/>
+                          <a:ea typeface="微軟正黑體" panose="020B0604030504040204" pitchFamily="34" charset="-120"/>
+                          <a:cs typeface="Times New Roman" panose="02020603050405020304" pitchFamily="18" charset="0"/>
+                        </a:rPr>
+                        <a:t>：</a:t>
+                      </a:r>
+                      <a:r>
+                        <a:rPr lang="zh-TW" altLang="en-US" sz="2000" b="0" kern="100" dirty="0" smtClean="0">
+                          <a:solidFill>
+                            <a:schemeClr val="tx1"/>
+                          </a:solidFill>
+                          <a:effectLst/>
+                          <a:latin typeface="微軟正黑體" panose="020B0604030504040204" pitchFamily="34" charset="-120"/>
+                          <a:ea typeface="微軟正黑體" panose="020B0604030504040204" pitchFamily="34" charset="-120"/>
+                          <a:cs typeface="Times New Roman" panose="02020603050405020304" pitchFamily="18" charset="0"/>
+                        </a:rPr>
+                        <a:t>略</a:t>
+                      </a:r>
+                      <a:endParaRPr lang="zh-TW" sz="2000" b="0" kern="100" dirty="0">
+                        <a:solidFill>
+                          <a:schemeClr val="tx1"/>
+                        </a:solidFill>
+                        <a:effectLst/>
+                        <a:latin typeface="微軟正黑體" panose="020B0604030504040204" pitchFamily="34" charset="-120"/>
+                        <a:ea typeface="微軟正黑體" panose="020B0604030504040204" pitchFamily="34" charset="-120"/>
+                        <a:cs typeface="Times New Roman" panose="02020603050405020304" pitchFamily="18" charset="0"/>
+                      </a:endParaRPr>
+                    </a:p>
+                    <a:p>
+                      <a:pPr>
+                        <a:spcAft>
+                          <a:spcPts val="0"/>
+                        </a:spcAft>
+                      </a:pPr>
+                      <a:r>
+                        <a:rPr lang="en-US" sz="2000" b="0" kern="100" dirty="0">
+                          <a:solidFill>
+                            <a:schemeClr val="tx1"/>
+                          </a:solidFill>
+                          <a:effectLst/>
+                          <a:latin typeface="微軟正黑體" panose="020B0604030504040204" pitchFamily="34" charset="-120"/>
+                          <a:ea typeface="微軟正黑體" panose="020B0604030504040204" pitchFamily="34" charset="-120"/>
+                          <a:cs typeface="Times New Roman" panose="02020603050405020304" pitchFamily="18" charset="0"/>
+                        </a:rPr>
+                        <a:t>A</a:t>
+                      </a:r>
+                      <a:r>
+                        <a:rPr lang="zh-TW" sz="2000" b="0" kern="100" dirty="0" smtClean="0">
+                          <a:solidFill>
+                            <a:schemeClr val="tx1"/>
+                          </a:solidFill>
+                          <a:effectLst/>
+                          <a:latin typeface="微軟正黑體" panose="020B0604030504040204" pitchFamily="34" charset="-120"/>
+                          <a:ea typeface="微軟正黑體" panose="020B0604030504040204" pitchFamily="34" charset="-120"/>
+                          <a:cs typeface="Times New Roman" panose="02020603050405020304" pitchFamily="18" charset="0"/>
+                        </a:rPr>
+                        <a:t>：</a:t>
+                      </a:r>
+                      <a:r>
+                        <a:rPr lang="zh-TW" altLang="en-US" sz="2000" b="0" kern="100" dirty="0" smtClean="0">
+                          <a:solidFill>
+                            <a:schemeClr val="tx1"/>
+                          </a:solidFill>
+                          <a:effectLst/>
+                          <a:latin typeface="微軟正黑體" panose="020B0604030504040204" pitchFamily="34" charset="-120"/>
+                          <a:ea typeface="微軟正黑體" panose="020B0604030504040204" pitchFamily="34" charset="-120"/>
+                          <a:cs typeface="Times New Roman" panose="02020603050405020304" pitchFamily="18" charset="0"/>
+                        </a:rPr>
+                        <a:t>略</a:t>
+                      </a:r>
+                      <a:endParaRPr lang="zh-TW" sz="2000" b="0" kern="100" dirty="0">
+                        <a:solidFill>
+                          <a:schemeClr val="tx1"/>
+                        </a:solidFill>
+                        <a:effectLst/>
+                        <a:latin typeface="微軟正黑體" panose="020B0604030504040204" pitchFamily="34" charset="-120"/>
+                        <a:ea typeface="微軟正黑體" panose="020B0604030504040204" pitchFamily="34" charset="-120"/>
+                        <a:cs typeface="Times New Roman" panose="02020603050405020304" pitchFamily="18" charset="0"/>
+                      </a:endParaRPr>
+                    </a:p>
+                  </a:txBody>
+                  <a:tcPr marL="68580" marR="68580" marT="0" marB="0">
+                    <a:lnL w="12700" cap="flat" cmpd="sng" algn="ctr">
+                      <a:solidFill>
+                        <a:srgbClr val="000000"/>
+                      </a:solidFill>
+                      <a:prstDash val="solid"/>
+                      <a:round/>
+                      <a:headEnd type="none" w="med" len="med"/>
+                      <a:tailEnd type="none" w="med" len="med"/>
+                    </a:lnL>
+                    <a:lnR w="12700" cap="flat" cmpd="sng" algn="ctr">
+                      <a:solidFill>
+                        <a:srgbClr val="000000"/>
+                      </a:solidFill>
+                      <a:prstDash val="solid"/>
+                      <a:round/>
+                      <a:headEnd type="none" w="med" len="med"/>
+                      <a:tailEnd type="none" w="med" len="med"/>
+                    </a:lnR>
+                    <a:lnT w="12700" cap="flat" cmpd="sng" algn="ctr">
+                      <a:solidFill>
+                        <a:srgbClr val="000000"/>
+                      </a:solidFill>
+                      <a:prstDash val="solid"/>
+                      <a:round/>
+                      <a:headEnd type="none" w="med" len="med"/>
+                      <a:tailEnd type="none" w="med" len="med"/>
+                    </a:lnT>
+                    <a:lnB w="12700" cap="flat" cmpd="sng" algn="ctr">
+                      <a:solidFill>
+                        <a:srgbClr val="000000"/>
+                      </a:solidFill>
+                      <a:prstDash val="solid"/>
+                      <a:round/>
+                      <a:headEnd type="none" w="med" len="med"/>
+                      <a:tailEnd type="none" w="med" len="med"/>
+                    </a:lnB>
+                    <a:solidFill>
+                      <a:schemeClr val="bg1"/>
+                    </a:solidFill>
+                  </a:tcPr>
+                </a:tc>
+                <a:tc>
+                  <a:txBody>
+                    <a:bodyPr/>
+                    <a:lstStyle/>
+                    <a:p>
+                      <a:pPr>
+                        <a:spcAft>
+                          <a:spcPts val="0"/>
+                        </a:spcAft>
+                      </a:pPr>
+                      <a:r>
+                        <a:rPr lang="zh-TW" sz="2000" b="1" kern="100" smtClean="0">
+                          <a:solidFill>
+                            <a:schemeClr val="tx1"/>
+                          </a:solidFill>
+                          <a:effectLst/>
+                          <a:latin typeface="微軟正黑體" panose="020B0604030504040204" pitchFamily="34" charset="-120"/>
+                          <a:ea typeface="微軟正黑體" panose="020B0604030504040204" pitchFamily="34" charset="-120"/>
+                          <a:cs typeface="Times New Roman" panose="02020603050405020304" pitchFamily="18" charset="0"/>
+                        </a:rPr>
+                        <a:t>個人</a:t>
+                      </a:r>
+                      <a:r>
+                        <a:rPr lang="zh-TW" sz="2000" b="1" kern="100" dirty="0" smtClean="0">
+                          <a:solidFill>
+                            <a:schemeClr val="tx1"/>
+                          </a:solidFill>
+                          <a:effectLst/>
+                          <a:latin typeface="微軟正黑體" panose="020B0604030504040204" pitchFamily="34" charset="-120"/>
+                          <a:ea typeface="微軟正黑體" panose="020B0604030504040204" pitchFamily="34" charset="-120"/>
+                          <a:cs typeface="Times New Roman" panose="02020603050405020304" pitchFamily="18" charset="0"/>
+                        </a:rPr>
+                        <a:t>史</a:t>
+                      </a:r>
+                      <a:r>
+                        <a:rPr lang="zh-TW" altLang="en-US" sz="2000" b="0" kern="100" dirty="0" smtClean="0">
+                          <a:solidFill>
+                            <a:schemeClr val="tx1"/>
+                          </a:solidFill>
+                          <a:effectLst/>
+                          <a:latin typeface="微軟正黑體" panose="020B0604030504040204" pitchFamily="34" charset="-120"/>
+                          <a:ea typeface="微軟正黑體" panose="020B0604030504040204" pitchFamily="34" charset="-120"/>
+                          <a:cs typeface="Times New Roman" panose="02020603050405020304" pitchFamily="18" charset="0"/>
+                        </a:rPr>
+                        <a:t>：符合憂鬱症之標準</a:t>
+                      </a:r>
+                      <a:r>
+                        <a:rPr lang="en-US" sz="2000" b="0" kern="100" dirty="0">
+                          <a:solidFill>
+                            <a:schemeClr val="tx1"/>
+                          </a:solidFill>
+                          <a:effectLst/>
+                          <a:latin typeface="微軟正黑體" panose="020B0604030504040204" pitchFamily="34" charset="-120"/>
+                          <a:ea typeface="微軟正黑體" panose="020B0604030504040204" pitchFamily="34" charset="-120"/>
+                          <a:cs typeface="Times New Roman" panose="02020603050405020304" pitchFamily="18" charset="0"/>
+                        </a:rPr>
+                        <a:t> </a:t>
+                      </a:r>
+                      <a:endParaRPr lang="zh-TW" sz="2000" b="0" kern="100" dirty="0">
+                        <a:solidFill>
+                          <a:schemeClr val="tx1"/>
+                        </a:solidFill>
+                        <a:effectLst/>
+                        <a:latin typeface="微軟正黑體" panose="020B0604030504040204" pitchFamily="34" charset="-120"/>
+                        <a:ea typeface="微軟正黑體" panose="020B0604030504040204" pitchFamily="34" charset="-120"/>
+                        <a:cs typeface="Times New Roman" panose="02020603050405020304" pitchFamily="18" charset="0"/>
+                      </a:endParaRPr>
+                    </a:p>
+                  </a:txBody>
+                  <a:tcPr marL="68580" marR="68580" marT="0" marB="0">
+                    <a:lnL w="12700" cap="flat" cmpd="sng" algn="ctr">
+                      <a:solidFill>
+                        <a:srgbClr val="000000"/>
+                      </a:solidFill>
+                      <a:prstDash val="solid"/>
+                      <a:round/>
+                      <a:headEnd type="none" w="med" len="med"/>
+                      <a:tailEnd type="none" w="med" len="med"/>
+                    </a:lnL>
+                    <a:lnR w="12700" cap="flat" cmpd="sng" algn="ctr">
+                      <a:solidFill>
+                        <a:srgbClr val="000000"/>
+                      </a:solidFill>
+                      <a:prstDash val="solid"/>
+                      <a:round/>
+                      <a:headEnd type="none" w="med" len="med"/>
+                      <a:tailEnd type="none" w="med" len="med"/>
+                    </a:lnR>
+                    <a:lnT w="12700" cap="flat" cmpd="sng" algn="ctr">
+                      <a:solidFill>
+                        <a:srgbClr val="000000"/>
+                      </a:solidFill>
+                      <a:prstDash val="solid"/>
+                      <a:round/>
+                      <a:headEnd type="none" w="med" len="med"/>
+                      <a:tailEnd type="none" w="med" len="med"/>
+                    </a:lnT>
+                    <a:lnB w="12700" cap="flat" cmpd="sng" algn="ctr">
+                      <a:solidFill>
+                        <a:srgbClr val="000000"/>
+                      </a:solidFill>
+                      <a:prstDash val="solid"/>
+                      <a:round/>
+                      <a:headEnd type="none" w="med" len="med"/>
+                      <a:tailEnd type="none" w="med" len="med"/>
+                    </a:lnB>
+                    <a:solidFill>
+                      <a:schemeClr val="bg1"/>
+                    </a:solidFill>
+                  </a:tcPr>
+                </a:tc>
+                <a:extLst>
+                  <a:ext uri="{0D108BD9-81ED-4DB2-BD59-A6C34878D82A}">
+                    <a16:rowId xmlns:a16="http://schemas.microsoft.com/office/drawing/2014/main" val="1597264651"/>
+                  </a:ext>
+                </a:extLst>
+              </a:tr>
+            </a:tbl>
+          </a:graphicData>
+        </a:graphic>
+      </p:graphicFrame>
+    </p:spTree>
+    <p:extLst>
+      <p:ext uri="{BB962C8B-B14F-4D97-AF65-F5344CB8AC3E}">
+        <p14:creationId xmlns:p14="http://schemas.microsoft.com/office/powerpoint/2010/main" val="1370163711"/>
       </p:ext>
     </p:extLst>
   </p:cSld>
